--- a/presentation draft.pptx
+++ b/presentation draft.pptx
@@ -8,7 +8,11 @@
     <p:sldId id="256" r:id="rId2"/>
     <p:sldId id="257" r:id="rId3"/>
     <p:sldId id="259" r:id="rId4"/>
-    <p:sldId id="260" r:id="rId5"/>
+    <p:sldId id="261" r:id="rId5"/>
+    <p:sldId id="262" r:id="rId6"/>
+    <p:sldId id="265" r:id="rId7"/>
+    <p:sldId id="263" r:id="rId8"/>
+    <p:sldId id="260" r:id="rId9"/>
   </p:sldIdLst>
   <p:sldSz cx="12192000" cy="6858000"/>
   <p:notesSz cx="6858000" cy="9144000"/>
@@ -107,6 +111,11 @@
       </a:defRPr>
     </a:lvl9pPr>
   </p:defaultTextStyle>
+  <p:extLst>
+    <p:ext uri="{EFAFB233-063F-42B5-8137-9DF3F51BA10A}">
+      <p15:sldGuideLst xmlns:p15="http://schemas.microsoft.com/office/powerpoint/2012/main"/>
+    </p:ext>
+  </p:extLst>
 </p:presentation>
 </file>
 
@@ -164,6 +173,13 @@
             <a:schemeClr val="lt1"/>
           </a:fontRef>
         </p:style>
+        <p:txBody>
+          <a:bodyPr/>
+          <a:lstStyle/>
+          <a:p>
+            <a:endParaRPr lang="en-US"/>
+          </a:p>
+        </p:txBody>
       </p:sp>
       <p:sp>
         <p:nvSpPr>
@@ -202,6 +218,13 @@
             <a:schemeClr val="lt1"/>
           </a:fontRef>
         </p:style>
+        <p:txBody>
+          <a:bodyPr/>
+          <a:lstStyle/>
+          <a:p>
+            <a:endParaRPr lang="en-US"/>
+          </a:p>
+        </p:txBody>
       </p:sp>
       <p:sp>
         <p:nvSpPr>
@@ -336,7 +359,7 @@
           <a:p>
             <a:fld id="{D341B595-366B-43E2-A22E-EA6A78C03F06}" type="datetimeFigureOut">
               <a:rPr lang="en-US" smtClean="0"/>
-              <a:t>12/19/2025</a:t>
+              <a:t>12/22/2025</a:t>
             </a:fld>
             <a:endParaRPr lang="en-US"/>
           </a:p>
@@ -544,7 +567,7 @@
           <a:p>
             <a:fld id="{D341B595-366B-43E2-A22E-EA6A78C03F06}" type="datetimeFigureOut">
               <a:rPr lang="en-US" smtClean="0"/>
-              <a:t>12/19/2025</a:t>
+              <a:t>12/22/2025</a:t>
             </a:fld>
             <a:endParaRPr lang="en-US"/>
           </a:p>
@@ -800,7 +823,7 @@
           <a:p>
             <a:fld id="{D341B595-366B-43E2-A22E-EA6A78C03F06}" type="datetimeFigureOut">
               <a:rPr lang="en-US" smtClean="0"/>
-              <a:t>12/19/2025</a:t>
+              <a:t>12/22/2025</a:t>
             </a:fld>
             <a:endParaRPr lang="en-US"/>
           </a:p>
@@ -974,7 +997,7 @@
           <a:p>
             <a:fld id="{D341B595-366B-43E2-A22E-EA6A78C03F06}" type="datetimeFigureOut">
               <a:rPr lang="en-US" smtClean="0"/>
-              <a:t>12/19/2025</a:t>
+              <a:t>12/22/2025</a:t>
             </a:fld>
             <a:endParaRPr lang="en-US"/>
           </a:p>
@@ -1317,7 +1340,7 @@
           <a:p>
             <a:fld id="{D341B595-366B-43E2-A22E-EA6A78C03F06}" type="datetimeFigureOut">
               <a:rPr lang="en-US" smtClean="0"/>
-              <a:t>12/19/2025</a:t>
+              <a:t>12/22/2025</a:t>
             </a:fld>
             <a:endParaRPr lang="en-US"/>
           </a:p>
@@ -1592,7 +1615,7 @@
           <a:p>
             <a:fld id="{D341B595-366B-43E2-A22E-EA6A78C03F06}" type="datetimeFigureOut">
               <a:rPr lang="en-US" smtClean="0"/>
-              <a:t>12/19/2025</a:t>
+              <a:t>12/22/2025</a:t>
             </a:fld>
             <a:endParaRPr lang="en-US"/>
           </a:p>
@@ -1971,7 +1994,7 @@
           <a:p>
             <a:fld id="{D341B595-366B-43E2-A22E-EA6A78C03F06}" type="datetimeFigureOut">
               <a:rPr lang="en-US" smtClean="0"/>
-              <a:t>12/19/2025</a:t>
+              <a:t>12/22/2025</a:t>
             </a:fld>
             <a:endParaRPr lang="en-US"/>
           </a:p>
@@ -2089,7 +2112,7 @@
           <a:p>
             <a:fld id="{D341B595-366B-43E2-A22E-EA6A78C03F06}" type="datetimeFigureOut">
               <a:rPr lang="en-US" smtClean="0"/>
-              <a:t>12/19/2025</a:t>
+              <a:t>12/22/2025</a:t>
             </a:fld>
             <a:endParaRPr lang="en-US"/>
           </a:p>
@@ -2260,7 +2283,7 @@
           <a:p>
             <a:fld id="{D341B595-366B-43E2-A22E-EA6A78C03F06}" type="datetimeFigureOut">
               <a:rPr lang="en-US" smtClean="0"/>
-              <a:t>12/19/2025</a:t>
+              <a:t>12/22/2025</a:t>
             </a:fld>
             <a:endParaRPr lang="en-US"/>
           </a:p>
@@ -2614,7 +2637,7 @@
           <a:p>
             <a:fld id="{D341B595-366B-43E2-A22E-EA6A78C03F06}" type="datetimeFigureOut">
               <a:rPr lang="en-US" smtClean="0"/>
-              <a:t>12/19/2025</a:t>
+              <a:t>12/22/2025</a:t>
             </a:fld>
             <a:endParaRPr lang="en-US"/>
           </a:p>
@@ -2996,7 +3019,7 @@
           <a:p>
             <a:fld id="{D341B595-366B-43E2-A22E-EA6A78C03F06}" type="datetimeFigureOut">
               <a:rPr lang="en-US" smtClean="0"/>
-              <a:t>12/19/2025</a:t>
+              <a:t>12/22/2025</a:t>
             </a:fld>
             <a:endParaRPr lang="en-US"/>
           </a:p>
@@ -3116,6 +3139,13 @@
             <a:schemeClr val="lt1"/>
           </a:fontRef>
         </p:style>
+        <p:txBody>
+          <a:bodyPr/>
+          <a:lstStyle/>
+          <a:p>
+            <a:endParaRPr lang="en-US"/>
+          </a:p>
+        </p:txBody>
       </p:sp>
       <p:sp>
         <p:nvSpPr>
@@ -3154,6 +3184,13 @@
             <a:schemeClr val="lt1"/>
           </a:fontRef>
         </p:style>
+        <p:txBody>
+          <a:bodyPr/>
+          <a:lstStyle/>
+          <a:p>
+            <a:endParaRPr lang="en-US"/>
+          </a:p>
+        </p:txBody>
       </p:sp>
       <p:sp>
         <p:nvSpPr>
@@ -3283,7 +3320,7 @@
           <a:p>
             <a:fld id="{D341B595-366B-43E2-A22E-EA6A78C03F06}" type="datetimeFigureOut">
               <a:rPr lang="en-US" smtClean="0"/>
-              <a:t>12/19/2025</a:t>
+              <a:t>12/22/2025</a:t>
             </a:fld>
             <a:endParaRPr lang="en-US"/>
           </a:p>
@@ -4769,7 +4806,12 @@
             <p:ph idx="1"/>
           </p:nvPr>
         </p:nvSpPr>
-        <p:spPr/>
+        <p:spPr>
+          <a:xfrm>
+            <a:off x="1097280" y="1845734"/>
+            <a:ext cx="10250170" cy="4023360"/>
+          </a:xfrm>
+        </p:spPr>
         <p:txBody>
           <a:bodyPr/>
           <a:lstStyle/>
@@ -4802,7 +4844,47 @@
                   </a:schemeClr>
                 </a:solidFill>
               </a:rPr>
-              <a:t>After downloading the full dataset, I filtered for children’s literature by searching for “juvenile fiction” and “juvenile nonfiction” among the subjects listed for each title.  </a:t>
+              <a:t>After downloading the full dataset, I filtered for children’s literature by searching for titles tagged as “</a:t>
+            </a:r>
+            <a:r>
+              <a:rPr lang="en-US" b="1" dirty="0">
+                <a:solidFill>
+                  <a:schemeClr val="accent2">
+                    <a:lumMod val="75000"/>
+                  </a:schemeClr>
+                </a:solidFill>
+              </a:rPr>
+              <a:t>juvenile fiction</a:t>
+            </a:r>
+            <a:r>
+              <a:rPr lang="en-US" dirty="0">
+                <a:solidFill>
+                  <a:schemeClr val="accent2">
+                    <a:lumMod val="75000"/>
+                  </a:schemeClr>
+                </a:solidFill>
+              </a:rPr>
+              <a:t>” or “</a:t>
+            </a:r>
+            <a:r>
+              <a:rPr lang="en-US" b="1" dirty="0">
+                <a:solidFill>
+                  <a:schemeClr val="accent2">
+                    <a:lumMod val="75000"/>
+                  </a:schemeClr>
+                </a:solidFill>
+              </a:rPr>
+              <a:t>juvenile nonfiction</a:t>
+            </a:r>
+            <a:r>
+              <a:rPr lang="en-US" dirty="0">
+                <a:solidFill>
+                  <a:schemeClr val="accent2">
+                    <a:lumMod val="75000"/>
+                  </a:schemeClr>
+                </a:solidFill>
+              </a:rPr>
+              <a:t>”.  </a:t>
             </a:r>
           </a:p>
           <a:p>
@@ -4818,7 +4900,47 @@
                   </a:schemeClr>
                 </a:solidFill>
               </a:rPr>
-              <a:t>Like many libraries, SPL’s collection also includes music and videos – I also filtered my results to focus on books and audiobooks in both physical and digital formats.</a:t>
+              <a:t>Like many libraries, SPL’s collection also includes music and videos – so I also filtered my results to only </a:t>
+            </a:r>
+            <a:r>
+              <a:rPr lang="en-US" b="1" dirty="0">
+                <a:solidFill>
+                  <a:schemeClr val="accent2">
+                    <a:lumMod val="75000"/>
+                  </a:schemeClr>
+                </a:solidFill>
+              </a:rPr>
+              <a:t>books</a:t>
+            </a:r>
+            <a:r>
+              <a:rPr lang="en-US" dirty="0">
+                <a:solidFill>
+                  <a:schemeClr val="accent2">
+                    <a:lumMod val="75000"/>
+                  </a:schemeClr>
+                </a:solidFill>
+              </a:rPr>
+              <a:t> and </a:t>
+            </a:r>
+            <a:r>
+              <a:rPr lang="en-US" b="1" dirty="0">
+                <a:solidFill>
+                  <a:schemeClr val="accent2">
+                    <a:lumMod val="75000"/>
+                  </a:schemeClr>
+                </a:solidFill>
+              </a:rPr>
+              <a:t>audiobooks</a:t>
+            </a:r>
+            <a:r>
+              <a:rPr lang="en-US" dirty="0">
+                <a:solidFill>
+                  <a:schemeClr val="accent2">
+                    <a:lumMod val="75000"/>
+                  </a:schemeClr>
+                </a:solidFill>
+              </a:rPr>
+              <a:t> in both physical and digital formats.</a:t>
             </a:r>
           </a:p>
           <a:p>
@@ -4834,7 +4956,47 @@
                   </a:schemeClr>
                 </a:solidFill>
               </a:rPr>
-              <a:t>This left me with 130,141 unique titles and their checkout data from April 2005 through November 2025.</a:t>
+              <a:t>This left me with </a:t>
+            </a:r>
+            <a:r>
+              <a:rPr lang="en-US" b="1" dirty="0">
+                <a:solidFill>
+                  <a:schemeClr val="accent2">
+                    <a:lumMod val="75000"/>
+                  </a:schemeClr>
+                </a:solidFill>
+              </a:rPr>
+              <a:t>130,141 unique titles</a:t>
+            </a:r>
+            <a:r>
+              <a:rPr lang="en-US" dirty="0">
+                <a:solidFill>
+                  <a:schemeClr val="accent2">
+                    <a:lumMod val="75000"/>
+                  </a:schemeClr>
+                </a:solidFill>
+              </a:rPr>
+              <a:t> and their checkout data from </a:t>
+            </a:r>
+            <a:r>
+              <a:rPr lang="en-US" b="1" dirty="0">
+                <a:solidFill>
+                  <a:schemeClr val="accent2">
+                    <a:lumMod val="75000"/>
+                  </a:schemeClr>
+                </a:solidFill>
+              </a:rPr>
+              <a:t>April 2005 through November 2025</a:t>
+            </a:r>
+            <a:r>
+              <a:rPr lang="en-US" dirty="0">
+                <a:solidFill>
+                  <a:schemeClr val="accent2">
+                    <a:lumMod val="75000"/>
+                  </a:schemeClr>
+                </a:solidFill>
+              </a:rPr>
+              <a:t>.</a:t>
             </a:r>
           </a:p>
           <a:p>
@@ -4896,6 +5058,461 @@
           <p:cNvPr id="2" name="Title 1">
             <a:extLst>
               <a:ext uri="{FF2B5EF4-FFF2-40B4-BE49-F238E27FC236}">
+                <a16:creationId xmlns:a16="http://schemas.microsoft.com/office/drawing/2014/main" id="{A1906D3B-D5ED-9B4D-3E44-CD467DC41B0F}"/>
+              </a:ext>
+            </a:extLst>
+          </p:cNvPr>
+          <p:cNvSpPr>
+            <a:spLocks noGrp="1"/>
+          </p:cNvSpPr>
+          <p:nvPr>
+            <p:ph type="title"/>
+          </p:nvPr>
+        </p:nvSpPr>
+        <p:spPr/>
+        <p:txBody>
+          <a:bodyPr/>
+          <a:lstStyle/>
+          <a:p>
+            <a:r>
+              <a:rPr lang="en-US" dirty="0"/>
+              <a:t>Most Popular Titles</a:t>
+            </a:r>
+          </a:p>
+        </p:txBody>
+      </p:sp>
+      <p:sp>
+        <p:nvSpPr>
+          <p:cNvPr id="3" name="Content Placeholder 2">
+            <a:extLst>
+              <a:ext uri="{FF2B5EF4-FFF2-40B4-BE49-F238E27FC236}">
+                <a16:creationId xmlns:a16="http://schemas.microsoft.com/office/drawing/2014/main" id="{8BAA0DD8-B699-40E9-D02F-F6EA552C0236}"/>
+              </a:ext>
+            </a:extLst>
+          </p:cNvPr>
+          <p:cNvSpPr>
+            <a:spLocks noGrp="1"/>
+          </p:cNvSpPr>
+          <p:nvPr>
+            <p:ph sz="half" idx="1"/>
+          </p:nvPr>
+        </p:nvSpPr>
+        <p:spPr/>
+        <p:txBody>
+          <a:bodyPr/>
+          <a:lstStyle/>
+          <a:p>
+            <a:r>
+              <a:rPr lang="en-US" dirty="0"/>
+              <a:t>Top 10 Most Popular Titles overall</a:t>
+            </a:r>
+          </a:p>
+        </p:txBody>
+      </p:sp>
+      <p:sp>
+        <p:nvSpPr>
+          <p:cNvPr id="4" name="Content Placeholder 3">
+            <a:extLst>
+              <a:ext uri="{FF2B5EF4-FFF2-40B4-BE49-F238E27FC236}">
+                <a16:creationId xmlns:a16="http://schemas.microsoft.com/office/drawing/2014/main" id="{61126170-8571-C350-655A-69D9735574A2}"/>
+              </a:ext>
+            </a:extLst>
+          </p:cNvPr>
+          <p:cNvSpPr>
+            <a:spLocks noGrp="1"/>
+          </p:cNvSpPr>
+          <p:nvPr>
+            <p:ph sz="half" idx="2"/>
+          </p:nvPr>
+        </p:nvSpPr>
+        <p:spPr/>
+        <p:txBody>
+          <a:bodyPr/>
+          <a:lstStyle/>
+          <a:p>
+            <a:r>
+              <a:rPr lang="en-US" dirty="0"/>
+              <a:t>Most Popular Avg Checkouts</a:t>
+            </a:r>
+          </a:p>
+        </p:txBody>
+      </p:sp>
+    </p:spTree>
+    <p:extLst>
+      <p:ext uri="{BB962C8B-B14F-4D97-AF65-F5344CB8AC3E}">
+        <p14:creationId xmlns:p14="http://schemas.microsoft.com/office/powerpoint/2010/main" val="606494984"/>
+      </p:ext>
+    </p:extLst>
+  </p:cSld>
+  <p:clrMapOvr>
+    <a:masterClrMapping/>
+  </p:clrMapOvr>
+</p:sld>
+</file>
+
+<file path=ppt/slides/slide5.xml><?xml version="1.0" encoding="utf-8"?>
+<p:sld xmlns:a="http://schemas.openxmlformats.org/drawingml/2006/main" xmlns:r="http://schemas.openxmlformats.org/officeDocument/2006/relationships" xmlns:p="http://schemas.openxmlformats.org/presentationml/2006/main">
+  <p:cSld>
+    <p:spTree>
+      <p:nvGrpSpPr>
+        <p:cNvPr id="1" name="">
+          <a:extLst>
+            <a:ext uri="{FF2B5EF4-FFF2-40B4-BE49-F238E27FC236}">
+              <a16:creationId xmlns:a16="http://schemas.microsoft.com/office/drawing/2014/main" id="{49327722-CB38-3FE3-4968-3E8C8D2A94D3}"/>
+            </a:ext>
+          </a:extLst>
+        </p:cNvPr>
+        <p:cNvGrpSpPr/>
+        <p:nvPr/>
+      </p:nvGrpSpPr>
+      <p:grpSpPr>
+        <a:xfrm>
+          <a:off x="0" y="0"/>
+          <a:ext cx="0" cy="0"/>
+          <a:chOff x="0" y="0"/>
+          <a:chExt cx="0" cy="0"/>
+        </a:xfrm>
+      </p:grpSpPr>
+      <p:sp>
+        <p:nvSpPr>
+          <p:cNvPr id="2" name="Title 1">
+            <a:extLst>
+              <a:ext uri="{FF2B5EF4-FFF2-40B4-BE49-F238E27FC236}">
+                <a16:creationId xmlns:a16="http://schemas.microsoft.com/office/drawing/2014/main" id="{294BFEFB-F726-3942-5379-96988F90E55A}"/>
+              </a:ext>
+            </a:extLst>
+          </p:cNvPr>
+          <p:cNvSpPr>
+            <a:spLocks noGrp="1"/>
+          </p:cNvSpPr>
+          <p:nvPr>
+            <p:ph type="title"/>
+          </p:nvPr>
+        </p:nvSpPr>
+        <p:spPr/>
+        <p:txBody>
+          <a:bodyPr/>
+          <a:lstStyle/>
+          <a:p>
+            <a:r>
+              <a:rPr lang="en-US" dirty="0"/>
+              <a:t>Most Popular Authors</a:t>
+            </a:r>
+          </a:p>
+        </p:txBody>
+      </p:sp>
+      <p:sp>
+        <p:nvSpPr>
+          <p:cNvPr id="3" name="Content Placeholder 2">
+            <a:extLst>
+              <a:ext uri="{FF2B5EF4-FFF2-40B4-BE49-F238E27FC236}">
+                <a16:creationId xmlns:a16="http://schemas.microsoft.com/office/drawing/2014/main" id="{2598DD60-603E-6EF8-3464-AF56CC68983C}"/>
+              </a:ext>
+            </a:extLst>
+          </p:cNvPr>
+          <p:cNvSpPr>
+            <a:spLocks noGrp="1"/>
+          </p:cNvSpPr>
+          <p:nvPr>
+            <p:ph sz="half" idx="1"/>
+          </p:nvPr>
+        </p:nvSpPr>
+        <p:spPr/>
+        <p:txBody>
+          <a:bodyPr/>
+          <a:lstStyle/>
+          <a:p>
+            <a:r>
+              <a:rPr lang="en-US" dirty="0"/>
+              <a:t>Top 10 by overall checkouts</a:t>
+            </a:r>
+          </a:p>
+        </p:txBody>
+      </p:sp>
+      <p:sp>
+        <p:nvSpPr>
+          <p:cNvPr id="4" name="Content Placeholder 3">
+            <a:extLst>
+              <a:ext uri="{FF2B5EF4-FFF2-40B4-BE49-F238E27FC236}">
+                <a16:creationId xmlns:a16="http://schemas.microsoft.com/office/drawing/2014/main" id="{27CEDEEE-4E91-D4A0-1DC1-0127147A095A}"/>
+              </a:ext>
+            </a:extLst>
+          </p:cNvPr>
+          <p:cNvSpPr>
+            <a:spLocks noGrp="1"/>
+          </p:cNvSpPr>
+          <p:nvPr>
+            <p:ph sz="half" idx="2"/>
+          </p:nvPr>
+        </p:nvSpPr>
+        <p:spPr/>
+        <p:txBody>
+          <a:bodyPr/>
+          <a:lstStyle/>
+          <a:p>
+            <a:r>
+              <a:rPr lang="en-US" dirty="0"/>
+              <a:t>By avg checkouts per month</a:t>
+            </a:r>
+          </a:p>
+          <a:p>
+            <a:endParaRPr lang="en-US" dirty="0"/>
+          </a:p>
+        </p:txBody>
+      </p:sp>
+    </p:spTree>
+    <p:extLst>
+      <p:ext uri="{BB962C8B-B14F-4D97-AF65-F5344CB8AC3E}">
+        <p14:creationId xmlns:p14="http://schemas.microsoft.com/office/powerpoint/2010/main" val="1022351169"/>
+      </p:ext>
+    </p:extLst>
+  </p:cSld>
+  <p:clrMapOvr>
+    <a:masterClrMapping/>
+  </p:clrMapOvr>
+</p:sld>
+</file>
+
+<file path=ppt/slides/slide6.xml><?xml version="1.0" encoding="utf-8"?>
+<p:sld xmlns:a="http://schemas.openxmlformats.org/drawingml/2006/main" xmlns:r="http://schemas.openxmlformats.org/officeDocument/2006/relationships" xmlns:p="http://schemas.openxmlformats.org/presentationml/2006/main">
+  <p:cSld>
+    <p:spTree>
+      <p:nvGrpSpPr>
+        <p:cNvPr id="1" name=""/>
+        <p:cNvGrpSpPr/>
+        <p:nvPr/>
+      </p:nvGrpSpPr>
+      <p:grpSpPr>
+        <a:xfrm>
+          <a:off x="0" y="0"/>
+          <a:ext cx="0" cy="0"/>
+          <a:chOff x="0" y="0"/>
+          <a:chExt cx="0" cy="0"/>
+        </a:xfrm>
+      </p:grpSpPr>
+      <p:sp>
+        <p:nvSpPr>
+          <p:cNvPr id="2" name="Title 1">
+            <a:extLst>
+              <a:ext uri="{FF2B5EF4-FFF2-40B4-BE49-F238E27FC236}">
+                <a16:creationId xmlns:a16="http://schemas.microsoft.com/office/drawing/2014/main" id="{C2D9EE8A-E9C7-00CD-635D-31286291ABB3}"/>
+              </a:ext>
+            </a:extLst>
+          </p:cNvPr>
+          <p:cNvSpPr>
+            <a:spLocks noGrp="1"/>
+          </p:cNvSpPr>
+          <p:nvPr>
+            <p:ph type="title"/>
+          </p:nvPr>
+        </p:nvSpPr>
+        <p:spPr/>
+        <p:txBody>
+          <a:bodyPr/>
+          <a:lstStyle/>
+          <a:p>
+            <a:r>
+              <a:rPr lang="en-US" dirty="0"/>
+              <a:t>Defining “Popular”</a:t>
+            </a:r>
+          </a:p>
+        </p:txBody>
+      </p:sp>
+      <p:sp>
+        <p:nvSpPr>
+          <p:cNvPr id="3" name="Content Placeholder 2">
+            <a:extLst>
+              <a:ext uri="{FF2B5EF4-FFF2-40B4-BE49-F238E27FC236}">
+                <a16:creationId xmlns:a16="http://schemas.microsoft.com/office/drawing/2014/main" id="{89CDA909-DAD5-3EDE-482C-290B1B9A4C79}"/>
+              </a:ext>
+            </a:extLst>
+          </p:cNvPr>
+          <p:cNvSpPr>
+            <a:spLocks noGrp="1"/>
+          </p:cNvSpPr>
+          <p:nvPr>
+            <p:ph idx="1"/>
+          </p:nvPr>
+        </p:nvSpPr>
+        <p:spPr/>
+        <p:txBody>
+          <a:bodyPr/>
+          <a:lstStyle/>
+          <a:p>
+            <a:r>
+              <a:rPr lang="en-US" dirty="0"/>
+              <a:t>How much is the typical book checked out?</a:t>
+            </a:r>
+          </a:p>
+          <a:p>
+            <a:r>
+              <a:rPr lang="en-US" dirty="0"/>
+              <a:t>Where are we drawing the line for popular?</a:t>
+            </a:r>
+          </a:p>
+        </p:txBody>
+      </p:sp>
+    </p:spTree>
+    <p:extLst>
+      <p:ext uri="{BB962C8B-B14F-4D97-AF65-F5344CB8AC3E}">
+        <p14:creationId xmlns:p14="http://schemas.microsoft.com/office/powerpoint/2010/main" val="891259802"/>
+      </p:ext>
+    </p:extLst>
+  </p:cSld>
+  <p:clrMapOvr>
+    <a:masterClrMapping/>
+  </p:clrMapOvr>
+</p:sld>
+</file>
+
+<file path=ppt/slides/slide7.xml><?xml version="1.0" encoding="utf-8"?>
+<p:sld xmlns:a="http://schemas.openxmlformats.org/drawingml/2006/main" xmlns:r="http://schemas.openxmlformats.org/officeDocument/2006/relationships" xmlns:p="http://schemas.openxmlformats.org/presentationml/2006/main">
+  <p:cSld>
+    <p:spTree>
+      <p:nvGrpSpPr>
+        <p:cNvPr id="1" name=""/>
+        <p:cNvGrpSpPr/>
+        <p:nvPr/>
+      </p:nvGrpSpPr>
+      <p:grpSpPr>
+        <a:xfrm>
+          <a:off x="0" y="0"/>
+          <a:ext cx="0" cy="0"/>
+          <a:chOff x="0" y="0"/>
+          <a:chExt cx="0" cy="0"/>
+        </a:xfrm>
+      </p:grpSpPr>
+      <p:sp>
+        <p:nvSpPr>
+          <p:cNvPr id="4" name="Title 3">
+            <a:extLst>
+              <a:ext uri="{FF2B5EF4-FFF2-40B4-BE49-F238E27FC236}">
+                <a16:creationId xmlns:a16="http://schemas.microsoft.com/office/drawing/2014/main" id="{2904184B-C2D6-6F0D-58CC-9DAF711F9E50}"/>
+              </a:ext>
+            </a:extLst>
+          </p:cNvPr>
+          <p:cNvSpPr>
+            <a:spLocks noGrp="1"/>
+          </p:cNvSpPr>
+          <p:nvPr>
+            <p:ph type="title"/>
+          </p:nvPr>
+        </p:nvSpPr>
+        <p:spPr/>
+        <p:txBody>
+          <a:bodyPr/>
+          <a:lstStyle/>
+          <a:p>
+            <a:r>
+              <a:rPr lang="en-US" dirty="0"/>
+              <a:t>Enduring Popularity</a:t>
+            </a:r>
+          </a:p>
+        </p:txBody>
+      </p:sp>
+      <p:sp>
+        <p:nvSpPr>
+          <p:cNvPr id="5" name="Content Placeholder 4">
+            <a:extLst>
+              <a:ext uri="{FF2B5EF4-FFF2-40B4-BE49-F238E27FC236}">
+                <a16:creationId xmlns:a16="http://schemas.microsoft.com/office/drawing/2014/main" id="{010EE8A7-84C2-2A43-F93C-1DEB84FBC298}"/>
+              </a:ext>
+            </a:extLst>
+          </p:cNvPr>
+          <p:cNvSpPr>
+            <a:spLocks noGrp="1"/>
+          </p:cNvSpPr>
+          <p:nvPr>
+            <p:ph sz="half" idx="1"/>
+          </p:nvPr>
+        </p:nvSpPr>
+        <p:spPr/>
+        <p:txBody>
+          <a:bodyPr/>
+          <a:lstStyle/>
+          <a:p>
+            <a:r>
+              <a:rPr lang="en-US" dirty="0"/>
+              <a:t>Books w/biggest spikes (or, low avg, big spikes?)</a:t>
+            </a:r>
+          </a:p>
+        </p:txBody>
+      </p:sp>
+      <p:sp>
+        <p:nvSpPr>
+          <p:cNvPr id="6" name="Content Placeholder 5">
+            <a:extLst>
+              <a:ext uri="{FF2B5EF4-FFF2-40B4-BE49-F238E27FC236}">
+                <a16:creationId xmlns:a16="http://schemas.microsoft.com/office/drawing/2014/main" id="{63BBE5C2-7C6E-7E65-F1E1-1ABD9BA32827}"/>
+              </a:ext>
+            </a:extLst>
+          </p:cNvPr>
+          <p:cNvSpPr>
+            <a:spLocks noGrp="1"/>
+          </p:cNvSpPr>
+          <p:nvPr>
+            <p:ph sz="half" idx="2"/>
+          </p:nvPr>
+        </p:nvSpPr>
+        <p:spPr/>
+        <p:txBody>
+          <a:bodyPr/>
+          <a:lstStyle/>
+          <a:p>
+            <a:r>
+              <a:rPr lang="en-US" dirty="0"/>
+              <a:t>Books consistently popular</a:t>
+            </a:r>
+          </a:p>
+          <a:p>
+            <a:r>
+              <a:rPr lang="en-US" dirty="0"/>
+              <a:t>Popular books with longest creation date</a:t>
+            </a:r>
+          </a:p>
+          <a:p>
+            <a:r>
+              <a:rPr lang="en-US" dirty="0"/>
+              <a:t>Which decades have the highest percentage of popular books?</a:t>
+            </a:r>
+          </a:p>
+        </p:txBody>
+      </p:sp>
+    </p:spTree>
+    <p:extLst>
+      <p:ext uri="{BB962C8B-B14F-4D97-AF65-F5344CB8AC3E}">
+        <p14:creationId xmlns:p14="http://schemas.microsoft.com/office/powerpoint/2010/main" val="2837200212"/>
+      </p:ext>
+    </p:extLst>
+  </p:cSld>
+  <p:clrMapOvr>
+    <a:masterClrMapping/>
+  </p:clrMapOvr>
+</p:sld>
+</file>
+
+<file path=ppt/slides/slide8.xml><?xml version="1.0" encoding="utf-8"?>
+<p:sld xmlns:a="http://schemas.openxmlformats.org/drawingml/2006/main" xmlns:r="http://schemas.openxmlformats.org/officeDocument/2006/relationships" xmlns:p="http://schemas.openxmlformats.org/presentationml/2006/main">
+  <p:cSld>
+    <p:spTree>
+      <p:nvGrpSpPr>
+        <p:cNvPr id="1" name=""/>
+        <p:cNvGrpSpPr/>
+        <p:nvPr/>
+      </p:nvGrpSpPr>
+      <p:grpSpPr>
+        <a:xfrm>
+          <a:off x="0" y="0"/>
+          <a:ext cx="0" cy="0"/>
+          <a:chOff x="0" y="0"/>
+          <a:chExt cx="0" cy="0"/>
+        </a:xfrm>
+      </p:grpSpPr>
+      <p:sp>
+        <p:nvSpPr>
+          <p:cNvPr id="2" name="Title 1">
+            <a:extLst>
+              <a:ext uri="{FF2B5EF4-FFF2-40B4-BE49-F238E27FC236}">
                 <a16:creationId xmlns:a16="http://schemas.microsoft.com/office/drawing/2014/main" id="{471A529C-42BD-E1CE-EF69-DCEF6D459743}"/>
               </a:ext>
             </a:extLst>
@@ -4928,7 +5545,7 @@
                   </a:schemeClr>
                 </a:solidFill>
               </a:rPr>
-              <a:t>When is a book not a book?</a:t>
+              <a:t>What’s in a name?</a:t>
             </a:r>
           </a:p>
         </p:txBody>
@@ -4961,22 +5578,6 @@
           </a:bodyPr>
           <a:lstStyle/>
           <a:p>
-            <a:r>
-              <a:rPr lang="en-US" sz="1600" dirty="0">
-                <a:solidFill>
-                  <a:schemeClr val="accent2"/>
-                </a:solidFill>
-                <a:latin typeface="+mj-lt"/>
-              </a:rPr>
-              <a:t>WHEN IT’S A … DIFFERENT BOOK?</a:t>
-            </a:r>
-            <a:endParaRPr lang="en-US" sz="1600" dirty="0">
-              <a:solidFill>
-                <a:schemeClr val="accent2"/>
-              </a:solidFill>
-            </a:endParaRPr>
-          </a:p>
-          <a:p>
             <a:pPr lvl="1">
               <a:buFont typeface="Arial" panose="020B0604020202020204" pitchFamily="34" charset="0"/>
               <a:buChar char="•"/>
@@ -4989,7 +5590,7 @@
                   </a:schemeClr>
                 </a:solidFill>
               </a:rPr>
-              <a:t>One of the biggest challenges with this project was attempting to standardize what I meant when I talk about a “book”.  If we want to know how popular </a:t>
+              <a:t>One of the biggest challenges with this project was attempting to standardize what I meant when I talk about a specific “book”.  If we want to know how popular </a:t>
             </a:r>
             <a:r>
               <a:rPr lang="en-US" sz="1400" i="1" dirty="0">
@@ -5065,7 +5666,7 @@
                   </a:schemeClr>
                 </a:solidFill>
               </a:rPr>
-              <a:t>, this brought the number of variations from 13 unique “books” to 6 (including the graphic novel!)</a:t>
+              <a:t>, this brought the number of variations from 13 unique “books” down to just two (one of which is the graphic novel!)</a:t>
             </a:r>
           </a:p>
           <a:p>
@@ -5081,7 +5682,7 @@
                   </a:schemeClr>
                 </a:solidFill>
               </a:rPr>
-              <a:t>Titles could be consolidated further – identifying “A Wrinkle in Time: Time Quintet, Book 1” as the same book as “A Wrinkle in Time” and possibly folding in non-English language editions – but then ran the risk of merging together items like the graphic novel that should be kept separate.  For this reason, title consolidation was stopped at this point.  Unfortunately, that may mean there are times where different versions of the same book continue to be counted separately.</a:t>
+              <a:t>Series where I noticed consistent patterns could be manually cleaned up, but there may remain titles for which different versions of the same book continued to be counted separately.</a:t>
             </a:r>
           </a:p>
           <a:p>
@@ -5121,7 +5722,7 @@
                   </a:schemeClr>
                 </a:solidFill>
               </a:rPr>
-              <a:t>International Standard Book Numbers (ISBNs) are exactly what they sound like, internationally standardized codes for identifying books.  Unfortunately, they are unique to different formats of books and not an answer to this particular problem.</a:t>
+              <a:t>International Standard Book Numbers (ISBNs) are exactly what they sound like, internationally standardized codes for identifying books.  Unfortunately, they are unique to different formats of books and not a solution to this situation.</a:t>
             </a:r>
           </a:p>
           <a:p>
@@ -5137,25 +5738,8 @@
                   </a:schemeClr>
                 </a:solidFill>
               </a:rPr>
-              <a:t>As the world becomes increasingly dependent on big data, it may be worthwhile for the library and publishing communities to consider adopting identifiers for overarching works </a:t>
-            </a:r>
-            <a:r>
-              <a:rPr lang="en-US" sz="1400">
-                <a:solidFill>
-                  <a:schemeClr val="accent2">
-                    <a:lumMod val="75000"/>
-                  </a:schemeClr>
-                </a:solidFill>
-              </a:rPr>
-              <a:t>as well.</a:t>
-            </a:r>
-            <a:endParaRPr lang="en-US" sz="1400" dirty="0">
-              <a:solidFill>
-                <a:schemeClr val="accent2">
-                  <a:lumMod val="75000"/>
-                </a:schemeClr>
-              </a:solidFill>
-            </a:endParaRPr>
+              <a:t>As the world becomes increasingly dependent on big data, it may be worthwhile for the library and publishing communities to consider adopting identifiers for overarching works as well as for each format.</a:t>
+            </a:r>
           </a:p>
         </p:txBody>
       </p:sp>

--- a/presentation draft.pptx
+++ b/presentation draft.pptx
@@ -4,13 +4,16 @@
   <p:sldMasterIdLst>
     <p:sldMasterId id="2147483753" r:id="rId1"/>
   </p:sldMasterIdLst>
+  <p:notesMasterIdLst>
+    <p:notesMasterId r:id="rId10"/>
+  </p:notesMasterIdLst>
   <p:sldIdLst>
     <p:sldId id="256" r:id="rId2"/>
     <p:sldId id="257" r:id="rId3"/>
     <p:sldId id="259" r:id="rId4"/>
     <p:sldId id="261" r:id="rId5"/>
-    <p:sldId id="262" r:id="rId6"/>
-    <p:sldId id="265" r:id="rId7"/>
+    <p:sldId id="266" r:id="rId6"/>
+    <p:sldId id="267" r:id="rId7"/>
     <p:sldId id="263" r:id="rId8"/>
     <p:sldId id="260" r:id="rId9"/>
   </p:sldIdLst>
@@ -119,6 +122,515 @@
 </p:presentation>
 </file>
 
+<file path=ppt/notesMasters/notesMaster1.xml><?xml version="1.0" encoding="utf-8"?>
+<p:notesMaster xmlns:a="http://schemas.openxmlformats.org/drawingml/2006/main" xmlns:r="http://schemas.openxmlformats.org/officeDocument/2006/relationships" xmlns:p="http://schemas.openxmlformats.org/presentationml/2006/main">
+  <p:cSld>
+    <p:bg>
+      <p:bgRef idx="1001">
+        <a:schemeClr val="bg1"/>
+      </p:bgRef>
+    </p:bg>
+    <p:spTree>
+      <p:nvGrpSpPr>
+        <p:cNvPr id="1" name=""/>
+        <p:cNvGrpSpPr/>
+        <p:nvPr/>
+      </p:nvGrpSpPr>
+      <p:grpSpPr>
+        <a:xfrm>
+          <a:off x="0" y="0"/>
+          <a:ext cx="0" cy="0"/>
+          <a:chOff x="0" y="0"/>
+          <a:chExt cx="0" cy="0"/>
+        </a:xfrm>
+      </p:grpSpPr>
+      <p:sp>
+        <p:nvSpPr>
+          <p:cNvPr id="2" name="Header Placeholder 1"/>
+          <p:cNvSpPr>
+            <a:spLocks noGrp="1"/>
+          </p:cNvSpPr>
+          <p:nvPr>
+            <p:ph type="hdr" sz="quarter"/>
+          </p:nvPr>
+        </p:nvSpPr>
+        <p:spPr>
+          <a:xfrm>
+            <a:off x="0" y="0"/>
+            <a:ext cx="2971800" cy="458788"/>
+          </a:xfrm>
+          <a:prstGeom prst="rect">
+            <a:avLst/>
+          </a:prstGeom>
+        </p:spPr>
+        <p:txBody>
+          <a:bodyPr vert="horz" lIns="91440" tIns="45720" rIns="91440" bIns="45720" rtlCol="0"/>
+          <a:lstStyle>
+            <a:lvl1pPr algn="l">
+              <a:defRPr sz="1200"/>
+            </a:lvl1pPr>
+          </a:lstStyle>
+          <a:p>
+            <a:endParaRPr lang="en-US"/>
+          </a:p>
+        </p:txBody>
+      </p:sp>
+      <p:sp>
+        <p:nvSpPr>
+          <p:cNvPr id="3" name="Date Placeholder 2"/>
+          <p:cNvSpPr>
+            <a:spLocks noGrp="1"/>
+          </p:cNvSpPr>
+          <p:nvPr>
+            <p:ph type="dt" idx="1"/>
+          </p:nvPr>
+        </p:nvSpPr>
+        <p:spPr>
+          <a:xfrm>
+            <a:off x="3884613" y="0"/>
+            <a:ext cx="2971800" cy="458788"/>
+          </a:xfrm>
+          <a:prstGeom prst="rect">
+            <a:avLst/>
+          </a:prstGeom>
+        </p:spPr>
+        <p:txBody>
+          <a:bodyPr vert="horz" lIns="91440" tIns="45720" rIns="91440" bIns="45720" rtlCol="0"/>
+          <a:lstStyle>
+            <a:lvl1pPr algn="r">
+              <a:defRPr sz="1200"/>
+            </a:lvl1pPr>
+          </a:lstStyle>
+          <a:p>
+            <a:fld id="{7734F6C5-14D3-4C8A-B4DA-80FCB6E09599}" type="datetimeFigureOut">
+              <a:rPr lang="en-US" smtClean="0"/>
+              <a:t>12/29/2025</a:t>
+            </a:fld>
+            <a:endParaRPr lang="en-US"/>
+          </a:p>
+        </p:txBody>
+      </p:sp>
+      <p:sp>
+        <p:nvSpPr>
+          <p:cNvPr id="4" name="Slide Image Placeholder 3"/>
+          <p:cNvSpPr>
+            <a:spLocks noGrp="1" noRot="1" noChangeAspect="1"/>
+          </p:cNvSpPr>
+          <p:nvPr>
+            <p:ph type="sldImg" idx="2"/>
+          </p:nvPr>
+        </p:nvSpPr>
+        <p:spPr>
+          <a:xfrm>
+            <a:off x="685800" y="1143000"/>
+            <a:ext cx="5486400" cy="3086100"/>
+          </a:xfrm>
+          <a:prstGeom prst="rect">
+            <a:avLst/>
+          </a:prstGeom>
+          <a:noFill/>
+          <a:ln w="12700">
+            <a:solidFill>
+              <a:prstClr val="black"/>
+            </a:solidFill>
+          </a:ln>
+        </p:spPr>
+        <p:txBody>
+          <a:bodyPr vert="horz" lIns="91440" tIns="45720" rIns="91440" bIns="45720" rtlCol="0" anchor="ctr"/>
+          <a:lstStyle/>
+          <a:p>
+            <a:endParaRPr lang="en-US"/>
+          </a:p>
+        </p:txBody>
+      </p:sp>
+      <p:sp>
+        <p:nvSpPr>
+          <p:cNvPr id="5" name="Notes Placeholder 4"/>
+          <p:cNvSpPr>
+            <a:spLocks noGrp="1"/>
+          </p:cNvSpPr>
+          <p:nvPr>
+            <p:ph type="body" sz="quarter" idx="3"/>
+          </p:nvPr>
+        </p:nvSpPr>
+        <p:spPr>
+          <a:xfrm>
+            <a:off x="685800" y="4400550"/>
+            <a:ext cx="5486400" cy="3600450"/>
+          </a:xfrm>
+          <a:prstGeom prst="rect">
+            <a:avLst/>
+          </a:prstGeom>
+        </p:spPr>
+        <p:txBody>
+          <a:bodyPr vert="horz" lIns="91440" tIns="45720" rIns="91440" bIns="45720" rtlCol="0"/>
+          <a:lstStyle/>
+          <a:p>
+            <a:pPr lvl="0"/>
+            <a:r>
+              <a:rPr lang="en-US"/>
+              <a:t>Click to edit Master text styles</a:t>
+            </a:r>
+          </a:p>
+          <a:p>
+            <a:pPr lvl="1"/>
+            <a:r>
+              <a:rPr lang="en-US"/>
+              <a:t>Second level</a:t>
+            </a:r>
+          </a:p>
+          <a:p>
+            <a:pPr lvl="2"/>
+            <a:r>
+              <a:rPr lang="en-US"/>
+              <a:t>Third level</a:t>
+            </a:r>
+          </a:p>
+          <a:p>
+            <a:pPr lvl="3"/>
+            <a:r>
+              <a:rPr lang="en-US"/>
+              <a:t>Fourth level</a:t>
+            </a:r>
+          </a:p>
+          <a:p>
+            <a:pPr lvl="4"/>
+            <a:r>
+              <a:rPr lang="en-US"/>
+              <a:t>Fifth level</a:t>
+            </a:r>
+          </a:p>
+        </p:txBody>
+      </p:sp>
+      <p:sp>
+        <p:nvSpPr>
+          <p:cNvPr id="6" name="Footer Placeholder 5"/>
+          <p:cNvSpPr>
+            <a:spLocks noGrp="1"/>
+          </p:cNvSpPr>
+          <p:nvPr>
+            <p:ph type="ftr" sz="quarter" idx="4"/>
+          </p:nvPr>
+        </p:nvSpPr>
+        <p:spPr>
+          <a:xfrm>
+            <a:off x="0" y="8685213"/>
+            <a:ext cx="2971800" cy="458787"/>
+          </a:xfrm>
+          <a:prstGeom prst="rect">
+            <a:avLst/>
+          </a:prstGeom>
+        </p:spPr>
+        <p:txBody>
+          <a:bodyPr vert="horz" lIns="91440" tIns="45720" rIns="91440" bIns="45720" rtlCol="0" anchor="b"/>
+          <a:lstStyle>
+            <a:lvl1pPr algn="l">
+              <a:defRPr sz="1200"/>
+            </a:lvl1pPr>
+          </a:lstStyle>
+          <a:p>
+            <a:endParaRPr lang="en-US"/>
+          </a:p>
+        </p:txBody>
+      </p:sp>
+      <p:sp>
+        <p:nvSpPr>
+          <p:cNvPr id="7" name="Slide Number Placeholder 6"/>
+          <p:cNvSpPr>
+            <a:spLocks noGrp="1"/>
+          </p:cNvSpPr>
+          <p:nvPr>
+            <p:ph type="sldNum" sz="quarter" idx="5"/>
+          </p:nvPr>
+        </p:nvSpPr>
+        <p:spPr>
+          <a:xfrm>
+            <a:off x="3884613" y="8685213"/>
+            <a:ext cx="2971800" cy="458787"/>
+          </a:xfrm>
+          <a:prstGeom prst="rect">
+            <a:avLst/>
+          </a:prstGeom>
+        </p:spPr>
+        <p:txBody>
+          <a:bodyPr vert="horz" lIns="91440" tIns="45720" rIns="91440" bIns="45720" rtlCol="0" anchor="b"/>
+          <a:lstStyle>
+            <a:lvl1pPr algn="r">
+              <a:defRPr sz="1200"/>
+            </a:lvl1pPr>
+          </a:lstStyle>
+          <a:p>
+            <a:fld id="{602EF81E-7198-4166-9295-810162322651}" type="slidenum">
+              <a:rPr lang="en-US" smtClean="0"/>
+              <a:t>‹#›</a:t>
+            </a:fld>
+            <a:endParaRPr lang="en-US"/>
+          </a:p>
+        </p:txBody>
+      </p:sp>
+    </p:spTree>
+    <p:extLst>
+      <p:ext uri="{BB962C8B-B14F-4D97-AF65-F5344CB8AC3E}">
+        <p14:creationId xmlns:p14="http://schemas.microsoft.com/office/powerpoint/2010/main" val="1704225175"/>
+      </p:ext>
+    </p:extLst>
+  </p:cSld>
+  <p:clrMap bg1="lt1" tx1="dk1" bg2="lt2" tx2="dk2" accent1="accent1" accent2="accent2" accent3="accent3" accent4="accent4" accent5="accent5" accent6="accent6" hlink="hlink" folHlink="folHlink"/>
+  <p:notesStyle>
+    <a:lvl1pPr marL="0" algn="l" defTabSz="914400" rtl="0" eaLnBrk="1" latinLnBrk="0" hangingPunct="1">
+      <a:defRPr sz="1200" kern="1200">
+        <a:solidFill>
+          <a:schemeClr val="tx1"/>
+        </a:solidFill>
+        <a:latin typeface="+mn-lt"/>
+        <a:ea typeface="+mn-ea"/>
+        <a:cs typeface="+mn-cs"/>
+      </a:defRPr>
+    </a:lvl1pPr>
+    <a:lvl2pPr marL="457200" algn="l" defTabSz="914400" rtl="0" eaLnBrk="1" latinLnBrk="0" hangingPunct="1">
+      <a:defRPr sz="1200" kern="1200">
+        <a:solidFill>
+          <a:schemeClr val="tx1"/>
+        </a:solidFill>
+        <a:latin typeface="+mn-lt"/>
+        <a:ea typeface="+mn-ea"/>
+        <a:cs typeface="+mn-cs"/>
+      </a:defRPr>
+    </a:lvl2pPr>
+    <a:lvl3pPr marL="914400" algn="l" defTabSz="914400" rtl="0" eaLnBrk="1" latinLnBrk="0" hangingPunct="1">
+      <a:defRPr sz="1200" kern="1200">
+        <a:solidFill>
+          <a:schemeClr val="tx1"/>
+        </a:solidFill>
+        <a:latin typeface="+mn-lt"/>
+        <a:ea typeface="+mn-ea"/>
+        <a:cs typeface="+mn-cs"/>
+      </a:defRPr>
+    </a:lvl3pPr>
+    <a:lvl4pPr marL="1371600" algn="l" defTabSz="914400" rtl="0" eaLnBrk="1" latinLnBrk="0" hangingPunct="1">
+      <a:defRPr sz="1200" kern="1200">
+        <a:solidFill>
+          <a:schemeClr val="tx1"/>
+        </a:solidFill>
+        <a:latin typeface="+mn-lt"/>
+        <a:ea typeface="+mn-ea"/>
+        <a:cs typeface="+mn-cs"/>
+      </a:defRPr>
+    </a:lvl4pPr>
+    <a:lvl5pPr marL="1828800" algn="l" defTabSz="914400" rtl="0" eaLnBrk="1" latinLnBrk="0" hangingPunct="1">
+      <a:defRPr sz="1200" kern="1200">
+        <a:solidFill>
+          <a:schemeClr val="tx1"/>
+        </a:solidFill>
+        <a:latin typeface="+mn-lt"/>
+        <a:ea typeface="+mn-ea"/>
+        <a:cs typeface="+mn-cs"/>
+      </a:defRPr>
+    </a:lvl5pPr>
+    <a:lvl6pPr marL="2286000" algn="l" defTabSz="914400" rtl="0" eaLnBrk="1" latinLnBrk="0" hangingPunct="1">
+      <a:defRPr sz="1200" kern="1200">
+        <a:solidFill>
+          <a:schemeClr val="tx1"/>
+        </a:solidFill>
+        <a:latin typeface="+mn-lt"/>
+        <a:ea typeface="+mn-ea"/>
+        <a:cs typeface="+mn-cs"/>
+      </a:defRPr>
+    </a:lvl6pPr>
+    <a:lvl7pPr marL="2743200" algn="l" defTabSz="914400" rtl="0" eaLnBrk="1" latinLnBrk="0" hangingPunct="1">
+      <a:defRPr sz="1200" kern="1200">
+        <a:solidFill>
+          <a:schemeClr val="tx1"/>
+        </a:solidFill>
+        <a:latin typeface="+mn-lt"/>
+        <a:ea typeface="+mn-ea"/>
+        <a:cs typeface="+mn-cs"/>
+      </a:defRPr>
+    </a:lvl7pPr>
+    <a:lvl8pPr marL="3200400" algn="l" defTabSz="914400" rtl="0" eaLnBrk="1" latinLnBrk="0" hangingPunct="1">
+      <a:defRPr sz="1200" kern="1200">
+        <a:solidFill>
+          <a:schemeClr val="tx1"/>
+        </a:solidFill>
+        <a:latin typeface="+mn-lt"/>
+        <a:ea typeface="+mn-ea"/>
+        <a:cs typeface="+mn-cs"/>
+      </a:defRPr>
+    </a:lvl8pPr>
+    <a:lvl9pPr marL="3657600" algn="l" defTabSz="914400" rtl="0" eaLnBrk="1" latinLnBrk="0" hangingPunct="1">
+      <a:defRPr sz="1200" kern="1200">
+        <a:solidFill>
+          <a:schemeClr val="tx1"/>
+        </a:solidFill>
+        <a:latin typeface="+mn-lt"/>
+        <a:ea typeface="+mn-ea"/>
+        <a:cs typeface="+mn-cs"/>
+      </a:defRPr>
+    </a:lvl9pPr>
+  </p:notesStyle>
+</p:notesMaster>
+</file>
+
+<file path=ppt/notesSlides/notesSlide1.xml><?xml version="1.0" encoding="utf-8"?>
+<p:notes xmlns:a="http://schemas.openxmlformats.org/drawingml/2006/main" xmlns:r="http://schemas.openxmlformats.org/officeDocument/2006/relationships" xmlns:p="http://schemas.openxmlformats.org/presentationml/2006/main">
+  <p:cSld>
+    <p:spTree>
+      <p:nvGrpSpPr>
+        <p:cNvPr id="1" name=""/>
+        <p:cNvGrpSpPr/>
+        <p:nvPr/>
+      </p:nvGrpSpPr>
+      <p:grpSpPr>
+        <a:xfrm>
+          <a:off x="0" y="0"/>
+          <a:ext cx="0" cy="0"/>
+          <a:chOff x="0" y="0"/>
+          <a:chExt cx="0" cy="0"/>
+        </a:xfrm>
+      </p:grpSpPr>
+      <p:sp>
+        <p:nvSpPr>
+          <p:cNvPr id="2" name="Slide Image Placeholder 1"/>
+          <p:cNvSpPr>
+            <a:spLocks noGrp="1" noRot="1" noChangeAspect="1"/>
+          </p:cNvSpPr>
+          <p:nvPr>
+            <p:ph type="sldImg"/>
+          </p:nvPr>
+        </p:nvSpPr>
+        <p:spPr/>
+      </p:sp>
+      <p:sp>
+        <p:nvSpPr>
+          <p:cNvPr id="3" name="Notes Placeholder 2"/>
+          <p:cNvSpPr>
+            <a:spLocks noGrp="1"/>
+          </p:cNvSpPr>
+          <p:nvPr>
+            <p:ph type="body" idx="1"/>
+          </p:nvPr>
+        </p:nvSpPr>
+        <p:spPr/>
+        <p:txBody>
+          <a:bodyPr/>
+          <a:lstStyle/>
+          <a:p>
+            <a:r>
+              <a:rPr lang="en-US" dirty="0"/>
+              <a:t>Spike correlations:</a:t>
+            </a:r>
+          </a:p>
+          <a:p>
+            <a:r>
+              <a:rPr lang="en-US" dirty="0"/>
+              <a:t>Harry Potter – SPL re-acquires digital versions of the HP books; digital borrowing rises during COVID-19 lockdowns</a:t>
+            </a:r>
+          </a:p>
+          <a:p>
+            <a:r>
+              <a:rPr lang="en-US" dirty="0"/>
+              <a:t>Invisible – Unsure</a:t>
+            </a:r>
+          </a:p>
+          <a:p>
+            <a:r>
+              <a:rPr lang="en-US" dirty="0"/>
+              <a:t>Turtles All The Way Down – initial book release</a:t>
+            </a:r>
+          </a:p>
+          <a:p>
+            <a:r>
+              <a:rPr lang="en-US" dirty="0"/>
+              <a:t>The Red Pencil – unsure</a:t>
+            </a:r>
+          </a:p>
+          <a:p>
+            <a:r>
+              <a:rPr lang="en-US" dirty="0"/>
+              <a:t>Wonder – film release in 2017</a:t>
+            </a:r>
+          </a:p>
+          <a:p>
+            <a:r>
+              <a:rPr lang="en-US" dirty="0"/>
+              <a:t>The Hate U Give – unsure (spike is pre-movie release but well after book release, maybe correlates with awards?)</a:t>
+            </a:r>
+          </a:p>
+          <a:p>
+            <a:r>
+              <a:rPr lang="en-US" dirty="0"/>
+              <a:t>A Wrinkle in Time – 2018 film adaptation</a:t>
+            </a:r>
+          </a:p>
+          <a:p>
+            <a:r>
+              <a:rPr lang="en-US" dirty="0" err="1"/>
+              <a:t>Mexikid</a:t>
+            </a:r>
+            <a:r>
+              <a:rPr lang="en-US" dirty="0"/>
+              <a:t> – Newberry Honor winner</a:t>
+            </a:r>
+          </a:p>
+          <a:p>
+            <a:r>
+              <a:rPr lang="en-US" dirty="0"/>
+              <a:t>I Can Make This Promise – unsure</a:t>
+            </a:r>
+          </a:p>
+          <a:p>
+            <a:r>
+              <a:rPr lang="en-US" dirty="0"/>
+              <a:t>Hot Mess – initial release</a:t>
+            </a:r>
+          </a:p>
+          <a:p>
+            <a:endParaRPr lang="en-US" dirty="0"/>
+          </a:p>
+          <a:p>
+            <a:endParaRPr lang="en-US" dirty="0"/>
+          </a:p>
+          <a:p>
+            <a:endParaRPr lang="en-US" dirty="0"/>
+          </a:p>
+        </p:txBody>
+      </p:sp>
+      <p:sp>
+        <p:nvSpPr>
+          <p:cNvPr id="4" name="Slide Number Placeholder 3"/>
+          <p:cNvSpPr>
+            <a:spLocks noGrp="1"/>
+          </p:cNvSpPr>
+          <p:nvPr>
+            <p:ph type="sldNum" sz="quarter" idx="5"/>
+          </p:nvPr>
+        </p:nvSpPr>
+        <p:spPr/>
+        <p:txBody>
+          <a:bodyPr/>
+          <a:lstStyle/>
+          <a:p>
+            <a:fld id="{602EF81E-7198-4166-9295-810162322651}" type="slidenum">
+              <a:rPr lang="en-US" smtClean="0"/>
+              <a:t>6</a:t>
+            </a:fld>
+            <a:endParaRPr lang="en-US"/>
+          </a:p>
+        </p:txBody>
+      </p:sp>
+    </p:spTree>
+    <p:extLst>
+      <p:ext uri="{BB962C8B-B14F-4D97-AF65-F5344CB8AC3E}">
+        <p14:creationId xmlns:p14="http://schemas.microsoft.com/office/powerpoint/2010/main" val="3029346442"/>
+      </p:ext>
+    </p:extLst>
+  </p:cSld>
+  <p:clrMapOvr>
+    <a:masterClrMapping/>
+  </p:clrMapOvr>
+</p:notes>
+</file>
+
 <file path=ppt/slideLayouts/slideLayout1.xml><?xml version="1.0" encoding="utf-8"?>
 <p:sldLayout xmlns:a="http://schemas.openxmlformats.org/drawingml/2006/main" xmlns:r="http://schemas.openxmlformats.org/officeDocument/2006/relationships" xmlns:p="http://schemas.openxmlformats.org/presentationml/2006/main" showMasterSp="0" type="title" preserve="1">
   <p:cSld name="Title Slide">
@@ -177,7 +689,7 @@
           <a:bodyPr/>
           <a:lstStyle/>
           <a:p>
-            <a:endParaRPr lang="en-US"/>
+            <a:endParaRPr lang="en-US" dirty="0"/>
           </a:p>
         </p:txBody>
       </p:sp>
@@ -222,7 +734,7 @@
           <a:bodyPr/>
           <a:lstStyle/>
           <a:p>
-            <a:endParaRPr lang="en-US"/>
+            <a:endParaRPr lang="en-US" dirty="0"/>
           </a:p>
         </p:txBody>
       </p:sp>
@@ -359,9 +871,9 @@
           <a:p>
             <a:fld id="{D341B595-366B-43E2-A22E-EA6A78C03F06}" type="datetimeFigureOut">
               <a:rPr lang="en-US" smtClean="0"/>
-              <a:t>12/22/2025</a:t>
+              <a:t>12/29/2025</a:t>
             </a:fld>
-            <a:endParaRPr lang="en-US"/>
+            <a:endParaRPr lang="en-US" dirty="0"/>
           </a:p>
         </p:txBody>
       </p:sp>
@@ -380,7 +892,7 @@
           <a:bodyPr/>
           <a:lstStyle/>
           <a:p>
-            <a:endParaRPr lang="en-US"/>
+            <a:endParaRPr lang="en-US" dirty="0"/>
           </a:p>
         </p:txBody>
       </p:sp>
@@ -403,7 +915,7 @@
               <a:rPr lang="en-US" smtClean="0"/>
               <a:t>‹#›</a:t>
             </a:fld>
-            <a:endParaRPr lang="en-US"/>
+            <a:endParaRPr lang="en-US" dirty="0"/>
           </a:p>
         </p:txBody>
       </p:sp>
@@ -567,9 +1079,9 @@
           <a:p>
             <a:fld id="{D341B595-366B-43E2-A22E-EA6A78C03F06}" type="datetimeFigureOut">
               <a:rPr lang="en-US" smtClean="0"/>
-              <a:t>12/22/2025</a:t>
+              <a:t>12/29/2025</a:t>
             </a:fld>
-            <a:endParaRPr lang="en-US"/>
+            <a:endParaRPr lang="en-US" dirty="0"/>
           </a:p>
         </p:txBody>
       </p:sp>
@@ -588,7 +1100,7 @@
           <a:bodyPr/>
           <a:lstStyle/>
           <a:p>
-            <a:endParaRPr lang="en-US"/>
+            <a:endParaRPr lang="en-US" dirty="0"/>
           </a:p>
         </p:txBody>
       </p:sp>
@@ -611,7 +1123,7 @@
               <a:rPr lang="en-US" smtClean="0"/>
               <a:t>‹#›</a:t>
             </a:fld>
-            <a:endParaRPr lang="en-US"/>
+            <a:endParaRPr lang="en-US" dirty="0"/>
           </a:p>
         </p:txBody>
       </p:sp>
@@ -823,9 +1335,9 @@
           <a:p>
             <a:fld id="{D341B595-366B-43E2-A22E-EA6A78C03F06}" type="datetimeFigureOut">
               <a:rPr lang="en-US" smtClean="0"/>
-              <a:t>12/22/2025</a:t>
+              <a:t>12/29/2025</a:t>
             </a:fld>
-            <a:endParaRPr lang="en-US"/>
+            <a:endParaRPr lang="en-US" dirty="0"/>
           </a:p>
         </p:txBody>
       </p:sp>
@@ -844,7 +1356,7 @@
           <a:bodyPr/>
           <a:lstStyle/>
           <a:p>
-            <a:endParaRPr lang="en-US"/>
+            <a:endParaRPr lang="en-US" dirty="0"/>
           </a:p>
         </p:txBody>
       </p:sp>
@@ -867,7 +1379,7 @@
               <a:rPr lang="en-US" smtClean="0"/>
               <a:t>‹#›</a:t>
             </a:fld>
-            <a:endParaRPr lang="en-US"/>
+            <a:endParaRPr lang="en-US" dirty="0"/>
           </a:p>
         </p:txBody>
       </p:sp>
@@ -997,9 +1509,9 @@
           <a:p>
             <a:fld id="{D341B595-366B-43E2-A22E-EA6A78C03F06}" type="datetimeFigureOut">
               <a:rPr lang="en-US" smtClean="0"/>
-              <a:t>12/22/2025</a:t>
+              <a:t>12/29/2025</a:t>
             </a:fld>
-            <a:endParaRPr lang="en-US"/>
+            <a:endParaRPr lang="en-US" dirty="0"/>
           </a:p>
         </p:txBody>
       </p:sp>
@@ -1018,7 +1530,7 @@
           <a:bodyPr/>
           <a:lstStyle/>
           <a:p>
-            <a:endParaRPr lang="en-US"/>
+            <a:endParaRPr lang="en-US" dirty="0"/>
           </a:p>
         </p:txBody>
       </p:sp>
@@ -1041,7 +1553,7 @@
               <a:rPr lang="en-US" smtClean="0"/>
               <a:t>‹#›</a:t>
             </a:fld>
-            <a:endParaRPr lang="en-US"/>
+            <a:endParaRPr lang="en-US" dirty="0"/>
           </a:p>
         </p:txBody>
       </p:sp>
@@ -1340,9 +1852,9 @@
           <a:p>
             <a:fld id="{D341B595-366B-43E2-A22E-EA6A78C03F06}" type="datetimeFigureOut">
               <a:rPr lang="en-US" smtClean="0"/>
-              <a:t>12/22/2025</a:t>
+              <a:t>12/29/2025</a:t>
             </a:fld>
-            <a:endParaRPr lang="en-US"/>
+            <a:endParaRPr lang="en-US" dirty="0"/>
           </a:p>
         </p:txBody>
       </p:sp>
@@ -1361,7 +1873,7 @@
           <a:bodyPr/>
           <a:lstStyle/>
           <a:p>
-            <a:endParaRPr lang="en-US"/>
+            <a:endParaRPr lang="en-US" dirty="0"/>
           </a:p>
         </p:txBody>
       </p:sp>
@@ -1384,7 +1896,7 @@
               <a:rPr lang="en-US" smtClean="0"/>
               <a:t>‹#›</a:t>
             </a:fld>
-            <a:endParaRPr lang="en-US"/>
+            <a:endParaRPr lang="en-US" dirty="0"/>
           </a:p>
         </p:txBody>
       </p:sp>
@@ -1615,9 +2127,9 @@
           <a:p>
             <a:fld id="{D341B595-366B-43E2-A22E-EA6A78C03F06}" type="datetimeFigureOut">
               <a:rPr lang="en-US" smtClean="0"/>
-              <a:t>12/22/2025</a:t>
+              <a:t>12/29/2025</a:t>
             </a:fld>
-            <a:endParaRPr lang="en-US"/>
+            <a:endParaRPr lang="en-US" dirty="0"/>
           </a:p>
         </p:txBody>
       </p:sp>
@@ -1636,7 +2148,7 @@
           <a:bodyPr/>
           <a:lstStyle/>
           <a:p>
-            <a:endParaRPr lang="en-US"/>
+            <a:endParaRPr lang="en-US" dirty="0"/>
           </a:p>
         </p:txBody>
       </p:sp>
@@ -1659,7 +2171,7 @@
               <a:rPr lang="en-US" smtClean="0"/>
               <a:t>‹#›</a:t>
             </a:fld>
-            <a:endParaRPr lang="en-US"/>
+            <a:endParaRPr lang="en-US" dirty="0"/>
           </a:p>
         </p:txBody>
       </p:sp>
@@ -1994,9 +2506,9 @@
           <a:p>
             <a:fld id="{D341B595-366B-43E2-A22E-EA6A78C03F06}" type="datetimeFigureOut">
               <a:rPr lang="en-US" smtClean="0"/>
-              <a:t>12/22/2025</a:t>
+              <a:t>12/29/2025</a:t>
             </a:fld>
-            <a:endParaRPr lang="en-US"/>
+            <a:endParaRPr lang="en-US" dirty="0"/>
           </a:p>
         </p:txBody>
       </p:sp>
@@ -2015,7 +2527,7 @@
           <a:bodyPr/>
           <a:lstStyle/>
           <a:p>
-            <a:endParaRPr lang="en-US"/>
+            <a:endParaRPr lang="en-US" dirty="0"/>
           </a:p>
         </p:txBody>
       </p:sp>
@@ -2038,7 +2550,7 @@
               <a:rPr lang="en-US" smtClean="0"/>
               <a:t>‹#›</a:t>
             </a:fld>
-            <a:endParaRPr lang="en-US"/>
+            <a:endParaRPr lang="en-US" dirty="0"/>
           </a:p>
         </p:txBody>
       </p:sp>
@@ -2112,9 +2624,9 @@
           <a:p>
             <a:fld id="{D341B595-366B-43E2-A22E-EA6A78C03F06}" type="datetimeFigureOut">
               <a:rPr lang="en-US" smtClean="0"/>
-              <a:t>12/22/2025</a:t>
+              <a:t>12/29/2025</a:t>
             </a:fld>
-            <a:endParaRPr lang="en-US"/>
+            <a:endParaRPr lang="en-US" dirty="0"/>
           </a:p>
         </p:txBody>
       </p:sp>
@@ -2133,7 +2645,7 @@
           <a:bodyPr/>
           <a:lstStyle/>
           <a:p>
-            <a:endParaRPr lang="en-US"/>
+            <a:endParaRPr lang="en-US" dirty="0"/>
           </a:p>
         </p:txBody>
       </p:sp>
@@ -2156,7 +2668,7 @@
               <a:rPr lang="en-US" smtClean="0"/>
               <a:t>‹#›</a:t>
             </a:fld>
-            <a:endParaRPr lang="en-US"/>
+            <a:endParaRPr lang="en-US" dirty="0"/>
           </a:p>
         </p:txBody>
       </p:sp>
@@ -2283,9 +2795,9 @@
           <a:p>
             <a:fld id="{D341B595-366B-43E2-A22E-EA6A78C03F06}" type="datetimeFigureOut">
               <a:rPr lang="en-US" smtClean="0"/>
-              <a:t>12/22/2025</a:t>
+              <a:t>12/29/2025</a:t>
             </a:fld>
-            <a:endParaRPr lang="en-US"/>
+            <a:endParaRPr lang="en-US" dirty="0"/>
           </a:p>
         </p:txBody>
       </p:sp>
@@ -2312,7 +2824,7 @@
             </a:lvl1pPr>
           </a:lstStyle>
           <a:p>
-            <a:endParaRPr lang="en-US"/>
+            <a:endParaRPr lang="en-US" dirty="0"/>
           </a:p>
         </p:txBody>
       </p:sp>
@@ -2335,7 +2847,7 @@
               <a:rPr lang="en-US" smtClean="0"/>
               <a:t>‹#›</a:t>
             </a:fld>
-            <a:endParaRPr lang="en-US"/>
+            <a:endParaRPr lang="en-US" dirty="0"/>
           </a:p>
         </p:txBody>
       </p:sp>
@@ -2637,9 +3149,9 @@
           <a:p>
             <a:fld id="{D341B595-366B-43E2-A22E-EA6A78C03F06}" type="datetimeFigureOut">
               <a:rPr lang="en-US" smtClean="0"/>
-              <a:t>12/22/2025</a:t>
+              <a:t>12/29/2025</a:t>
             </a:fld>
-            <a:endParaRPr lang="en-US"/>
+            <a:endParaRPr lang="en-US" dirty="0"/>
           </a:p>
         </p:txBody>
       </p:sp>
@@ -2671,7 +3183,7 @@
             </a:lvl1pPr>
           </a:lstStyle>
           <a:p>
-            <a:endParaRPr lang="en-US"/>
+            <a:endParaRPr lang="en-US" dirty="0"/>
           </a:p>
         </p:txBody>
       </p:sp>
@@ -2702,7 +3214,7 @@
               <a:rPr lang="en-US" smtClean="0"/>
               <a:t>‹#›</a:t>
             </a:fld>
-            <a:endParaRPr lang="en-US"/>
+            <a:endParaRPr lang="en-US" dirty="0"/>
           </a:p>
         </p:txBody>
       </p:sp>
@@ -2918,10 +3430,9 @@
           </a:lstStyle>
           <a:p>
             <a:r>
-              <a:rPr lang="en-US"/>
+              <a:rPr lang="en-US" dirty="0"/>
               <a:t>Click icon to add picture</a:t>
             </a:r>
-            <a:endParaRPr lang="en-US" dirty="0"/>
           </a:p>
         </p:txBody>
       </p:sp>
@@ -3019,9 +3530,9 @@
           <a:p>
             <a:fld id="{D341B595-366B-43E2-A22E-EA6A78C03F06}" type="datetimeFigureOut">
               <a:rPr lang="en-US" smtClean="0"/>
-              <a:t>12/22/2025</a:t>
+              <a:t>12/29/2025</a:t>
             </a:fld>
-            <a:endParaRPr lang="en-US"/>
+            <a:endParaRPr lang="en-US" dirty="0"/>
           </a:p>
         </p:txBody>
       </p:sp>
@@ -3040,7 +3551,7 @@
           <a:bodyPr/>
           <a:lstStyle/>
           <a:p>
-            <a:endParaRPr lang="en-US"/>
+            <a:endParaRPr lang="en-US" dirty="0"/>
           </a:p>
         </p:txBody>
       </p:sp>
@@ -3063,7 +3574,7 @@
               <a:rPr lang="en-US" smtClean="0"/>
               <a:t>‹#›</a:t>
             </a:fld>
-            <a:endParaRPr lang="en-US"/>
+            <a:endParaRPr lang="en-US" dirty="0"/>
           </a:p>
         </p:txBody>
       </p:sp>
@@ -3143,7 +3654,7 @@
           <a:bodyPr/>
           <a:lstStyle/>
           <a:p>
-            <a:endParaRPr lang="en-US"/>
+            <a:endParaRPr lang="en-US" dirty="0"/>
           </a:p>
         </p:txBody>
       </p:sp>
@@ -3188,7 +3699,7 @@
           <a:bodyPr/>
           <a:lstStyle/>
           <a:p>
-            <a:endParaRPr lang="en-US"/>
+            <a:endParaRPr lang="en-US" dirty="0"/>
           </a:p>
         </p:txBody>
       </p:sp>
@@ -3320,9 +3831,9 @@
           <a:p>
             <a:fld id="{D341B595-366B-43E2-A22E-EA6A78C03F06}" type="datetimeFigureOut">
               <a:rPr lang="en-US" smtClean="0"/>
-              <a:t>12/22/2025</a:t>
+              <a:t>12/29/2025</a:t>
             </a:fld>
-            <a:endParaRPr lang="en-US"/>
+            <a:endParaRPr lang="en-US" dirty="0"/>
           </a:p>
         </p:txBody>
       </p:sp>
@@ -3357,7 +3868,7 @@
             </a:lvl1pPr>
           </a:lstStyle>
           <a:p>
-            <a:endParaRPr lang="en-US"/>
+            <a:endParaRPr lang="en-US" dirty="0"/>
           </a:p>
         </p:txBody>
       </p:sp>
@@ -3396,7 +3907,7 @@
               <a:rPr lang="en-US" smtClean="0"/>
               <a:t>‹#›</a:t>
             </a:fld>
-            <a:endParaRPr lang="en-US"/>
+            <a:endParaRPr lang="en-US" dirty="0"/>
           </a:p>
         </p:txBody>
       </p:sp>
@@ -4147,7 +4658,7 @@
           <a:bodyPr/>
           <a:lstStyle/>
           <a:p>
-            <a:endParaRPr lang="en-US"/>
+            <a:endParaRPr lang="en-US" dirty="0"/>
           </a:p>
         </p:txBody>
       </p:sp>
@@ -4209,7 +4720,7 @@
           <a:bodyPr/>
           <a:lstStyle/>
           <a:p>
-            <a:endParaRPr lang="en-US"/>
+            <a:endParaRPr lang="en-US" dirty="0"/>
           </a:p>
         </p:txBody>
       </p:sp>
@@ -4399,7 +4910,7 @@
           <a:lstStyle/>
           <a:p>
             <a:pPr algn="ctr"/>
-            <a:endParaRPr lang="en-US"/>
+            <a:endParaRPr lang="en-US" dirty="0"/>
           </a:p>
         </p:txBody>
       </p:sp>
@@ -4461,7 +4972,7 @@
           <a:bodyPr/>
           <a:lstStyle/>
           <a:p>
-            <a:endParaRPr lang="en-US"/>
+            <a:endParaRPr lang="en-US" dirty="0"/>
           </a:p>
         </p:txBody>
       </p:sp>
@@ -4565,7 +5076,7 @@
           <a:bodyPr/>
           <a:lstStyle/>
           <a:p>
-            <a:endParaRPr lang="en-US"/>
+            <a:endParaRPr lang="en-US" dirty="0"/>
           </a:p>
         </p:txBody>
       </p:sp>
@@ -5075,40 +5586,52 @@
           <a:lstStyle/>
           <a:p>
             <a:r>
-              <a:rPr lang="en-US" dirty="0"/>
+              <a:rPr lang="en-US" dirty="0">
+                <a:solidFill>
+                  <a:schemeClr val="accent2">
+                    <a:lumMod val="50000"/>
+                  </a:schemeClr>
+                </a:solidFill>
+              </a:rPr>
               <a:t>Most Popular Titles</a:t>
             </a:r>
           </a:p>
         </p:txBody>
       </p:sp>
-      <p:sp>
-        <p:nvSpPr>
-          <p:cNvPr id="3" name="Content Placeholder 2">
+      <p:pic>
+        <p:nvPicPr>
+          <p:cNvPr id="6" name="Content Placeholder 5">
             <a:extLst>
               <a:ext uri="{FF2B5EF4-FFF2-40B4-BE49-F238E27FC236}">
-                <a16:creationId xmlns:a16="http://schemas.microsoft.com/office/drawing/2014/main" id="{8BAA0DD8-B699-40E9-D02F-F6EA552C0236}"/>
+                <a16:creationId xmlns:a16="http://schemas.microsoft.com/office/drawing/2014/main" id="{C20A24F9-C658-B0D8-FD25-7B886B451F2E}"/>
               </a:ext>
             </a:extLst>
           </p:cNvPr>
-          <p:cNvSpPr>
-            <a:spLocks noGrp="1"/>
-          </p:cNvSpPr>
+          <p:cNvPicPr>
+            <a:picLocks noGrp="1" noChangeAspect="1"/>
+          </p:cNvPicPr>
           <p:nvPr>
             <p:ph sz="half" idx="1"/>
           </p:nvPr>
-        </p:nvSpPr>
-        <p:spPr/>
-        <p:txBody>
-          <a:bodyPr/>
-          <a:lstStyle/>
-          <a:p>
-            <a:r>
-              <a:rPr lang="en-US" dirty="0"/>
-              <a:t>Top 10 Most Popular Titles overall</a:t>
-            </a:r>
-          </a:p>
-        </p:txBody>
-      </p:sp>
+        </p:nvPicPr>
+        <p:blipFill>
+          <a:blip r:embed="rId2">
+            <a:extLst>
+              <a:ext uri="{28A0092B-C50C-407E-A947-70E740481C1C}">
+                <a14:useLocalDpi xmlns:a14="http://schemas.microsoft.com/office/drawing/2010/main" val="0"/>
+              </a:ext>
+            </a:extLst>
+          </a:blip>
+          <a:srcRect/>
+          <a:stretch/>
+        </p:blipFill>
+        <p:spPr>
+          <a:xfrm>
+            <a:off x="1096963" y="2005608"/>
+            <a:ext cx="6439618" cy="3704034"/>
+          </a:xfrm>
+        </p:spPr>
+      </p:pic>
       <p:sp>
         <p:nvSpPr>
           <p:cNvPr id="4" name="Content Placeholder 3">
@@ -5125,14 +5648,92 @@
             <p:ph sz="half" idx="2"/>
           </p:nvPr>
         </p:nvSpPr>
-        <p:spPr/>
-        <p:txBody>
-          <a:bodyPr/>
-          <a:lstStyle/>
-          <a:p>
-            <a:r>
-              <a:rPr lang="en-US" dirty="0"/>
-              <a:t>Most Popular Avg Checkouts</a:t>
+        <p:spPr>
+          <a:xfrm>
+            <a:off x="7632834" y="1845945"/>
+            <a:ext cx="3898231" cy="4023360"/>
+          </a:xfrm>
+        </p:spPr>
+        <p:txBody>
+          <a:bodyPr>
+            <a:normAutofit fontScale="92500" lnSpcReduction="10000"/>
+          </a:bodyPr>
+          <a:lstStyle/>
+          <a:p>
+            <a:pPr marL="0" indent="0">
+              <a:buNone/>
+            </a:pPr>
+            <a:r>
+              <a:rPr lang="en-US" dirty="0">
+                <a:solidFill>
+                  <a:schemeClr val="accent2">
+                    <a:lumMod val="75000"/>
+                  </a:schemeClr>
+                </a:solidFill>
+              </a:rPr>
+              <a:t>The top ten most checked-out children’s books were dominated by the Harry Potter series.</a:t>
+            </a:r>
+          </a:p>
+          <a:p>
+            <a:pPr marL="0" indent="0">
+              <a:buNone/>
+            </a:pPr>
+            <a:r>
+              <a:rPr lang="en-US" dirty="0">
+                <a:solidFill>
+                  <a:schemeClr val="accent2">
+                    <a:lumMod val="75000"/>
+                  </a:schemeClr>
+                </a:solidFill>
+              </a:rPr>
+              <a:t>In addition to readers’ preferences, these most popular titles may benefit from being available during the entirety of the covered time period, or from having more copies available in the library system.</a:t>
+            </a:r>
+          </a:p>
+          <a:p>
+            <a:pPr marL="0" indent="0">
+              <a:buNone/>
+            </a:pPr>
+            <a:endParaRPr lang="en-US" dirty="0">
+              <a:solidFill>
+                <a:schemeClr val="accent2">
+                  <a:lumMod val="75000"/>
+                </a:schemeClr>
+              </a:solidFill>
+            </a:endParaRPr>
+          </a:p>
+          <a:p>
+            <a:pPr marL="0" indent="0">
+              <a:buNone/>
+            </a:pPr>
+            <a:r>
+              <a:rPr lang="en-US" dirty="0">
+                <a:solidFill>
+                  <a:schemeClr val="accent2">
+                    <a:lumMod val="75000"/>
+                  </a:schemeClr>
+                </a:solidFill>
+              </a:rPr>
+              <a:t>Mo Willems’ </a:t>
+            </a:r>
+            <a:r>
+              <a:rPr lang="en-US" i="1" dirty="0">
+                <a:solidFill>
+                  <a:schemeClr val="accent2">
+                    <a:lumMod val="75000"/>
+                  </a:schemeClr>
+                </a:solidFill>
+              </a:rPr>
+              <a:t>Are You Ready to Play Outside?</a:t>
+            </a:r>
+            <a:r>
+              <a:rPr lang="en-US" dirty="0">
+                <a:solidFill>
+                  <a:schemeClr val="accent2">
+                    <a:lumMod val="75000"/>
+                  </a:schemeClr>
+                </a:solidFill>
+              </a:rPr>
+              <a:t> is an interesting outlier in this top ten – it’s the only picture book, and the only one with no digital checkouts!</a:t>
             </a:r>
           </a:p>
         </p:txBody>
@@ -5155,13 +5756,7 @@
   <p:cSld>
     <p:spTree>
       <p:nvGrpSpPr>
-        <p:cNvPr id="1" name="">
-          <a:extLst>
-            <a:ext uri="{FF2B5EF4-FFF2-40B4-BE49-F238E27FC236}">
-              <a16:creationId xmlns:a16="http://schemas.microsoft.com/office/drawing/2014/main" id="{49327722-CB38-3FE3-4968-3E8C8D2A94D3}"/>
-            </a:ext>
-          </a:extLst>
-        </p:cNvPr>
+        <p:cNvPr id="1" name=""/>
         <p:cNvGrpSpPr/>
         <p:nvPr/>
       </p:nvGrpSpPr>
@@ -5178,7 +5773,7 @@
           <p:cNvPr id="2" name="Title 1">
             <a:extLst>
               <a:ext uri="{FF2B5EF4-FFF2-40B4-BE49-F238E27FC236}">
-                <a16:creationId xmlns:a16="http://schemas.microsoft.com/office/drawing/2014/main" id="{294BFEFB-F726-3942-5379-96988F90E55A}"/>
+                <a16:creationId xmlns:a16="http://schemas.microsoft.com/office/drawing/2014/main" id="{1BC8C573-1CE1-5645-5AAD-869A929D0630}"/>
               </a:ext>
             </a:extLst>
           </p:cNvPr>
@@ -5195,46 +5790,58 @@
           <a:lstStyle/>
           <a:p>
             <a:r>
-              <a:rPr lang="en-US" dirty="0"/>
-              <a:t>Most Popular Authors</a:t>
-            </a:r>
-          </a:p>
-        </p:txBody>
-      </p:sp>
-      <p:sp>
-        <p:nvSpPr>
-          <p:cNvPr id="3" name="Content Placeholder 2">
+              <a:rPr lang="en-US" dirty="0">
+                <a:solidFill>
+                  <a:schemeClr val="accent2">
+                    <a:lumMod val="50000"/>
+                  </a:schemeClr>
+                </a:solidFill>
+              </a:rPr>
+              <a:t>Different Demand Patterns</a:t>
+            </a:r>
+          </a:p>
+        </p:txBody>
+      </p:sp>
+      <p:pic>
+        <p:nvPicPr>
+          <p:cNvPr id="6" name="Content Placeholder 5">
             <a:extLst>
               <a:ext uri="{FF2B5EF4-FFF2-40B4-BE49-F238E27FC236}">
-                <a16:creationId xmlns:a16="http://schemas.microsoft.com/office/drawing/2014/main" id="{2598DD60-603E-6EF8-3464-AF56CC68983C}"/>
+                <a16:creationId xmlns:a16="http://schemas.microsoft.com/office/drawing/2014/main" id="{8DA968D3-05A2-CC76-C778-D1F1495E5FEF}"/>
               </a:ext>
             </a:extLst>
           </p:cNvPr>
-          <p:cNvSpPr>
-            <a:spLocks noGrp="1"/>
-          </p:cNvSpPr>
+          <p:cNvPicPr>
+            <a:picLocks noGrp="1" noChangeAspect="1"/>
+          </p:cNvPicPr>
           <p:nvPr>
             <p:ph sz="half" idx="1"/>
           </p:nvPr>
-        </p:nvSpPr>
-        <p:spPr/>
-        <p:txBody>
-          <a:bodyPr/>
-          <a:lstStyle/>
-          <a:p>
-            <a:r>
-              <a:rPr lang="en-US" dirty="0"/>
-              <a:t>Top 10 by overall checkouts</a:t>
-            </a:r>
-          </a:p>
-        </p:txBody>
-      </p:sp>
+        </p:nvPicPr>
+        <p:blipFill>
+          <a:blip r:embed="rId2">
+            <a:extLst>
+              <a:ext uri="{28A0092B-C50C-407E-A947-70E740481C1C}">
+                <a14:useLocalDpi xmlns:a14="http://schemas.microsoft.com/office/drawing/2010/main" val="0"/>
+              </a:ext>
+            </a:extLst>
+          </a:blip>
+          <a:srcRect/>
+          <a:stretch/>
+        </p:blipFill>
+        <p:spPr>
+          <a:xfrm>
+            <a:off x="3926491" y="1571625"/>
+            <a:ext cx="7753605" cy="3101441"/>
+          </a:xfrm>
+        </p:spPr>
+      </p:pic>
       <p:sp>
         <p:nvSpPr>
           <p:cNvPr id="4" name="Content Placeholder 3">
             <a:extLst>
               <a:ext uri="{FF2B5EF4-FFF2-40B4-BE49-F238E27FC236}">
-                <a16:creationId xmlns:a16="http://schemas.microsoft.com/office/drawing/2014/main" id="{27CEDEEE-4E91-D4A0-1DC1-0127147A095A}"/>
+                <a16:creationId xmlns:a16="http://schemas.microsoft.com/office/drawing/2014/main" id="{93E0AE34-F69A-5900-5C10-CBF49234D2A7}"/>
               </a:ext>
             </a:extLst>
           </p:cNvPr>
@@ -5245,25 +5852,368 @@
             <p:ph sz="half" idx="2"/>
           </p:nvPr>
         </p:nvSpPr>
-        <p:spPr/>
-        <p:txBody>
-          <a:bodyPr/>
-          <a:lstStyle/>
-          <a:p>
-            <a:r>
-              <a:rPr lang="en-US" dirty="0"/>
-              <a:t>By avg checkouts per month</a:t>
-            </a:r>
-          </a:p>
-          <a:p>
-            <a:endParaRPr lang="en-US" dirty="0"/>
+        <p:spPr>
+          <a:xfrm>
+            <a:off x="1179195" y="4805464"/>
+            <a:ext cx="10221621" cy="1874016"/>
+          </a:xfrm>
+        </p:spPr>
+        <p:txBody>
+          <a:bodyPr>
+            <a:normAutofit/>
+          </a:bodyPr>
+          <a:lstStyle/>
+          <a:p>
+            <a:r>
+              <a:rPr lang="en-US" sz="1800" b="1" dirty="0">
+                <a:solidFill>
+                  <a:schemeClr val="accent2">
+                    <a:lumMod val="75000"/>
+                  </a:schemeClr>
+                </a:solidFill>
+              </a:rPr>
+              <a:t>Harry Potter and the Order of the Phoenix</a:t>
+            </a:r>
+            <a:r>
+              <a:rPr lang="en-US" sz="1800" dirty="0">
+                <a:solidFill>
+                  <a:schemeClr val="accent2">
+                    <a:lumMod val="75000"/>
+                  </a:schemeClr>
+                </a:solidFill>
+              </a:rPr>
+              <a:t>, the seventh most popular book overall, has had steady checkouts for the entire time frame except for periods where the library did not have digital copies available.</a:t>
+            </a:r>
+          </a:p>
+          <a:p>
+            <a:r>
+              <a:rPr lang="en-US" sz="1800" b="1" dirty="0">
+                <a:solidFill>
+                  <a:schemeClr val="accent2">
+                    <a:lumMod val="75000"/>
+                  </a:schemeClr>
+                </a:solidFill>
+              </a:rPr>
+              <a:t>Wonder</a:t>
+            </a:r>
+            <a:r>
+              <a:rPr lang="en-US" sz="1800" dirty="0">
+                <a:solidFill>
+                  <a:schemeClr val="accent2">
+                    <a:lumMod val="75000"/>
+                  </a:schemeClr>
+                </a:solidFill>
+              </a:rPr>
+              <a:t>, the eighth most popular, appears after its publication in 2012 and then experiences a dramatic spike in checkouts after the movie adaptation in 2017.</a:t>
+            </a:r>
+            <a:endParaRPr lang="en-US" sz="1800" b="1" dirty="0">
+              <a:solidFill>
+                <a:schemeClr val="accent2">
+                  <a:lumMod val="75000"/>
+                </a:schemeClr>
+              </a:solidFill>
+            </a:endParaRPr>
+          </a:p>
+        </p:txBody>
+      </p:sp>
+      <p:sp>
+        <p:nvSpPr>
+          <p:cNvPr id="7" name="Content Placeholder 3">
+            <a:extLst>
+              <a:ext uri="{FF2B5EF4-FFF2-40B4-BE49-F238E27FC236}">
+                <a16:creationId xmlns:a16="http://schemas.microsoft.com/office/drawing/2014/main" id="{9E53BAAC-A4D9-6C41-784B-148E0D12A57A}"/>
+              </a:ext>
+            </a:extLst>
+          </p:cNvPr>
+          <p:cNvSpPr txBox="1">
+            <a:spLocks/>
+          </p:cNvSpPr>
+          <p:nvPr/>
+        </p:nvSpPr>
+        <p:spPr>
+          <a:xfrm>
+            <a:off x="1179195" y="2052536"/>
+            <a:ext cx="3100976" cy="3840582"/>
+          </a:xfrm>
+          <a:prstGeom prst="rect">
+            <a:avLst/>
+          </a:prstGeom>
+        </p:spPr>
+        <p:txBody>
+          <a:bodyPr vert="horz" lIns="0" tIns="45720" rIns="0" bIns="45720" rtlCol="0">
+            <a:normAutofit/>
+          </a:bodyPr>
+          <a:lstStyle>
+            <a:lvl1pPr marL="91440" indent="-91440" algn="l" defTabSz="914400" rtl="0" eaLnBrk="1" latinLnBrk="0" hangingPunct="1">
+              <a:lnSpc>
+                <a:spcPct val="90000"/>
+              </a:lnSpc>
+              <a:spcBef>
+                <a:spcPts val="1200"/>
+              </a:spcBef>
+              <a:spcAft>
+                <a:spcPts val="200"/>
+              </a:spcAft>
+              <a:buClr>
+                <a:schemeClr val="accent1"/>
+              </a:buClr>
+              <a:buSzPct val="100000"/>
+              <a:buFont typeface="Calibri" panose="020F0502020204030204" pitchFamily="34" charset="0"/>
+              <a:buChar char=" "/>
+              <a:defRPr sz="2000" kern="1200">
+                <a:solidFill>
+                  <a:schemeClr val="tx1">
+                    <a:lumMod val="75000"/>
+                    <a:lumOff val="25000"/>
+                  </a:schemeClr>
+                </a:solidFill>
+                <a:latin typeface="+mn-lt"/>
+                <a:ea typeface="+mn-ea"/>
+                <a:cs typeface="+mn-cs"/>
+              </a:defRPr>
+            </a:lvl1pPr>
+            <a:lvl2pPr marL="384048" indent="-182880" algn="l" defTabSz="914400" rtl="0" eaLnBrk="1" latinLnBrk="0" hangingPunct="1">
+              <a:lnSpc>
+                <a:spcPct val="90000"/>
+              </a:lnSpc>
+              <a:spcBef>
+                <a:spcPts val="200"/>
+              </a:spcBef>
+              <a:spcAft>
+                <a:spcPts val="400"/>
+              </a:spcAft>
+              <a:buClr>
+                <a:schemeClr val="accent1"/>
+              </a:buClr>
+              <a:buFont typeface="Calibri" pitchFamily="34" charset="0"/>
+              <a:buChar char="◦"/>
+              <a:defRPr sz="1800" kern="1200">
+                <a:solidFill>
+                  <a:schemeClr val="tx1">
+                    <a:lumMod val="75000"/>
+                    <a:lumOff val="25000"/>
+                  </a:schemeClr>
+                </a:solidFill>
+                <a:latin typeface="+mn-lt"/>
+                <a:ea typeface="+mn-ea"/>
+                <a:cs typeface="+mn-cs"/>
+              </a:defRPr>
+            </a:lvl2pPr>
+            <a:lvl3pPr marL="566928" indent="-182880" algn="l" defTabSz="914400" rtl="0" eaLnBrk="1" latinLnBrk="0" hangingPunct="1">
+              <a:lnSpc>
+                <a:spcPct val="90000"/>
+              </a:lnSpc>
+              <a:spcBef>
+                <a:spcPts val="200"/>
+              </a:spcBef>
+              <a:spcAft>
+                <a:spcPts val="400"/>
+              </a:spcAft>
+              <a:buClr>
+                <a:schemeClr val="accent1"/>
+              </a:buClr>
+              <a:buFont typeface="Calibri" pitchFamily="34" charset="0"/>
+              <a:buChar char="◦"/>
+              <a:defRPr sz="1400" kern="1200">
+                <a:solidFill>
+                  <a:schemeClr val="tx1">
+                    <a:lumMod val="75000"/>
+                    <a:lumOff val="25000"/>
+                  </a:schemeClr>
+                </a:solidFill>
+                <a:latin typeface="+mn-lt"/>
+                <a:ea typeface="+mn-ea"/>
+                <a:cs typeface="+mn-cs"/>
+              </a:defRPr>
+            </a:lvl3pPr>
+            <a:lvl4pPr marL="749808" indent="-182880" algn="l" defTabSz="914400" rtl="0" eaLnBrk="1" latinLnBrk="0" hangingPunct="1">
+              <a:lnSpc>
+                <a:spcPct val="90000"/>
+              </a:lnSpc>
+              <a:spcBef>
+                <a:spcPts val="200"/>
+              </a:spcBef>
+              <a:spcAft>
+                <a:spcPts val="400"/>
+              </a:spcAft>
+              <a:buClr>
+                <a:schemeClr val="accent1"/>
+              </a:buClr>
+              <a:buFont typeface="Calibri" pitchFamily="34" charset="0"/>
+              <a:buChar char="◦"/>
+              <a:defRPr sz="1400" kern="1200">
+                <a:solidFill>
+                  <a:schemeClr val="tx1">
+                    <a:lumMod val="75000"/>
+                    <a:lumOff val="25000"/>
+                  </a:schemeClr>
+                </a:solidFill>
+                <a:latin typeface="+mn-lt"/>
+                <a:ea typeface="+mn-ea"/>
+                <a:cs typeface="+mn-cs"/>
+              </a:defRPr>
+            </a:lvl4pPr>
+            <a:lvl5pPr marL="932688" indent="-182880" algn="l" defTabSz="914400" rtl="0" eaLnBrk="1" latinLnBrk="0" hangingPunct="1">
+              <a:lnSpc>
+                <a:spcPct val="90000"/>
+              </a:lnSpc>
+              <a:spcBef>
+                <a:spcPts val="200"/>
+              </a:spcBef>
+              <a:spcAft>
+                <a:spcPts val="400"/>
+              </a:spcAft>
+              <a:buClr>
+                <a:schemeClr val="accent1"/>
+              </a:buClr>
+              <a:buFont typeface="Calibri" pitchFamily="34" charset="0"/>
+              <a:buChar char="◦"/>
+              <a:defRPr sz="1400" kern="1200">
+                <a:solidFill>
+                  <a:schemeClr val="tx1">
+                    <a:lumMod val="75000"/>
+                    <a:lumOff val="25000"/>
+                  </a:schemeClr>
+                </a:solidFill>
+                <a:latin typeface="+mn-lt"/>
+                <a:ea typeface="+mn-ea"/>
+                <a:cs typeface="+mn-cs"/>
+              </a:defRPr>
+            </a:lvl5pPr>
+            <a:lvl6pPr marL="1100000" indent="-228600" algn="l" defTabSz="914400" rtl="0" eaLnBrk="1" latinLnBrk="0" hangingPunct="1">
+              <a:lnSpc>
+                <a:spcPct val="90000"/>
+              </a:lnSpc>
+              <a:spcBef>
+                <a:spcPts val="200"/>
+              </a:spcBef>
+              <a:spcAft>
+                <a:spcPts val="400"/>
+              </a:spcAft>
+              <a:buClr>
+                <a:schemeClr val="accent1"/>
+              </a:buClr>
+              <a:buFont typeface="Calibri" pitchFamily="34" charset="0"/>
+              <a:buChar char="◦"/>
+              <a:defRPr sz="1400" kern="1200">
+                <a:solidFill>
+                  <a:schemeClr val="tx1">
+                    <a:lumMod val="75000"/>
+                    <a:lumOff val="25000"/>
+                  </a:schemeClr>
+                </a:solidFill>
+                <a:latin typeface="+mn-lt"/>
+                <a:ea typeface="+mn-ea"/>
+                <a:cs typeface="+mn-cs"/>
+              </a:defRPr>
+            </a:lvl6pPr>
+            <a:lvl7pPr marL="1300000" indent="-228600" algn="l" defTabSz="914400" rtl="0" eaLnBrk="1" latinLnBrk="0" hangingPunct="1">
+              <a:lnSpc>
+                <a:spcPct val="90000"/>
+              </a:lnSpc>
+              <a:spcBef>
+                <a:spcPts val="200"/>
+              </a:spcBef>
+              <a:spcAft>
+                <a:spcPts val="400"/>
+              </a:spcAft>
+              <a:buClr>
+                <a:schemeClr val="accent1"/>
+              </a:buClr>
+              <a:buFont typeface="Calibri" pitchFamily="34" charset="0"/>
+              <a:buChar char="◦"/>
+              <a:defRPr sz="1400" kern="1200">
+                <a:solidFill>
+                  <a:schemeClr val="tx1">
+                    <a:lumMod val="75000"/>
+                    <a:lumOff val="25000"/>
+                  </a:schemeClr>
+                </a:solidFill>
+                <a:latin typeface="+mn-lt"/>
+                <a:ea typeface="+mn-ea"/>
+                <a:cs typeface="+mn-cs"/>
+              </a:defRPr>
+            </a:lvl7pPr>
+            <a:lvl8pPr marL="1500000" indent="-228600" algn="l" defTabSz="914400" rtl="0" eaLnBrk="1" latinLnBrk="0" hangingPunct="1">
+              <a:lnSpc>
+                <a:spcPct val="90000"/>
+              </a:lnSpc>
+              <a:spcBef>
+                <a:spcPts val="200"/>
+              </a:spcBef>
+              <a:spcAft>
+                <a:spcPts val="400"/>
+              </a:spcAft>
+              <a:buClr>
+                <a:schemeClr val="accent1"/>
+              </a:buClr>
+              <a:buFont typeface="Calibri" pitchFamily="34" charset="0"/>
+              <a:buChar char="◦"/>
+              <a:defRPr sz="1400" kern="1200">
+                <a:solidFill>
+                  <a:schemeClr val="tx1">
+                    <a:lumMod val="75000"/>
+                    <a:lumOff val="25000"/>
+                  </a:schemeClr>
+                </a:solidFill>
+                <a:latin typeface="+mn-lt"/>
+                <a:ea typeface="+mn-ea"/>
+                <a:cs typeface="+mn-cs"/>
+              </a:defRPr>
+            </a:lvl8pPr>
+            <a:lvl9pPr marL="1700000" indent="-228600" algn="l" defTabSz="914400" rtl="0" eaLnBrk="1" latinLnBrk="0" hangingPunct="1">
+              <a:lnSpc>
+                <a:spcPct val="90000"/>
+              </a:lnSpc>
+              <a:spcBef>
+                <a:spcPts val="200"/>
+              </a:spcBef>
+              <a:spcAft>
+                <a:spcPts val="400"/>
+              </a:spcAft>
+              <a:buClr>
+                <a:schemeClr val="accent1"/>
+              </a:buClr>
+              <a:buFont typeface="Calibri" pitchFamily="34" charset="0"/>
+              <a:buChar char="◦"/>
+              <a:defRPr sz="1400" kern="1200">
+                <a:solidFill>
+                  <a:schemeClr val="tx1">
+                    <a:lumMod val="75000"/>
+                    <a:lumOff val="25000"/>
+                  </a:schemeClr>
+                </a:solidFill>
+                <a:latin typeface="+mn-lt"/>
+                <a:ea typeface="+mn-ea"/>
+                <a:cs typeface="+mn-cs"/>
+              </a:defRPr>
+            </a:lvl9pPr>
+          </a:lstStyle>
+          <a:p>
+            <a:r>
+              <a:rPr lang="en-US" dirty="0">
+                <a:solidFill>
+                  <a:schemeClr val="accent2">
+                    <a:lumMod val="75000"/>
+                  </a:schemeClr>
+                </a:solidFill>
+              </a:rPr>
+              <a:t>Looking at checkout numbers over time for a few of the top titles reveal that despite similar overall checkout numbers, titles can experience very different patterns in checkouts.</a:t>
+            </a:r>
+            <a:endParaRPr lang="en-US" b="1" dirty="0">
+              <a:solidFill>
+                <a:schemeClr val="accent2">
+                  <a:lumMod val="75000"/>
+                </a:schemeClr>
+              </a:solidFill>
+            </a:endParaRPr>
           </a:p>
         </p:txBody>
       </p:sp>
     </p:spTree>
     <p:extLst>
       <p:ext uri="{BB962C8B-B14F-4D97-AF65-F5344CB8AC3E}">
-        <p14:creationId xmlns:p14="http://schemas.microsoft.com/office/powerpoint/2010/main" val="1022351169"/>
+        <p14:creationId xmlns:p14="http://schemas.microsoft.com/office/powerpoint/2010/main" val="534972039"/>
       </p:ext>
     </p:extLst>
   </p:cSld>
@@ -5276,6 +6226,14 @@
 <file path=ppt/slides/slide6.xml><?xml version="1.0" encoding="utf-8"?>
 <p:sld xmlns:a="http://schemas.openxmlformats.org/drawingml/2006/main" xmlns:r="http://schemas.openxmlformats.org/officeDocument/2006/relationships" xmlns:p="http://schemas.openxmlformats.org/presentationml/2006/main">
   <p:cSld>
+    <p:bg>
+      <p:bgPr>
+        <a:solidFill>
+          <a:schemeClr val="bg1"/>
+        </a:solidFill>
+        <a:effectLst/>
+      </p:bgPr>
+    </p:bg>
     <p:spTree>
       <p:nvGrpSpPr>
         <p:cNvPr id="1" name=""/>
@@ -5292,10 +6250,249 @@
       </p:grpSpPr>
       <p:sp>
         <p:nvSpPr>
+          <p:cNvPr id="28" name="Rectangle 27">
+            <a:extLst>
+              <a:ext uri="{FF2B5EF4-FFF2-40B4-BE49-F238E27FC236}">
+                <a16:creationId xmlns:a16="http://schemas.microsoft.com/office/drawing/2014/main" id="{600B5AE2-C5CC-499C-8F2D-249888BE22C2}"/>
+              </a:ext>
+              <a:ext uri="{C183D7F6-B498-43B3-948B-1728B52AA6E4}">
+                <adec:decorative xmlns:adec="http://schemas.microsoft.com/office/drawing/2017/decorative" val="1"/>
+              </a:ext>
+            </a:extLst>
+          </p:cNvPr>
+          <p:cNvSpPr>
+            <a:spLocks noGrp="1" noRot="1" noChangeAspect="1" noMove="1" noResize="1" noEditPoints="1" noAdjustHandles="1" noChangeArrowheads="1" noChangeShapeType="1" noTextEdit="1"/>
+          </p:cNvSpPr>
+          <p:nvPr>
+            <p:extLst>
+              <p:ext uri="{386F3935-93C4-4BCD-93E2-E3B085C9AB24}">
+                <p16:designElem xmlns:p16="http://schemas.microsoft.com/office/powerpoint/2015/main" val="1"/>
+              </p:ext>
+            </p:extLst>
+          </p:nvPr>
+        </p:nvSpPr>
+        <p:spPr>
+          <a:xfrm>
+            <a:off x="1" y="6400800"/>
+            <a:ext cx="12192000" cy="457200"/>
+          </a:xfrm>
+          <a:prstGeom prst="rect">
+            <a:avLst/>
+          </a:prstGeom>
+          <a:solidFill>
+            <a:schemeClr val="accent2"/>
+          </a:solidFill>
+          <a:ln>
+            <a:noFill/>
+          </a:ln>
+        </p:spPr>
+        <p:style>
+          <a:lnRef idx="2">
+            <a:schemeClr val="accent1">
+              <a:shade val="50000"/>
+            </a:schemeClr>
+          </a:lnRef>
+          <a:fillRef idx="1">
+            <a:schemeClr val="accent1"/>
+          </a:fillRef>
+          <a:effectRef idx="0">
+            <a:schemeClr val="accent1"/>
+          </a:effectRef>
+          <a:fontRef idx="minor">
+            <a:schemeClr val="lt1"/>
+          </a:fontRef>
+        </p:style>
+        <p:txBody>
+          <a:bodyPr/>
+          <a:lstStyle/>
+          <a:p>
+            <a:endParaRPr lang="en-US"/>
+          </a:p>
+        </p:txBody>
+      </p:sp>
+      <p:sp>
+        <p:nvSpPr>
+          <p:cNvPr id="30" name="Rectangle 29">
+            <a:extLst>
+              <a:ext uri="{FF2B5EF4-FFF2-40B4-BE49-F238E27FC236}">
+                <a16:creationId xmlns:a16="http://schemas.microsoft.com/office/drawing/2014/main" id="{BA7A3698-B350-40E5-8475-9BCC41A089FC}"/>
+              </a:ext>
+              <a:ext uri="{C183D7F6-B498-43B3-948B-1728B52AA6E4}">
+                <adec:decorative xmlns:adec="http://schemas.microsoft.com/office/drawing/2017/decorative" val="1"/>
+              </a:ext>
+            </a:extLst>
+          </p:cNvPr>
+          <p:cNvSpPr>
+            <a:spLocks noGrp="1" noRot="1" noChangeAspect="1" noMove="1" noResize="1" noEditPoints="1" noAdjustHandles="1" noChangeArrowheads="1" noChangeShapeType="1" noTextEdit="1"/>
+          </p:cNvSpPr>
+          <p:nvPr>
+            <p:extLst>
+              <p:ext uri="{386F3935-93C4-4BCD-93E2-E3B085C9AB24}">
+                <p16:designElem xmlns:p16="http://schemas.microsoft.com/office/powerpoint/2015/main" val="1"/>
+              </p:ext>
+            </p:extLst>
+          </p:nvPr>
+        </p:nvSpPr>
+        <p:spPr>
+          <a:xfrm>
+            <a:off x="0" y="6334316"/>
+            <a:ext cx="12192001" cy="65998"/>
+          </a:xfrm>
+          <a:prstGeom prst="rect">
+            <a:avLst/>
+          </a:prstGeom>
+          <a:solidFill>
+            <a:schemeClr val="accent1"/>
+          </a:solidFill>
+          <a:ln>
+            <a:noFill/>
+          </a:ln>
+        </p:spPr>
+        <p:style>
+          <a:lnRef idx="2">
+            <a:schemeClr val="accent1">
+              <a:shade val="50000"/>
+            </a:schemeClr>
+          </a:lnRef>
+          <a:fillRef idx="1">
+            <a:schemeClr val="accent1"/>
+          </a:fillRef>
+          <a:effectRef idx="0">
+            <a:schemeClr val="accent1"/>
+          </a:effectRef>
+          <a:fontRef idx="minor">
+            <a:schemeClr val="lt1"/>
+          </a:fontRef>
+        </p:style>
+        <p:txBody>
+          <a:bodyPr/>
+          <a:lstStyle/>
+          <a:p>
+            <a:endParaRPr lang="en-US"/>
+          </a:p>
+        </p:txBody>
+      </p:sp>
+      <p:cxnSp>
+        <p:nvCxnSpPr>
+          <p:cNvPr id="32" name="Straight Connector 31">
+            <a:extLst>
+              <a:ext uri="{FF2B5EF4-FFF2-40B4-BE49-F238E27FC236}">
+                <a16:creationId xmlns:a16="http://schemas.microsoft.com/office/drawing/2014/main" id="{0AC655C7-EC94-4BE6-84C8-2F9EFBBB2789}"/>
+              </a:ext>
+              <a:ext uri="{C183D7F6-B498-43B3-948B-1728B52AA6E4}">
+                <adec:decorative xmlns:adec="http://schemas.microsoft.com/office/drawing/2017/decorative" val="1"/>
+              </a:ext>
+            </a:extLst>
+          </p:cNvPr>
+          <p:cNvCxnSpPr>
+            <a:cxnSpLocks noGrp="1" noRot="1" noChangeAspect="1" noMove="1" noResize="1" noEditPoints="1" noAdjustHandles="1" noChangeArrowheads="1" noChangeShapeType="1"/>
+          </p:cNvCxnSpPr>
+          <p:nvPr>
+            <p:extLst>
+              <p:ext uri="{386F3935-93C4-4BCD-93E2-E3B085C9AB24}">
+                <p16:designElem xmlns:p16="http://schemas.microsoft.com/office/powerpoint/2015/main" val="1"/>
+              </p:ext>
+            </p:extLst>
+          </p:nvPr>
+        </p:nvCxnSpPr>
+        <p:spPr>
+          <a:xfrm>
+            <a:off x="1193532" y="1737845"/>
+            <a:ext cx="9966960" cy="0"/>
+          </a:xfrm>
+          <a:prstGeom prst="line">
+            <a:avLst/>
+          </a:prstGeom>
+          <a:ln w="6350">
+            <a:solidFill>
+              <a:schemeClr val="tx1">
+                <a:lumMod val="50000"/>
+                <a:lumOff val="50000"/>
+              </a:schemeClr>
+            </a:solidFill>
+          </a:ln>
+        </p:spPr>
+        <p:style>
+          <a:lnRef idx="1">
+            <a:schemeClr val="accent1"/>
+          </a:lnRef>
+          <a:fillRef idx="0">
+            <a:schemeClr val="accent1"/>
+          </a:fillRef>
+          <a:effectRef idx="0">
+            <a:schemeClr val="accent1"/>
+          </a:effectRef>
+          <a:fontRef idx="minor">
+            <a:schemeClr val="tx1"/>
+          </a:fontRef>
+        </p:style>
+      </p:cxnSp>
+      <p:sp useBgFill="1">
+        <p:nvSpPr>
+          <p:cNvPr id="34" name="Rectangle 33">
+            <a:extLst>
+              <a:ext uri="{FF2B5EF4-FFF2-40B4-BE49-F238E27FC236}">
+                <a16:creationId xmlns:a16="http://schemas.microsoft.com/office/drawing/2014/main" id="{10162E77-11AD-44A7-84EC-40C59EEFBD2E}"/>
+              </a:ext>
+              <a:ext uri="{C183D7F6-B498-43B3-948B-1728B52AA6E4}">
+                <adec:decorative xmlns:adec="http://schemas.microsoft.com/office/drawing/2017/decorative" val="1"/>
+              </a:ext>
+            </a:extLst>
+          </p:cNvPr>
+          <p:cNvSpPr>
+            <a:spLocks noGrp="1" noRot="1" noChangeAspect="1" noMove="1" noResize="1" noEditPoints="1" noAdjustHandles="1" noChangeArrowheads="1" noChangeShapeType="1" noTextEdit="1"/>
+          </p:cNvSpPr>
+          <p:nvPr>
+            <p:extLst>
+              <p:ext uri="{386F3935-93C4-4BCD-93E2-E3B085C9AB24}">
+                <p16:designElem xmlns:p16="http://schemas.microsoft.com/office/powerpoint/2015/main" val="1"/>
+              </p:ext>
+            </p:extLst>
+          </p:nvPr>
+        </p:nvSpPr>
+        <p:spPr>
+          <a:xfrm>
+            <a:off x="0" y="0"/>
+            <a:ext cx="12192001" cy="6334316"/>
+          </a:xfrm>
+          <a:prstGeom prst="rect">
+            <a:avLst/>
+          </a:prstGeom>
+          <a:ln>
+            <a:noFill/>
+          </a:ln>
+        </p:spPr>
+        <p:style>
+          <a:lnRef idx="2">
+            <a:schemeClr val="accent1">
+              <a:shade val="50000"/>
+            </a:schemeClr>
+          </a:lnRef>
+          <a:fillRef idx="1">
+            <a:schemeClr val="accent1"/>
+          </a:fillRef>
+          <a:effectRef idx="0">
+            <a:schemeClr val="accent1"/>
+          </a:effectRef>
+          <a:fontRef idx="minor">
+            <a:schemeClr val="lt1"/>
+          </a:fontRef>
+        </p:style>
+        <p:txBody>
+          <a:bodyPr rtlCol="0" anchor="ctr"/>
+          <a:lstStyle/>
+          <a:p>
+            <a:pPr algn="ctr"/>
+            <a:endParaRPr lang="en-US"/>
+          </a:p>
+        </p:txBody>
+      </p:sp>
+      <p:sp>
+        <p:nvSpPr>
           <p:cNvPr id="2" name="Title 1">
             <a:extLst>
               <a:ext uri="{FF2B5EF4-FFF2-40B4-BE49-F238E27FC236}">
-                <a16:creationId xmlns:a16="http://schemas.microsoft.com/office/drawing/2014/main" id="{C2D9EE8A-E9C7-00CD-635D-31286291ABB3}"/>
+                <a16:creationId xmlns:a16="http://schemas.microsoft.com/office/drawing/2014/main" id="{22F6541A-E791-92AD-3011-F47D55F00336}"/>
               </a:ext>
             </a:extLst>
           </p:cNvPr>
@@ -5306,24 +6503,135 @@
             <p:ph type="title"/>
           </p:nvPr>
         </p:nvSpPr>
-        <p:spPr/>
-        <p:txBody>
-          <a:bodyPr/>
-          <a:lstStyle/>
-          <a:p>
-            <a:r>
-              <a:rPr lang="en-US" dirty="0"/>
-              <a:t>Defining “Popular”</a:t>
-            </a:r>
-          </a:p>
-        </p:txBody>
-      </p:sp>
+        <p:spPr>
+          <a:xfrm>
+            <a:off x="7859485" y="634946"/>
+            <a:ext cx="3690257" cy="1450757"/>
+          </a:xfrm>
+        </p:spPr>
+        <p:txBody>
+          <a:bodyPr vert="horz" lIns="91440" tIns="45720" rIns="91440" bIns="45720" rtlCol="0" anchor="b">
+            <a:normAutofit/>
+          </a:bodyPr>
+          <a:lstStyle/>
+          <a:p>
+            <a:r>
+              <a:rPr lang="en-US" kern="1200" spc="-50" baseline="0" dirty="0">
+                <a:solidFill>
+                  <a:schemeClr val="accent2">
+                    <a:lumMod val="50000"/>
+                  </a:schemeClr>
+                </a:solidFill>
+                <a:latin typeface="+mj-lt"/>
+                <a:ea typeface="+mj-ea"/>
+                <a:cs typeface="+mj-cs"/>
+              </a:rPr>
+              <a:t>Possible Fads</a:t>
+            </a:r>
+          </a:p>
+        </p:txBody>
+      </p:sp>
+      <p:pic>
+        <p:nvPicPr>
+          <p:cNvPr id="6" name="Content Placeholder 5">
+            <a:extLst>
+              <a:ext uri="{FF2B5EF4-FFF2-40B4-BE49-F238E27FC236}">
+                <a16:creationId xmlns:a16="http://schemas.microsoft.com/office/drawing/2014/main" id="{3EFE13C7-0C56-EA5E-8B86-F485380D357D}"/>
+              </a:ext>
+            </a:extLst>
+          </p:cNvPr>
+          <p:cNvPicPr>
+            <a:picLocks noGrp="1" noChangeAspect="1"/>
+          </p:cNvPicPr>
+          <p:nvPr>
+            <p:ph sz="half" idx="2"/>
+          </p:nvPr>
+        </p:nvPicPr>
+        <p:blipFill>
+          <a:blip r:embed="rId3">
+            <a:extLst>
+              <a:ext uri="{28A0092B-C50C-407E-A947-70E740481C1C}">
+                <a14:useLocalDpi xmlns:a14="http://schemas.microsoft.com/office/drawing/2010/main" val="0"/>
+              </a:ext>
+            </a:extLst>
+          </a:blip>
+          <a:srcRect l="-6595" r="-1160" b="-2"/>
+          <a:stretch>
+            <a:fillRect/>
+          </a:stretch>
+        </p:blipFill>
+        <p:spPr>
+          <a:xfrm>
+            <a:off x="-333375" y="1038998"/>
+            <a:ext cx="8211094" cy="4572177"/>
+          </a:xfrm>
+          <a:prstGeom prst="rect">
+            <a:avLst/>
+          </a:prstGeom>
+        </p:spPr>
+      </p:pic>
+      <p:cxnSp>
+        <p:nvCxnSpPr>
+          <p:cNvPr id="36" name="Straight Connector 35">
+            <a:extLst>
+              <a:ext uri="{FF2B5EF4-FFF2-40B4-BE49-F238E27FC236}">
+                <a16:creationId xmlns:a16="http://schemas.microsoft.com/office/drawing/2014/main" id="{5AB158E9-1B40-4CD6-95F0-95CA11DF7B7A}"/>
+              </a:ext>
+              <a:ext uri="{C183D7F6-B498-43B3-948B-1728B52AA6E4}">
+                <adec:decorative xmlns:adec="http://schemas.microsoft.com/office/drawing/2017/decorative" val="1"/>
+              </a:ext>
+            </a:extLst>
+          </p:cNvPr>
+          <p:cNvCxnSpPr>
+            <a:cxnSpLocks noGrp="1" noRot="1" noChangeAspect="1" noMove="1" noResize="1" noEditPoints="1" noAdjustHandles="1" noChangeArrowheads="1" noChangeShapeType="1"/>
+          </p:cNvCxnSpPr>
+          <p:nvPr>
+            <p:extLst>
+              <p:ext uri="{386F3935-93C4-4BCD-93E2-E3B085C9AB24}">
+                <p16:designElem xmlns:p16="http://schemas.microsoft.com/office/powerpoint/2015/main" val="1"/>
+              </p:ext>
+            </p:extLst>
+          </p:nvPr>
+        </p:nvCxnSpPr>
+        <p:spPr>
+          <a:xfrm>
+            <a:off x="7892143" y="2085703"/>
+            <a:ext cx="3566160" cy="0"/>
+          </a:xfrm>
+          <a:prstGeom prst="line">
+            <a:avLst/>
+          </a:prstGeom>
+          <a:ln w="6350">
+            <a:solidFill>
+              <a:schemeClr val="tx1">
+                <a:lumMod val="50000"/>
+                <a:lumOff val="50000"/>
+                <a:alpha val="90000"/>
+              </a:schemeClr>
+            </a:solidFill>
+          </a:ln>
+        </p:spPr>
+        <p:style>
+          <a:lnRef idx="1">
+            <a:schemeClr val="accent1"/>
+          </a:lnRef>
+          <a:fillRef idx="0">
+            <a:schemeClr val="accent1"/>
+          </a:fillRef>
+          <a:effectRef idx="0">
+            <a:schemeClr val="accent1"/>
+          </a:effectRef>
+          <a:fontRef idx="minor">
+            <a:schemeClr val="tx1"/>
+          </a:fontRef>
+        </p:style>
+      </p:cxnSp>
       <p:sp>
         <p:nvSpPr>
           <p:cNvPr id="3" name="Content Placeholder 2">
             <a:extLst>
               <a:ext uri="{FF2B5EF4-FFF2-40B4-BE49-F238E27FC236}">
-                <a16:creationId xmlns:a16="http://schemas.microsoft.com/office/drawing/2014/main" id="{89CDA909-DAD5-3EDE-482C-290B1B9A4C79}"/>
+                <a16:creationId xmlns:a16="http://schemas.microsoft.com/office/drawing/2014/main" id="{B88AB8E4-7A30-D023-91AB-7EBFF8765875}"/>
               </a:ext>
             </a:extLst>
           </p:cNvPr>
@@ -5331,31 +6639,264 @@
             <a:spLocks noGrp="1"/>
           </p:cNvSpPr>
           <p:nvPr>
-            <p:ph idx="1"/>
-          </p:nvPr>
-        </p:nvSpPr>
-        <p:spPr/>
+            <p:ph sz="half" idx="1"/>
+          </p:nvPr>
+        </p:nvSpPr>
+        <p:spPr>
+          <a:xfrm>
+            <a:off x="7859485" y="2198913"/>
+            <a:ext cx="3838144" cy="3755565"/>
+          </a:xfrm>
+        </p:spPr>
+        <p:txBody>
+          <a:bodyPr vert="horz" lIns="0" tIns="45720" rIns="0" bIns="45720" rtlCol="0">
+            <a:normAutofit fontScale="55000" lnSpcReduction="20000"/>
+          </a:bodyPr>
+          <a:lstStyle/>
+          <a:p>
+            <a:pPr>
+              <a:lnSpc>
+                <a:spcPct val="120000"/>
+              </a:lnSpc>
+            </a:pPr>
+            <a:r>
+              <a:rPr lang="en-US" sz="2900" dirty="0">
+                <a:solidFill>
+                  <a:schemeClr val="accent2">
+                    <a:lumMod val="75000"/>
+                  </a:schemeClr>
+                </a:solidFill>
+              </a:rPr>
+              <a:t>Without the spike following the film adaptation’s release, </a:t>
+            </a:r>
+            <a:r>
+              <a:rPr lang="en-US" sz="2900" b="1" dirty="0">
+                <a:solidFill>
+                  <a:schemeClr val="accent2">
+                    <a:lumMod val="75000"/>
+                  </a:schemeClr>
+                </a:solidFill>
+              </a:rPr>
+              <a:t>Wonder</a:t>
+            </a:r>
+            <a:r>
+              <a:rPr lang="en-US" sz="2900" dirty="0">
+                <a:solidFill>
+                  <a:schemeClr val="accent2">
+                    <a:lumMod val="75000"/>
+                  </a:schemeClr>
+                </a:solidFill>
+              </a:rPr>
+              <a:t> would’ve likely had around 4,000 fewer total checkouts, knocking it out of the top ten.  While it would still be pretty popular even then, looking for the largest spikes in checkouts may identify books that had brief moments of popularity that didn’t last.</a:t>
+            </a:r>
+          </a:p>
+          <a:p>
+            <a:pPr>
+              <a:lnSpc>
+                <a:spcPct val="120000"/>
+              </a:lnSpc>
+            </a:pPr>
+            <a:r>
+              <a:rPr lang="en-US" sz="2900" dirty="0">
+                <a:solidFill>
+                  <a:schemeClr val="accent2">
+                    <a:lumMod val="75000"/>
+                  </a:schemeClr>
+                </a:solidFill>
+              </a:rPr>
+              <a:t>Some titles with large spikes still maintain popularity, while others (like </a:t>
+            </a:r>
+            <a:r>
+              <a:rPr lang="en-US" sz="2900" i="1" dirty="0">
+                <a:solidFill>
+                  <a:schemeClr val="accent2">
+                    <a:lumMod val="75000"/>
+                  </a:schemeClr>
+                </a:solidFill>
+              </a:rPr>
+              <a:t>The Red Pencil</a:t>
+            </a:r>
+            <a:r>
+              <a:rPr lang="en-US" sz="2900" dirty="0">
+                <a:solidFill>
+                  <a:schemeClr val="accent2">
+                    <a:lumMod val="75000"/>
+                  </a:schemeClr>
+                </a:solidFill>
+              </a:rPr>
+              <a:t>, </a:t>
+            </a:r>
+            <a:r>
+              <a:rPr lang="en-US" sz="2900" i="1" dirty="0">
+                <a:solidFill>
+                  <a:schemeClr val="accent2">
+                    <a:lumMod val="75000"/>
+                  </a:schemeClr>
+                </a:solidFill>
+              </a:rPr>
+              <a:t>Mexikid</a:t>
+            </a:r>
+            <a:r>
+              <a:rPr lang="en-US" sz="2900" dirty="0">
+                <a:solidFill>
+                  <a:schemeClr val="accent2">
+                    <a:lumMod val="75000"/>
+                  </a:schemeClr>
+                </a:solidFill>
+              </a:rPr>
+              <a:t>, and </a:t>
+            </a:r>
+            <a:r>
+              <a:rPr lang="en-US" sz="2900" i="1" dirty="0">
+                <a:solidFill>
+                  <a:schemeClr val="accent2">
+                    <a:lumMod val="75000"/>
+                  </a:schemeClr>
+                </a:solidFill>
+              </a:rPr>
+              <a:t>Turtles All the Way Down</a:t>
+            </a:r>
+            <a:r>
+              <a:rPr lang="en-US" sz="2900" dirty="0">
+                <a:solidFill>
+                  <a:schemeClr val="accent2">
+                    <a:lumMod val="75000"/>
+                  </a:schemeClr>
+                </a:solidFill>
+              </a:rPr>
+              <a:t>) are checked out fewer than ten times in half of their available months.</a:t>
+            </a:r>
+          </a:p>
+        </p:txBody>
+      </p:sp>
+      <p:sp>
+        <p:nvSpPr>
+          <p:cNvPr id="38" name="Rectangle 37">
+            <a:extLst>
+              <a:ext uri="{FF2B5EF4-FFF2-40B4-BE49-F238E27FC236}">
+                <a16:creationId xmlns:a16="http://schemas.microsoft.com/office/drawing/2014/main" id="{6329CBCE-21AE-419D-AC1F-8ACF510A6670}"/>
+              </a:ext>
+              <a:ext uri="{C183D7F6-B498-43B3-948B-1728B52AA6E4}">
+                <adec:decorative xmlns:adec="http://schemas.microsoft.com/office/drawing/2017/decorative" val="1"/>
+              </a:ext>
+            </a:extLst>
+          </p:cNvPr>
+          <p:cNvSpPr>
+            <a:spLocks noGrp="1" noRot="1" noChangeAspect="1" noMove="1" noResize="1" noEditPoints="1" noAdjustHandles="1" noChangeArrowheads="1" noChangeShapeType="1" noTextEdit="1"/>
+          </p:cNvSpPr>
+          <p:nvPr>
+            <p:extLst>
+              <p:ext uri="{386F3935-93C4-4BCD-93E2-E3B085C9AB24}">
+                <p16:designElem xmlns:p16="http://schemas.microsoft.com/office/powerpoint/2015/main" val="1"/>
+              </p:ext>
+            </p:extLst>
+          </p:nvPr>
+        </p:nvSpPr>
+        <p:spPr>
+          <a:xfrm>
+            <a:off x="15" y="6334316"/>
+            <a:ext cx="12191985" cy="66484"/>
+          </a:xfrm>
+          <a:prstGeom prst="rect">
+            <a:avLst/>
+          </a:prstGeom>
+          <a:solidFill>
+            <a:schemeClr val="accent1"/>
+          </a:solidFill>
+          <a:ln>
+            <a:noFill/>
+          </a:ln>
+        </p:spPr>
+        <p:style>
+          <a:lnRef idx="2">
+            <a:schemeClr val="accent1">
+              <a:shade val="50000"/>
+            </a:schemeClr>
+          </a:lnRef>
+          <a:fillRef idx="1">
+            <a:schemeClr val="accent1"/>
+          </a:fillRef>
+          <a:effectRef idx="0">
+            <a:schemeClr val="accent1"/>
+          </a:effectRef>
+          <a:fontRef idx="minor">
+            <a:schemeClr val="lt1"/>
+          </a:fontRef>
+        </p:style>
         <p:txBody>
           <a:bodyPr/>
           <a:lstStyle/>
           <a:p>
-            <a:r>
-              <a:rPr lang="en-US" dirty="0"/>
-              <a:t>How much is the typical book checked out?</a:t>
-            </a:r>
-          </a:p>
-          <a:p>
-            <a:r>
-              <a:rPr lang="en-US" dirty="0"/>
-              <a:t>Where are we drawing the line for popular?</a:t>
-            </a:r>
+            <a:endParaRPr lang="en-US"/>
+          </a:p>
+        </p:txBody>
+      </p:sp>
+      <p:sp>
+        <p:nvSpPr>
+          <p:cNvPr id="40" name="Rectangle 39">
+            <a:extLst>
+              <a:ext uri="{FF2B5EF4-FFF2-40B4-BE49-F238E27FC236}">
+                <a16:creationId xmlns:a16="http://schemas.microsoft.com/office/drawing/2014/main" id="{FF2DA012-1414-493D-888F-5D99D0BDA322}"/>
+              </a:ext>
+              <a:ext uri="{C183D7F6-B498-43B3-948B-1728B52AA6E4}">
+                <adec:decorative xmlns:adec="http://schemas.microsoft.com/office/drawing/2017/decorative" val="1"/>
+              </a:ext>
+            </a:extLst>
+          </p:cNvPr>
+          <p:cNvSpPr>
+            <a:spLocks noGrp="1" noRot="1" noChangeAspect="1" noMove="1" noResize="1" noEditPoints="1" noAdjustHandles="1" noChangeArrowheads="1" noChangeShapeType="1" noTextEdit="1"/>
+          </p:cNvSpPr>
+          <p:nvPr>
+            <p:extLst>
+              <p:ext uri="{386F3935-93C4-4BCD-93E2-E3B085C9AB24}">
+                <p16:designElem xmlns:p16="http://schemas.microsoft.com/office/powerpoint/2015/main" val="1"/>
+              </p:ext>
+            </p:extLst>
+          </p:nvPr>
+        </p:nvSpPr>
+        <p:spPr>
+          <a:xfrm>
+            <a:off x="1" y="6400800"/>
+            <a:ext cx="12192000" cy="457200"/>
+          </a:xfrm>
+          <a:prstGeom prst="rect">
+            <a:avLst/>
+          </a:prstGeom>
+          <a:solidFill>
+            <a:schemeClr val="accent2"/>
+          </a:solidFill>
+          <a:ln>
+            <a:noFill/>
+          </a:ln>
+        </p:spPr>
+        <p:style>
+          <a:lnRef idx="2">
+            <a:schemeClr val="accent1">
+              <a:shade val="50000"/>
+            </a:schemeClr>
+          </a:lnRef>
+          <a:fillRef idx="1">
+            <a:schemeClr val="accent1"/>
+          </a:fillRef>
+          <a:effectRef idx="0">
+            <a:schemeClr val="accent1"/>
+          </a:effectRef>
+          <a:fontRef idx="minor">
+            <a:schemeClr val="lt1"/>
+          </a:fontRef>
+        </p:style>
+        <p:txBody>
+          <a:bodyPr/>
+          <a:lstStyle/>
+          <a:p>
+            <a:endParaRPr lang="en-US"/>
           </a:p>
         </p:txBody>
       </p:sp>
     </p:spTree>
     <p:extLst>
       <p:ext uri="{BB962C8B-B14F-4D97-AF65-F5344CB8AC3E}">
-        <p14:creationId xmlns:p14="http://schemas.microsoft.com/office/powerpoint/2010/main" val="891259802"/>
+        <p14:creationId xmlns:p14="http://schemas.microsoft.com/office/powerpoint/2010/main" val="1516765156"/>
       </p:ext>
     </p:extLst>
   </p:cSld>
@@ -6037,4 +7578,319 @@
     </a:ext>
   </a:extLst>
 </a:theme>
+</file>
+
+<file path=ppt/theme/theme2.xml><?xml version="1.0" encoding="utf-8"?>
+<a:theme xmlns:a="http://schemas.openxmlformats.org/drawingml/2006/main" name="Office Theme">
+  <a:themeElements>
+    <a:clrScheme name="Office">
+      <a:dk1>
+        <a:sysClr val="windowText" lastClr="000000"/>
+      </a:dk1>
+      <a:lt1>
+        <a:sysClr val="window" lastClr="FFFFFF"/>
+      </a:lt1>
+      <a:dk2>
+        <a:srgbClr val="0E2841"/>
+      </a:dk2>
+      <a:lt2>
+        <a:srgbClr val="E8E8E8"/>
+      </a:lt2>
+      <a:accent1>
+        <a:srgbClr val="156082"/>
+      </a:accent1>
+      <a:accent2>
+        <a:srgbClr val="E97132"/>
+      </a:accent2>
+      <a:accent3>
+        <a:srgbClr val="196B24"/>
+      </a:accent3>
+      <a:accent4>
+        <a:srgbClr val="0F9ED5"/>
+      </a:accent4>
+      <a:accent5>
+        <a:srgbClr val="A02B93"/>
+      </a:accent5>
+      <a:accent6>
+        <a:srgbClr val="4EA72E"/>
+      </a:accent6>
+      <a:hlink>
+        <a:srgbClr val="467886"/>
+      </a:hlink>
+      <a:folHlink>
+        <a:srgbClr val="96607D"/>
+      </a:folHlink>
+    </a:clrScheme>
+    <a:fontScheme name="Office">
+      <a:majorFont>
+        <a:latin typeface="Aptos Display" panose="02110004020202020204"/>
+        <a:ea typeface=""/>
+        <a:cs typeface=""/>
+        <a:font script="Jpan" typeface="游ゴシック Light"/>
+        <a:font script="Hang" typeface="맑은 고딕"/>
+        <a:font script="Hans" typeface="等线 Light"/>
+        <a:font script="Hant" typeface="新細明體"/>
+        <a:font script="Arab" typeface="Times New Roman"/>
+        <a:font script="Hebr" typeface="Times New Roman"/>
+        <a:font script="Thai" typeface="Angsana New"/>
+        <a:font script="Ethi" typeface="Nyala"/>
+        <a:font script="Beng" typeface="Vrinda"/>
+        <a:font script="Gujr" typeface="Shruti"/>
+        <a:font script="Khmr" typeface="MoolBoran"/>
+        <a:font script="Knda" typeface="Tunga"/>
+        <a:font script="Guru" typeface="Raavi"/>
+        <a:font script="Cans" typeface="Euphemia"/>
+        <a:font script="Cher" typeface="Plantagenet Cherokee"/>
+        <a:font script="Yiii" typeface="Microsoft Yi Baiti"/>
+        <a:font script="Tibt" typeface="Microsoft Himalaya"/>
+        <a:font script="Thaa" typeface="MV Boli"/>
+        <a:font script="Deva" typeface="Mangal"/>
+        <a:font script="Telu" typeface="Gautami"/>
+        <a:font script="Taml" typeface="Latha"/>
+        <a:font script="Syrc" typeface="Estrangelo Edessa"/>
+        <a:font script="Orya" typeface="Kalinga"/>
+        <a:font script="Mlym" typeface="Kartika"/>
+        <a:font script="Laoo" typeface="DokChampa"/>
+        <a:font script="Sinh" typeface="Iskoola Pota"/>
+        <a:font script="Mong" typeface="Mongolian Baiti"/>
+        <a:font script="Viet" typeface="Times New Roman"/>
+        <a:font script="Uigh" typeface="Microsoft Uighur"/>
+        <a:font script="Geor" typeface="Sylfaen"/>
+        <a:font script="Armn" typeface="Arial"/>
+        <a:font script="Bugi" typeface="Leelawadee UI"/>
+        <a:font script="Bopo" typeface="Microsoft JhengHei"/>
+        <a:font script="Java" typeface="Javanese Text"/>
+        <a:font script="Lisu" typeface="Segoe UI"/>
+        <a:font script="Mymr" typeface="Myanmar Text"/>
+        <a:font script="Nkoo" typeface="Ebrima"/>
+        <a:font script="Olck" typeface="Nirmala UI"/>
+        <a:font script="Osma" typeface="Ebrima"/>
+        <a:font script="Phag" typeface="Phagspa"/>
+        <a:font script="Syrn" typeface="Estrangelo Edessa"/>
+        <a:font script="Syrj" typeface="Estrangelo Edessa"/>
+        <a:font script="Syre" typeface="Estrangelo Edessa"/>
+        <a:font script="Sora" typeface="Nirmala UI"/>
+        <a:font script="Tale" typeface="Microsoft Tai Le"/>
+        <a:font script="Talu" typeface="Microsoft New Tai Lue"/>
+        <a:font script="Tfng" typeface="Ebrima"/>
+      </a:majorFont>
+      <a:minorFont>
+        <a:latin typeface="Aptos" panose="02110004020202020204"/>
+        <a:ea typeface=""/>
+        <a:cs typeface=""/>
+        <a:font script="Jpan" typeface="游ゴシック"/>
+        <a:font script="Hang" typeface="맑은 고딕"/>
+        <a:font script="Hans" typeface="等线"/>
+        <a:font script="Hant" typeface="新細明體"/>
+        <a:font script="Arab" typeface="Arial"/>
+        <a:font script="Hebr" typeface="Arial"/>
+        <a:font script="Thai" typeface="Cordia New"/>
+        <a:font script="Ethi" typeface="Nyala"/>
+        <a:font script="Beng" typeface="Vrinda"/>
+        <a:font script="Gujr" typeface="Shruti"/>
+        <a:font script="Khmr" typeface="DaunPenh"/>
+        <a:font script="Knda" typeface="Tunga"/>
+        <a:font script="Guru" typeface="Raavi"/>
+        <a:font script="Cans" typeface="Euphemia"/>
+        <a:font script="Cher" typeface="Plantagenet Cherokee"/>
+        <a:font script="Yiii" typeface="Microsoft Yi Baiti"/>
+        <a:font script="Tibt" typeface="Microsoft Himalaya"/>
+        <a:font script="Thaa" typeface="MV Boli"/>
+        <a:font script="Deva" typeface="Mangal"/>
+        <a:font script="Telu" typeface="Gautami"/>
+        <a:font script="Taml" typeface="Latha"/>
+        <a:font script="Syrc" typeface="Estrangelo Edessa"/>
+        <a:font script="Orya" typeface="Kalinga"/>
+        <a:font script="Mlym" typeface="Kartika"/>
+        <a:font script="Laoo" typeface="DokChampa"/>
+        <a:font script="Sinh" typeface="Iskoola Pota"/>
+        <a:font script="Mong" typeface="Mongolian Baiti"/>
+        <a:font script="Viet" typeface="Arial"/>
+        <a:font script="Uigh" typeface="Microsoft Uighur"/>
+        <a:font script="Geor" typeface="Sylfaen"/>
+        <a:font script="Armn" typeface="Arial"/>
+        <a:font script="Bugi" typeface="Leelawadee UI"/>
+        <a:font script="Bopo" typeface="Microsoft JhengHei"/>
+        <a:font script="Java" typeface="Javanese Text"/>
+        <a:font script="Lisu" typeface="Segoe UI"/>
+        <a:font script="Mymr" typeface="Myanmar Text"/>
+        <a:font script="Nkoo" typeface="Ebrima"/>
+        <a:font script="Olck" typeface="Nirmala UI"/>
+        <a:font script="Osma" typeface="Ebrima"/>
+        <a:font script="Phag" typeface="Phagspa"/>
+        <a:font script="Syrn" typeface="Estrangelo Edessa"/>
+        <a:font script="Syrj" typeface="Estrangelo Edessa"/>
+        <a:font script="Syre" typeface="Estrangelo Edessa"/>
+        <a:font script="Sora" typeface="Nirmala UI"/>
+        <a:font script="Tale" typeface="Microsoft Tai Le"/>
+        <a:font script="Talu" typeface="Microsoft New Tai Lue"/>
+        <a:font script="Tfng" typeface="Ebrima"/>
+      </a:minorFont>
+    </a:fontScheme>
+    <a:fmtScheme name="Office">
+      <a:fillStyleLst>
+        <a:solidFill>
+          <a:schemeClr val="phClr"/>
+        </a:solidFill>
+        <a:gradFill rotWithShape="1">
+          <a:gsLst>
+            <a:gs pos="0">
+              <a:schemeClr val="phClr">
+                <a:lumMod val="110000"/>
+                <a:satMod val="105000"/>
+                <a:tint val="67000"/>
+              </a:schemeClr>
+            </a:gs>
+            <a:gs pos="50000">
+              <a:schemeClr val="phClr">
+                <a:lumMod val="105000"/>
+                <a:satMod val="103000"/>
+                <a:tint val="73000"/>
+              </a:schemeClr>
+            </a:gs>
+            <a:gs pos="100000">
+              <a:schemeClr val="phClr">
+                <a:lumMod val="105000"/>
+                <a:satMod val="109000"/>
+                <a:tint val="81000"/>
+              </a:schemeClr>
+            </a:gs>
+          </a:gsLst>
+          <a:lin ang="5400000" scaled="0"/>
+        </a:gradFill>
+        <a:gradFill rotWithShape="1">
+          <a:gsLst>
+            <a:gs pos="0">
+              <a:schemeClr val="phClr">
+                <a:satMod val="103000"/>
+                <a:lumMod val="102000"/>
+                <a:tint val="94000"/>
+              </a:schemeClr>
+            </a:gs>
+            <a:gs pos="50000">
+              <a:schemeClr val="phClr">
+                <a:satMod val="110000"/>
+                <a:lumMod val="100000"/>
+                <a:shade val="100000"/>
+              </a:schemeClr>
+            </a:gs>
+            <a:gs pos="100000">
+              <a:schemeClr val="phClr">
+                <a:lumMod val="99000"/>
+                <a:satMod val="120000"/>
+                <a:shade val="78000"/>
+              </a:schemeClr>
+            </a:gs>
+          </a:gsLst>
+          <a:lin ang="5400000" scaled="0"/>
+        </a:gradFill>
+      </a:fillStyleLst>
+      <a:lnStyleLst>
+        <a:ln w="12700" cap="flat" cmpd="sng" algn="ctr">
+          <a:solidFill>
+            <a:schemeClr val="phClr"/>
+          </a:solidFill>
+          <a:prstDash val="solid"/>
+          <a:miter lim="800000"/>
+        </a:ln>
+        <a:ln w="19050" cap="flat" cmpd="sng" algn="ctr">
+          <a:solidFill>
+            <a:schemeClr val="phClr"/>
+          </a:solidFill>
+          <a:prstDash val="solid"/>
+          <a:miter lim="800000"/>
+        </a:ln>
+        <a:ln w="25400" cap="flat" cmpd="sng" algn="ctr">
+          <a:solidFill>
+            <a:schemeClr val="phClr"/>
+          </a:solidFill>
+          <a:prstDash val="solid"/>
+          <a:miter lim="800000"/>
+        </a:ln>
+      </a:lnStyleLst>
+      <a:effectStyleLst>
+        <a:effectStyle>
+          <a:effectLst/>
+        </a:effectStyle>
+        <a:effectStyle>
+          <a:effectLst/>
+        </a:effectStyle>
+        <a:effectStyle>
+          <a:effectLst>
+            <a:outerShdw blurRad="57150" dist="19050" dir="5400000" algn="ctr" rotWithShape="0">
+              <a:srgbClr val="000000">
+                <a:alpha val="63000"/>
+              </a:srgbClr>
+            </a:outerShdw>
+          </a:effectLst>
+        </a:effectStyle>
+      </a:effectStyleLst>
+      <a:bgFillStyleLst>
+        <a:solidFill>
+          <a:schemeClr val="phClr"/>
+        </a:solidFill>
+        <a:solidFill>
+          <a:schemeClr val="phClr">
+            <a:tint val="95000"/>
+            <a:satMod val="170000"/>
+          </a:schemeClr>
+        </a:solidFill>
+        <a:gradFill rotWithShape="1">
+          <a:gsLst>
+            <a:gs pos="0">
+              <a:schemeClr val="phClr">
+                <a:tint val="93000"/>
+                <a:satMod val="150000"/>
+                <a:shade val="98000"/>
+                <a:lumMod val="102000"/>
+              </a:schemeClr>
+            </a:gs>
+            <a:gs pos="50000">
+              <a:schemeClr val="phClr">
+                <a:tint val="98000"/>
+                <a:satMod val="130000"/>
+                <a:shade val="90000"/>
+                <a:lumMod val="103000"/>
+              </a:schemeClr>
+            </a:gs>
+            <a:gs pos="100000">
+              <a:schemeClr val="phClr">
+                <a:shade val="63000"/>
+                <a:satMod val="120000"/>
+              </a:schemeClr>
+            </a:gs>
+          </a:gsLst>
+          <a:lin ang="5400000" scaled="0"/>
+        </a:gradFill>
+      </a:bgFillStyleLst>
+    </a:fmtScheme>
+  </a:themeElements>
+  <a:objectDefaults>
+    <a:lnDef>
+      <a:spPr/>
+      <a:bodyPr/>
+      <a:lstStyle/>
+      <a:style>
+        <a:lnRef idx="2">
+          <a:schemeClr val="accent1"/>
+        </a:lnRef>
+        <a:fillRef idx="0">
+          <a:schemeClr val="accent1"/>
+        </a:fillRef>
+        <a:effectRef idx="1">
+          <a:schemeClr val="accent1"/>
+        </a:effectRef>
+        <a:fontRef idx="minor">
+          <a:schemeClr val="tx1"/>
+        </a:fontRef>
+      </a:style>
+    </a:lnDef>
+  </a:objectDefaults>
+  <a:extraClrSchemeLst/>
+  <a:extLst>
+    <a:ext uri="{05A4C25C-085E-4340-85A3-A5531E510DB2}">
+      <thm15:themeFamily xmlns:thm15="http://schemas.microsoft.com/office/thememl/2012/main" name="Office Theme" id="{2E142A2C-CD16-42D6-873A-C26D2A0506FA}" vid="{1BDDFF52-6CD6-40A5-AB3C-68EB2F1E4D0A}"/>
+    </a:ext>
+  </a:extLst>
+</a:theme>
 </file>
--- a/presentation draft.pptx
+++ b/presentation draft.pptx
@@ -5,7 +5,7 @@
     <p:sldMasterId id="2147483753" r:id="rId1"/>
   </p:sldMasterIdLst>
   <p:notesMasterIdLst>
-    <p:notesMasterId r:id="rId10"/>
+    <p:notesMasterId r:id="rId12"/>
   </p:notesMasterIdLst>
   <p:sldIdLst>
     <p:sldId id="256" r:id="rId2"/>
@@ -15,7 +15,9 @@
     <p:sldId id="266" r:id="rId6"/>
     <p:sldId id="267" r:id="rId7"/>
     <p:sldId id="263" r:id="rId8"/>
-    <p:sldId id="260" r:id="rId9"/>
+    <p:sldId id="268" r:id="rId9"/>
+    <p:sldId id="269" r:id="rId10"/>
+    <p:sldId id="260" r:id="rId11"/>
   </p:sldIdLst>
   <p:sldSz cx="12192000" cy="6858000"/>
   <p:notesSz cx="6858000" cy="9144000"/>
@@ -204,7 +206,7 @@
           <a:p>
             <a:fld id="{7734F6C5-14D3-4C8A-B4DA-80FCB6E09599}" type="datetimeFigureOut">
               <a:rPr lang="en-US" smtClean="0"/>
-              <a:t>12/29/2025</a:t>
+              <a:t>12/30/2025</a:t>
             </a:fld>
             <a:endParaRPr lang="en-US"/>
           </a:p>
@@ -871,7 +873,7 @@
           <a:p>
             <a:fld id="{D341B595-366B-43E2-A22E-EA6A78C03F06}" type="datetimeFigureOut">
               <a:rPr lang="en-US" smtClean="0"/>
-              <a:t>12/29/2025</a:t>
+              <a:t>12/30/2025</a:t>
             </a:fld>
             <a:endParaRPr lang="en-US" dirty="0"/>
           </a:p>
@@ -1079,7 +1081,7 @@
           <a:p>
             <a:fld id="{D341B595-366B-43E2-A22E-EA6A78C03F06}" type="datetimeFigureOut">
               <a:rPr lang="en-US" smtClean="0"/>
-              <a:t>12/29/2025</a:t>
+              <a:t>12/30/2025</a:t>
             </a:fld>
             <a:endParaRPr lang="en-US" dirty="0"/>
           </a:p>
@@ -1335,7 +1337,7 @@
           <a:p>
             <a:fld id="{D341B595-366B-43E2-A22E-EA6A78C03F06}" type="datetimeFigureOut">
               <a:rPr lang="en-US" smtClean="0"/>
-              <a:t>12/29/2025</a:t>
+              <a:t>12/30/2025</a:t>
             </a:fld>
             <a:endParaRPr lang="en-US" dirty="0"/>
           </a:p>
@@ -1509,7 +1511,7 @@
           <a:p>
             <a:fld id="{D341B595-366B-43E2-A22E-EA6A78C03F06}" type="datetimeFigureOut">
               <a:rPr lang="en-US" smtClean="0"/>
-              <a:t>12/29/2025</a:t>
+              <a:t>12/30/2025</a:t>
             </a:fld>
             <a:endParaRPr lang="en-US" dirty="0"/>
           </a:p>
@@ -1852,7 +1854,7 @@
           <a:p>
             <a:fld id="{D341B595-366B-43E2-A22E-EA6A78C03F06}" type="datetimeFigureOut">
               <a:rPr lang="en-US" smtClean="0"/>
-              <a:t>12/29/2025</a:t>
+              <a:t>12/30/2025</a:t>
             </a:fld>
             <a:endParaRPr lang="en-US" dirty="0"/>
           </a:p>
@@ -2127,7 +2129,7 @@
           <a:p>
             <a:fld id="{D341B595-366B-43E2-A22E-EA6A78C03F06}" type="datetimeFigureOut">
               <a:rPr lang="en-US" smtClean="0"/>
-              <a:t>12/29/2025</a:t>
+              <a:t>12/30/2025</a:t>
             </a:fld>
             <a:endParaRPr lang="en-US" dirty="0"/>
           </a:p>
@@ -2506,7 +2508,7 @@
           <a:p>
             <a:fld id="{D341B595-366B-43E2-A22E-EA6A78C03F06}" type="datetimeFigureOut">
               <a:rPr lang="en-US" smtClean="0"/>
-              <a:t>12/29/2025</a:t>
+              <a:t>12/30/2025</a:t>
             </a:fld>
             <a:endParaRPr lang="en-US" dirty="0"/>
           </a:p>
@@ -2624,7 +2626,7 @@
           <a:p>
             <a:fld id="{D341B595-366B-43E2-A22E-EA6A78C03F06}" type="datetimeFigureOut">
               <a:rPr lang="en-US" smtClean="0"/>
-              <a:t>12/29/2025</a:t>
+              <a:t>12/30/2025</a:t>
             </a:fld>
             <a:endParaRPr lang="en-US" dirty="0"/>
           </a:p>
@@ -2795,7 +2797,7 @@
           <a:p>
             <a:fld id="{D341B595-366B-43E2-A22E-EA6A78C03F06}" type="datetimeFigureOut">
               <a:rPr lang="en-US" smtClean="0"/>
-              <a:t>12/29/2025</a:t>
+              <a:t>12/30/2025</a:t>
             </a:fld>
             <a:endParaRPr lang="en-US" dirty="0"/>
           </a:p>
@@ -3149,7 +3151,7 @@
           <a:p>
             <a:fld id="{D341B595-366B-43E2-A22E-EA6A78C03F06}" type="datetimeFigureOut">
               <a:rPr lang="en-US" smtClean="0"/>
-              <a:t>12/29/2025</a:t>
+              <a:t>12/30/2025</a:t>
             </a:fld>
             <a:endParaRPr lang="en-US" dirty="0"/>
           </a:p>
@@ -3530,7 +3532,7 @@
           <a:p>
             <a:fld id="{D341B595-366B-43E2-A22E-EA6A78C03F06}" type="datetimeFigureOut">
               <a:rPr lang="en-US" smtClean="0"/>
-              <a:t>12/29/2025</a:t>
+              <a:t>12/30/2025</a:t>
             </a:fld>
             <a:endParaRPr lang="en-US" dirty="0"/>
           </a:p>
@@ -3831,7 +3833,7 @@
           <a:p>
             <a:fld id="{D341B595-366B-43E2-A22E-EA6A78C03F06}" type="datetimeFigureOut">
               <a:rPr lang="en-US" smtClean="0"/>
-              <a:t>12/29/2025</a:t>
+              <a:t>12/30/2025</a:t>
             </a:fld>
             <a:endParaRPr lang="en-US" dirty="0"/>
           </a:p>
@@ -4829,6 +4831,271 @@
 </p:sld>
 </file>
 
+<file path=ppt/slides/slide10.xml><?xml version="1.0" encoding="utf-8"?>
+<p:sld xmlns:a="http://schemas.openxmlformats.org/drawingml/2006/main" xmlns:r="http://schemas.openxmlformats.org/officeDocument/2006/relationships" xmlns:p="http://schemas.openxmlformats.org/presentationml/2006/main">
+  <p:cSld>
+    <p:spTree>
+      <p:nvGrpSpPr>
+        <p:cNvPr id="1" name=""/>
+        <p:cNvGrpSpPr/>
+        <p:nvPr/>
+      </p:nvGrpSpPr>
+      <p:grpSpPr>
+        <a:xfrm>
+          <a:off x="0" y="0"/>
+          <a:ext cx="0" cy="0"/>
+          <a:chOff x="0" y="0"/>
+          <a:chExt cx="0" cy="0"/>
+        </a:xfrm>
+      </p:grpSpPr>
+      <p:sp>
+        <p:nvSpPr>
+          <p:cNvPr id="2" name="Title 1">
+            <a:extLst>
+              <a:ext uri="{FF2B5EF4-FFF2-40B4-BE49-F238E27FC236}">
+                <a16:creationId xmlns:a16="http://schemas.microsoft.com/office/drawing/2014/main" id="{471A529C-42BD-E1CE-EF69-DCEF6D459743}"/>
+              </a:ext>
+            </a:extLst>
+          </p:cNvPr>
+          <p:cNvSpPr>
+            <a:spLocks noGrp="1"/>
+          </p:cNvSpPr>
+          <p:nvPr>
+            <p:ph type="title"/>
+          </p:nvPr>
+        </p:nvSpPr>
+        <p:spPr/>
+        <p:txBody>
+          <a:bodyPr/>
+          <a:lstStyle/>
+          <a:p>
+            <a:r>
+              <a:rPr lang="en-US" dirty="0">
+                <a:solidFill>
+                  <a:schemeClr val="accent1"/>
+                </a:solidFill>
+              </a:rPr>
+              <a:t>Challenge: </a:t>
+            </a:r>
+            <a:r>
+              <a:rPr lang="en-US" dirty="0">
+                <a:solidFill>
+                  <a:schemeClr val="accent2">
+                    <a:lumMod val="50000"/>
+                  </a:schemeClr>
+                </a:solidFill>
+              </a:rPr>
+              <a:t>What’s in a name?</a:t>
+            </a:r>
+          </a:p>
+        </p:txBody>
+      </p:sp>
+      <p:sp>
+        <p:nvSpPr>
+          <p:cNvPr id="3" name="Content Placeholder 2">
+            <a:extLst>
+              <a:ext uri="{FF2B5EF4-FFF2-40B4-BE49-F238E27FC236}">
+                <a16:creationId xmlns:a16="http://schemas.microsoft.com/office/drawing/2014/main" id="{2320A5DC-0D4A-C77D-783C-F83AF445BAC0}"/>
+              </a:ext>
+            </a:extLst>
+          </p:cNvPr>
+          <p:cNvSpPr>
+            <a:spLocks noGrp="1"/>
+          </p:cNvSpPr>
+          <p:nvPr>
+            <p:ph idx="1"/>
+          </p:nvPr>
+        </p:nvSpPr>
+        <p:spPr>
+          <a:xfrm>
+            <a:off x="1137285" y="1737360"/>
+            <a:ext cx="10058400" cy="4023360"/>
+          </a:xfrm>
+        </p:spPr>
+        <p:txBody>
+          <a:bodyPr>
+            <a:normAutofit/>
+          </a:bodyPr>
+          <a:lstStyle/>
+          <a:p>
+            <a:pPr lvl="1">
+              <a:buFont typeface="Arial" panose="020B0604020202020204" pitchFamily="34" charset="0"/>
+              <a:buChar char="•"/>
+            </a:pPr>
+            <a:r>
+              <a:rPr lang="en-US" sz="1400" dirty="0">
+                <a:solidFill>
+                  <a:schemeClr val="accent2">
+                    <a:lumMod val="75000"/>
+                  </a:schemeClr>
+                </a:solidFill>
+              </a:rPr>
+              <a:t>One of the biggest challenges with this project was attempting to standardize what I meant when I talk about a specific “book”.  If we want to know how popular </a:t>
+            </a:r>
+            <a:r>
+              <a:rPr lang="en-US" sz="1400" i="1" dirty="0">
+                <a:solidFill>
+                  <a:schemeClr val="accent2">
+                    <a:lumMod val="75000"/>
+                  </a:schemeClr>
+                </a:solidFill>
+              </a:rPr>
+              <a:t>A Wrinkle in Time </a:t>
+            </a:r>
+            <a:r>
+              <a:rPr lang="en-US" sz="1400" dirty="0">
+                <a:solidFill>
+                  <a:schemeClr val="accent2">
+                    <a:lumMod val="75000"/>
+                  </a:schemeClr>
+                </a:solidFill>
+              </a:rPr>
+              <a:t>was in a particular month, we might not care whether it was checked out digitally or physically, whether it was an audiobook or print, or if it was a large-print edition.  But we probably </a:t>
+            </a:r>
+            <a:r>
+              <a:rPr lang="en-US" sz="1400" i="1" dirty="0">
+                <a:solidFill>
+                  <a:schemeClr val="accent2">
+                    <a:lumMod val="75000"/>
+                  </a:schemeClr>
+                </a:solidFill>
+              </a:rPr>
+              <a:t>would</a:t>
+            </a:r>
+            <a:r>
+              <a:rPr lang="en-US" sz="1400" dirty="0">
+                <a:solidFill>
+                  <a:schemeClr val="accent2">
+                    <a:lumMod val="75000"/>
+                  </a:schemeClr>
+                </a:solidFill>
+              </a:rPr>
+              <a:t> want to distinguish it from the graphic novel adaptation released in 2012.  </a:t>
+            </a:r>
+          </a:p>
+          <a:p>
+            <a:pPr lvl="1">
+              <a:buFont typeface="Arial" panose="020B0604020202020204" pitchFamily="34" charset="0"/>
+              <a:buChar char="•"/>
+            </a:pPr>
+            <a:r>
+              <a:rPr lang="en-US" sz="1400" dirty="0">
+                <a:solidFill>
+                  <a:schemeClr val="accent2">
+                    <a:lumMod val="75000"/>
+                  </a:schemeClr>
+                </a:solidFill>
+              </a:rPr>
+              <a:t>For maximum fidelity, I cleaned up titles and author names to identify unique works – in the case of </a:t>
+            </a:r>
+            <a:r>
+              <a:rPr lang="en-US" sz="1400" i="1" dirty="0">
+                <a:solidFill>
+                  <a:schemeClr val="accent2">
+                    <a:lumMod val="75000"/>
+                  </a:schemeClr>
+                </a:solidFill>
+              </a:rPr>
+              <a:t>A Wrinkle in Time</a:t>
+            </a:r>
+            <a:r>
+              <a:rPr lang="en-US" sz="1400" dirty="0">
+                <a:solidFill>
+                  <a:schemeClr val="accent2">
+                    <a:lumMod val="75000"/>
+                  </a:schemeClr>
+                </a:solidFill>
+              </a:rPr>
+              <a:t>, this brought the number of variations from 13 unique “books” down to just two (one of which is the graphic novel!)</a:t>
+            </a:r>
+          </a:p>
+          <a:p>
+            <a:pPr lvl="1">
+              <a:buFont typeface="Arial" panose="020B0604020202020204" pitchFamily="34" charset="0"/>
+              <a:buChar char="•"/>
+            </a:pPr>
+            <a:r>
+              <a:rPr lang="en-US" sz="1400" dirty="0">
+                <a:solidFill>
+                  <a:schemeClr val="accent2">
+                    <a:lumMod val="75000"/>
+                  </a:schemeClr>
+                </a:solidFill>
+              </a:rPr>
+              <a:t>Series where I noticed consistent patterns could be manually cleaned up, but there may remain titles for which different versions of the same book continued to be counted separately.</a:t>
+            </a:r>
+          </a:p>
+          <a:p>
+            <a:pPr lvl="1">
+              <a:buFont typeface="Arial" panose="020B0604020202020204" pitchFamily="34" charset="0"/>
+              <a:buChar char="•"/>
+            </a:pPr>
+            <a:endParaRPr lang="en-US" sz="1400" dirty="0">
+              <a:solidFill>
+                <a:schemeClr val="accent2">
+                  <a:lumMod val="75000"/>
+                </a:schemeClr>
+              </a:solidFill>
+            </a:endParaRPr>
+          </a:p>
+          <a:p>
+            <a:r>
+              <a:rPr lang="en-US" sz="1600" dirty="0">
+                <a:solidFill>
+                  <a:schemeClr val="accent2"/>
+                </a:solidFill>
+                <a:latin typeface="+mj-lt"/>
+              </a:rPr>
+              <a:t>WHAT ABOUT ISBN?</a:t>
+            </a:r>
+          </a:p>
+          <a:p>
+            <a:pPr marL="486918" lvl="1" indent="-285750">
+              <a:buFont typeface="Arial" panose="020B0604020202020204" pitchFamily="34" charset="0"/>
+              <a:buChar char="•"/>
+            </a:pPr>
+            <a:r>
+              <a:rPr lang="en-US" sz="1400" dirty="0">
+                <a:solidFill>
+                  <a:schemeClr val="accent2">
+                    <a:lumMod val="75000"/>
+                  </a:schemeClr>
+                </a:solidFill>
+              </a:rPr>
+              <a:t>International Standard Book Numbers (ISBNs) are exactly what they sound like, internationally standardized codes for identifying books.  Unfortunately, they are unique to different formats of books and not a solution to this situation.</a:t>
+            </a:r>
+          </a:p>
+          <a:p>
+            <a:pPr marL="486918" lvl="1" indent="-285750">
+              <a:buFont typeface="Arial" panose="020B0604020202020204" pitchFamily="34" charset="0"/>
+              <a:buChar char="•"/>
+            </a:pPr>
+            <a:r>
+              <a:rPr lang="en-US" sz="1400" dirty="0">
+                <a:solidFill>
+                  <a:schemeClr val="accent2">
+                    <a:lumMod val="75000"/>
+                  </a:schemeClr>
+                </a:solidFill>
+              </a:rPr>
+              <a:t>As the world becomes increasingly dependent on big data, it may be worthwhile for the library and publishing communities to consider adopting identifiers for overarching works as well as for each format.</a:t>
+            </a:r>
+          </a:p>
+        </p:txBody>
+      </p:sp>
+    </p:spTree>
+    <p:extLst>
+      <p:ext uri="{BB962C8B-B14F-4D97-AF65-F5344CB8AC3E}">
+        <p14:creationId xmlns:p14="http://schemas.microsoft.com/office/powerpoint/2010/main" val="2006992848"/>
+      </p:ext>
+    </p:extLst>
+  </p:cSld>
+  <p:clrMapOvr>
+    <a:masterClrMapping/>
+  </p:clrMapOvr>
+</p:sld>
+</file>
+
 <file path=ppt/slides/slide2.xml><?xml version="1.0" encoding="utf-8"?>
 <p:sld xmlns:a="http://schemas.openxmlformats.org/drawingml/2006/main" xmlns:r="http://schemas.openxmlformats.org/officeDocument/2006/relationships" xmlns:p="http://schemas.openxmlformats.org/presentationml/2006/main">
   <p:cSld>
@@ -6555,15 +6822,15 @@
               </a:ext>
             </a:extLst>
           </a:blip>
-          <a:srcRect l="-6595" r="-1160" b="-2"/>
+          <a:srcRect t="-3231" b="-8369"/>
           <a:stretch>
             <a:fillRect/>
           </a:stretch>
         </p:blipFill>
         <p:spPr>
           <a:xfrm>
-            <a:off x="-333375" y="1038998"/>
-            <a:ext cx="8211094" cy="4572177"/>
+            <a:off x="78457" y="1008555"/>
+            <a:ext cx="7669914" cy="5135842"/>
           </a:xfrm>
           <a:prstGeom prst="rect">
             <a:avLst/>
@@ -6945,40 +7212,53 @@
           <a:lstStyle/>
           <a:p>
             <a:r>
-              <a:rPr lang="en-US" dirty="0"/>
+              <a:rPr lang="en-US" dirty="0">
+                <a:solidFill>
+                  <a:schemeClr val="accent2">
+                    <a:lumMod val="50000"/>
+                  </a:schemeClr>
+                </a:solidFill>
+              </a:rPr>
               <a:t>Enduring Popularity</a:t>
             </a:r>
           </a:p>
         </p:txBody>
       </p:sp>
-      <p:sp>
-        <p:nvSpPr>
-          <p:cNvPr id="5" name="Content Placeholder 4">
+      <p:pic>
+        <p:nvPicPr>
+          <p:cNvPr id="3" name="Content Placeholder 2">
             <a:extLst>
               <a:ext uri="{FF2B5EF4-FFF2-40B4-BE49-F238E27FC236}">
-                <a16:creationId xmlns:a16="http://schemas.microsoft.com/office/drawing/2014/main" id="{010EE8A7-84C2-2A43-F93C-1DEB84FBC298}"/>
+                <a16:creationId xmlns:a16="http://schemas.microsoft.com/office/drawing/2014/main" id="{8D7A0364-ED04-61F5-9BFC-A40036A86006}"/>
               </a:ext>
             </a:extLst>
           </p:cNvPr>
-          <p:cNvSpPr>
-            <a:spLocks noGrp="1"/>
-          </p:cNvSpPr>
+          <p:cNvPicPr>
+            <a:picLocks noGrp="1" noChangeAspect="1"/>
+          </p:cNvPicPr>
           <p:nvPr>
             <p:ph sz="half" idx="1"/>
           </p:nvPr>
-        </p:nvSpPr>
-        <p:spPr/>
-        <p:txBody>
-          <a:bodyPr/>
-          <a:lstStyle/>
-          <a:p>
-            <a:r>
-              <a:rPr lang="en-US" dirty="0"/>
-              <a:t>Books w/biggest spikes (or, low avg, big spikes?)</a:t>
-            </a:r>
-          </a:p>
-        </p:txBody>
-      </p:sp>
+        </p:nvPicPr>
+        <p:blipFill>
+          <a:blip r:embed="rId2">
+            <a:extLst>
+              <a:ext uri="{28A0092B-C50C-407E-A947-70E740481C1C}">
+                <a14:useLocalDpi xmlns:a14="http://schemas.microsoft.com/office/drawing/2010/main" val="0"/>
+              </a:ext>
+            </a:extLst>
+          </a:blip>
+          <a:stretch>
+            <a:fillRect/>
+          </a:stretch>
+        </p:blipFill>
+        <p:spPr>
+          <a:xfrm>
+            <a:off x="311992" y="2078483"/>
+            <a:ext cx="6511644" cy="3906986"/>
+          </a:xfrm>
+        </p:spPr>
+      </p:pic>
       <p:sp>
         <p:nvSpPr>
           <p:cNvPr id="6" name="Content Placeholder 5">
@@ -6995,26 +7275,57 @@
             <p:ph sz="half" idx="2"/>
           </p:nvPr>
         </p:nvSpPr>
-        <p:spPr/>
+        <p:spPr>
+          <a:xfrm>
+            <a:off x="6657278" y="1845735"/>
+            <a:ext cx="4498401" cy="4023360"/>
+          </a:xfrm>
+        </p:spPr>
         <p:txBody>
           <a:bodyPr/>
           <a:lstStyle/>
           <a:p>
             <a:r>
-              <a:rPr lang="en-US" dirty="0"/>
-              <a:t>Books consistently popular</a:t>
-            </a:r>
-          </a:p>
-          <a:p>
-            <a:r>
-              <a:rPr lang="en-US" dirty="0"/>
-              <a:t>Popular books with longest creation date</a:t>
-            </a:r>
-          </a:p>
-          <a:p>
-            <a:r>
-              <a:rPr lang="en-US" dirty="0"/>
-              <a:t>Which decades have the highest percentage of popular books?</a:t>
+              <a:rPr lang="en-US" dirty="0">
+                <a:solidFill>
+                  <a:schemeClr val="accent2">
+                    <a:lumMod val="75000"/>
+                  </a:schemeClr>
+                </a:solidFill>
+              </a:rPr>
+              <a:t>Looking at books with the highest levels of typical monthly checkouts can help correct for both short-lived fads and books that have simply been around for a long time.  Here, Jeff Kinney’s </a:t>
+            </a:r>
+            <a:r>
+              <a:rPr lang="en-US" i="1" dirty="0">
+                <a:solidFill>
+                  <a:schemeClr val="accent2">
+                    <a:lumMod val="75000"/>
+                  </a:schemeClr>
+                </a:solidFill>
+              </a:rPr>
+              <a:t>Diary of a Wimpy Kid </a:t>
+            </a:r>
+            <a:r>
+              <a:rPr lang="en-US" dirty="0">
+                <a:solidFill>
+                  <a:schemeClr val="accent2">
+                    <a:lumMod val="75000"/>
+                  </a:schemeClr>
+                </a:solidFill>
+              </a:rPr>
+              <a:t>series dominates, making up six of the top ten titles.  </a:t>
+            </a:r>
+          </a:p>
+          <a:p>
+            <a:r>
+              <a:rPr lang="en-US" dirty="0">
+                <a:solidFill>
+                  <a:schemeClr val="accent2">
+                    <a:lumMod val="75000"/>
+                  </a:schemeClr>
+                </a:solidFill>
+              </a:rPr>
+              <a:t>While this method favors newer titles, nine of the ten were available for over two years and consistently popular for that entire time.</a:t>
             </a:r>
           </a:p>
         </p:txBody>
@@ -7054,7 +7365,7 @@
           <p:cNvPr id="2" name="Title 1">
             <a:extLst>
               <a:ext uri="{FF2B5EF4-FFF2-40B4-BE49-F238E27FC236}">
-                <a16:creationId xmlns:a16="http://schemas.microsoft.com/office/drawing/2014/main" id="{471A529C-42BD-E1CE-EF69-DCEF6D459743}"/>
+                <a16:creationId xmlns:a16="http://schemas.microsoft.com/office/drawing/2014/main" id="{734D5689-F19C-09F0-FA29-B7231A0EEC96}"/>
               </a:ext>
             </a:extLst>
           </p:cNvPr>
@@ -7073,20 +7384,12 @@
             <a:r>
               <a:rPr lang="en-US" dirty="0">
                 <a:solidFill>
-                  <a:schemeClr val="accent1"/>
-                </a:solidFill>
-              </a:rPr>
-              <a:t>Challenge: </a:t>
-            </a:r>
-            <a:r>
-              <a:rPr lang="en-US" dirty="0">
-                <a:solidFill>
                   <a:schemeClr val="accent2">
                     <a:lumMod val="50000"/>
                   </a:schemeClr>
                 </a:solidFill>
               </a:rPr>
-              <a:t>What’s in a name?</a:t>
+              <a:t>Turnover in Popular Books</a:t>
             </a:r>
           </a:p>
         </p:txBody>
@@ -7096,7 +7399,7 @@
           <p:cNvPr id="3" name="Content Placeholder 2">
             <a:extLst>
               <a:ext uri="{FF2B5EF4-FFF2-40B4-BE49-F238E27FC236}">
-                <a16:creationId xmlns:a16="http://schemas.microsoft.com/office/drawing/2014/main" id="{2320A5DC-0D4A-C77D-783C-F83AF445BAC0}"/>
+                <a16:creationId xmlns:a16="http://schemas.microsoft.com/office/drawing/2014/main" id="{83992763-D0D0-5716-A917-56E27FF30A6A}"/>
               </a:ext>
             </a:extLst>
           </p:cNvPr>
@@ -7104,190 +7407,187 @@
             <a:spLocks noGrp="1"/>
           </p:cNvSpPr>
           <p:nvPr>
-            <p:ph idx="1"/>
-          </p:nvPr>
-        </p:nvSpPr>
+            <p:ph sz="half" idx="1"/>
+          </p:nvPr>
+        </p:nvSpPr>
+        <p:spPr/>
+        <p:txBody>
+          <a:bodyPr/>
+          <a:lstStyle/>
+          <a:p>
+            <a:r>
+              <a:rPr lang="en-US" dirty="0">
+                <a:solidFill>
+                  <a:schemeClr val="accent2">
+                    <a:lumMod val="75000"/>
+                  </a:schemeClr>
+                </a:solidFill>
+              </a:rPr>
+              <a:t>A final consideration for considering which books remain popular is to look at which titles remain in the Top 100 over time.  This list experiences pretty dramatic turnover – each year, one third of these top titles were not on the list the previous year, and the number of matches continues to drop off, going down to under half within just a few years.</a:t>
+            </a:r>
+          </a:p>
+          <a:p>
+            <a:r>
+              <a:rPr lang="en-US" dirty="0">
+                <a:solidFill>
+                  <a:schemeClr val="accent2">
+                    <a:lumMod val="75000"/>
+                  </a:schemeClr>
+                </a:solidFill>
+              </a:rPr>
+              <a:t>This indicates that across the two decades of the data set, the most popular books are overwhelmingly </a:t>
+            </a:r>
+            <a:r>
+              <a:rPr lang="en-US" b="1" dirty="0">
+                <a:solidFill>
+                  <a:schemeClr val="accent2">
+                    <a:lumMod val="75000"/>
+                  </a:schemeClr>
+                </a:solidFill>
+              </a:rPr>
+              <a:t>new titles</a:t>
+            </a:r>
+            <a:r>
+              <a:rPr lang="en-US" dirty="0">
+                <a:solidFill>
+                  <a:schemeClr val="accent2">
+                    <a:lumMod val="75000"/>
+                  </a:schemeClr>
+                </a:solidFill>
+              </a:rPr>
+              <a:t>.</a:t>
+            </a:r>
+          </a:p>
+        </p:txBody>
+      </p:sp>
+      <p:pic>
+        <p:nvPicPr>
+          <p:cNvPr id="6" name="Content Placeholder 5">
+            <a:extLst>
+              <a:ext uri="{FF2B5EF4-FFF2-40B4-BE49-F238E27FC236}">
+                <a16:creationId xmlns:a16="http://schemas.microsoft.com/office/drawing/2014/main" id="{F138EF78-E331-5FE5-479B-D2346733DDDE}"/>
+              </a:ext>
+            </a:extLst>
+          </p:cNvPr>
+          <p:cNvPicPr>
+            <a:picLocks noGrp="1" noChangeAspect="1"/>
+          </p:cNvPicPr>
+          <p:nvPr>
+            <p:ph sz="half" idx="2"/>
+          </p:nvPr>
+        </p:nvPicPr>
+        <p:blipFill>
+          <a:blip r:embed="rId2">
+            <a:extLst>
+              <a:ext uri="{28A0092B-C50C-407E-A947-70E740481C1C}">
+                <a14:useLocalDpi xmlns:a14="http://schemas.microsoft.com/office/drawing/2010/main" val="0"/>
+              </a:ext>
+            </a:extLst>
+          </a:blip>
+          <a:stretch>
+            <a:fillRect/>
+          </a:stretch>
+        </p:blipFill>
         <p:spPr>
           <a:xfrm>
-            <a:off x="1137285" y="1737360"/>
-            <a:ext cx="10058400" cy="4023360"/>
+            <a:off x="6126480" y="2111111"/>
+            <a:ext cx="5821010" cy="3492606"/>
           </a:xfrm>
         </p:spPr>
-        <p:txBody>
-          <a:bodyPr>
-            <a:normAutofit/>
-          </a:bodyPr>
-          <a:lstStyle/>
-          <a:p>
-            <a:pPr lvl="1">
-              <a:buFont typeface="Arial" panose="020B0604020202020204" pitchFamily="34" charset="0"/>
-              <a:buChar char="•"/>
-            </a:pPr>
-            <a:r>
-              <a:rPr lang="en-US" sz="1400" dirty="0">
-                <a:solidFill>
-                  <a:schemeClr val="accent2">
-                    <a:lumMod val="75000"/>
-                  </a:schemeClr>
-                </a:solidFill>
-              </a:rPr>
-              <a:t>One of the biggest challenges with this project was attempting to standardize what I meant when I talk about a specific “book”.  If we want to know how popular </a:t>
-            </a:r>
-            <a:r>
-              <a:rPr lang="en-US" sz="1400" i="1" dirty="0">
-                <a:solidFill>
-                  <a:schemeClr val="accent2">
-                    <a:lumMod val="75000"/>
-                  </a:schemeClr>
-                </a:solidFill>
-              </a:rPr>
-              <a:t>A Wrinkle in Time </a:t>
-            </a:r>
-            <a:r>
-              <a:rPr lang="en-US" sz="1400" dirty="0">
-                <a:solidFill>
-                  <a:schemeClr val="accent2">
-                    <a:lumMod val="75000"/>
-                  </a:schemeClr>
-                </a:solidFill>
-              </a:rPr>
-              <a:t>was in a particular month, we might not care whether it was checked out digitally or physically, whether it was an audiobook or print, or if it was a large-print edition.  But we probably </a:t>
-            </a:r>
-            <a:r>
-              <a:rPr lang="en-US" sz="1400" i="1" dirty="0">
-                <a:solidFill>
-                  <a:schemeClr val="accent2">
-                    <a:lumMod val="75000"/>
-                  </a:schemeClr>
-                </a:solidFill>
-              </a:rPr>
-              <a:t>would</a:t>
-            </a:r>
-            <a:r>
-              <a:rPr lang="en-US" sz="1400" dirty="0">
-                <a:solidFill>
-                  <a:schemeClr val="accent2">
-                    <a:lumMod val="75000"/>
-                  </a:schemeClr>
-                </a:solidFill>
-              </a:rPr>
-              <a:t> want to distinguish it from the graphic novel adaptation released in 2012.  </a:t>
-            </a:r>
-          </a:p>
-          <a:p>
-            <a:pPr lvl="1">
-              <a:buFont typeface="Arial" panose="020B0604020202020204" pitchFamily="34" charset="0"/>
-              <a:buChar char="•"/>
-            </a:pPr>
-            <a:r>
-              <a:rPr lang="en-US" sz="1400" dirty="0">
-                <a:solidFill>
-                  <a:schemeClr val="accent2">
-                    <a:lumMod val="75000"/>
-                  </a:schemeClr>
-                </a:solidFill>
-              </a:rPr>
-              <a:t>For maximum fidelity, I cleaned up titles and author names to identify unique works – in the case of </a:t>
-            </a:r>
-            <a:r>
-              <a:rPr lang="en-US" sz="1400" i="1" dirty="0">
-                <a:solidFill>
-                  <a:schemeClr val="accent2">
-                    <a:lumMod val="75000"/>
-                  </a:schemeClr>
-                </a:solidFill>
-              </a:rPr>
-              <a:t>A Wrinkle in Time</a:t>
-            </a:r>
-            <a:r>
-              <a:rPr lang="en-US" sz="1400" dirty="0">
-                <a:solidFill>
-                  <a:schemeClr val="accent2">
-                    <a:lumMod val="75000"/>
-                  </a:schemeClr>
-                </a:solidFill>
-              </a:rPr>
-              <a:t>, this brought the number of variations from 13 unique “books” down to just two (one of which is the graphic novel!)</a:t>
-            </a:r>
-          </a:p>
-          <a:p>
-            <a:pPr lvl="1">
-              <a:buFont typeface="Arial" panose="020B0604020202020204" pitchFamily="34" charset="0"/>
-              <a:buChar char="•"/>
-            </a:pPr>
-            <a:r>
-              <a:rPr lang="en-US" sz="1400" dirty="0">
-                <a:solidFill>
-                  <a:schemeClr val="accent2">
-                    <a:lumMod val="75000"/>
-                  </a:schemeClr>
-                </a:solidFill>
-              </a:rPr>
-              <a:t>Series where I noticed consistent patterns could be manually cleaned up, but there may remain titles for which different versions of the same book continued to be counted separately.</a:t>
-            </a:r>
-          </a:p>
-          <a:p>
-            <a:pPr lvl="1">
-              <a:buFont typeface="Arial" panose="020B0604020202020204" pitchFamily="34" charset="0"/>
-              <a:buChar char="•"/>
-            </a:pPr>
-            <a:endParaRPr lang="en-US" sz="1400" dirty="0">
-              <a:solidFill>
-                <a:schemeClr val="accent2">
-                  <a:lumMod val="75000"/>
-                </a:schemeClr>
-              </a:solidFill>
-            </a:endParaRPr>
-          </a:p>
-          <a:p>
-            <a:r>
-              <a:rPr lang="en-US" sz="1600" dirty="0">
-                <a:solidFill>
-                  <a:schemeClr val="accent2"/>
-                </a:solidFill>
-                <a:latin typeface="+mj-lt"/>
-              </a:rPr>
-              <a:t>WHAT ABOUT ISBN?</a:t>
-            </a:r>
-          </a:p>
-          <a:p>
-            <a:pPr marL="486918" lvl="1" indent="-285750">
-              <a:buFont typeface="Arial" panose="020B0604020202020204" pitchFamily="34" charset="0"/>
-              <a:buChar char="•"/>
-            </a:pPr>
-            <a:r>
-              <a:rPr lang="en-US" sz="1400" dirty="0">
-                <a:solidFill>
-                  <a:schemeClr val="accent2">
-                    <a:lumMod val="75000"/>
-                  </a:schemeClr>
-                </a:solidFill>
-              </a:rPr>
-              <a:t>International Standard Book Numbers (ISBNs) are exactly what they sound like, internationally standardized codes for identifying books.  Unfortunately, they are unique to different formats of books and not a solution to this situation.</a:t>
-            </a:r>
-          </a:p>
-          <a:p>
-            <a:pPr marL="486918" lvl="1" indent="-285750">
-              <a:buFont typeface="Arial" panose="020B0604020202020204" pitchFamily="34" charset="0"/>
-              <a:buChar char="•"/>
-            </a:pPr>
-            <a:r>
-              <a:rPr lang="en-US" sz="1400" dirty="0">
-                <a:solidFill>
-                  <a:schemeClr val="accent2">
-                    <a:lumMod val="75000"/>
-                  </a:schemeClr>
-                </a:solidFill>
-              </a:rPr>
-              <a:t>As the world becomes increasingly dependent on big data, it may be worthwhile for the library and publishing communities to consider adopting identifiers for overarching works as well as for each format.</a:t>
-            </a:r>
-          </a:p>
-        </p:txBody>
-      </p:sp>
+      </p:pic>
     </p:spTree>
     <p:extLst>
       <p:ext uri="{BB962C8B-B14F-4D97-AF65-F5344CB8AC3E}">
-        <p14:creationId xmlns:p14="http://schemas.microsoft.com/office/powerpoint/2010/main" val="2006992848"/>
+        <p14:creationId xmlns:p14="http://schemas.microsoft.com/office/powerpoint/2010/main" val="2817627478"/>
+      </p:ext>
+    </p:extLst>
+  </p:cSld>
+  <p:clrMapOvr>
+    <a:masterClrMapping/>
+  </p:clrMapOvr>
+</p:sld>
+</file>
+
+<file path=ppt/slides/slide9.xml><?xml version="1.0" encoding="utf-8"?>
+<p:sld xmlns:a="http://schemas.openxmlformats.org/drawingml/2006/main" xmlns:r="http://schemas.openxmlformats.org/officeDocument/2006/relationships" xmlns:p="http://schemas.openxmlformats.org/presentationml/2006/main">
+  <p:cSld>
+    <p:spTree>
+      <p:nvGrpSpPr>
+        <p:cNvPr id="1" name=""/>
+        <p:cNvGrpSpPr/>
+        <p:nvPr/>
+      </p:nvGrpSpPr>
+      <p:grpSpPr>
+        <a:xfrm>
+          <a:off x="0" y="0"/>
+          <a:ext cx="0" cy="0"/>
+          <a:chOff x="0" y="0"/>
+          <a:chExt cx="0" cy="0"/>
+        </a:xfrm>
+      </p:grpSpPr>
+      <p:sp>
+        <p:nvSpPr>
+          <p:cNvPr id="2" name="Title 1">
+            <a:extLst>
+              <a:ext uri="{FF2B5EF4-FFF2-40B4-BE49-F238E27FC236}">
+                <a16:creationId xmlns:a16="http://schemas.microsoft.com/office/drawing/2014/main" id="{8FB1B878-0AE1-4C45-1253-CD842E609104}"/>
+              </a:ext>
+            </a:extLst>
+          </p:cNvPr>
+          <p:cNvSpPr>
+            <a:spLocks noGrp="1"/>
+          </p:cNvSpPr>
+          <p:nvPr>
+            <p:ph type="title"/>
+          </p:nvPr>
+        </p:nvSpPr>
+        <p:spPr/>
+        <p:txBody>
+          <a:bodyPr/>
+          <a:lstStyle/>
+          <a:p>
+            <a:r>
+              <a:rPr lang="en-US" dirty="0">
+                <a:solidFill>
+                  <a:schemeClr val="accent2">
+                    <a:lumMod val="50000"/>
+                  </a:schemeClr>
+                </a:solidFill>
+              </a:rPr>
+              <a:t>Conclusion</a:t>
+            </a:r>
+          </a:p>
+        </p:txBody>
+      </p:sp>
+      <p:sp>
+        <p:nvSpPr>
+          <p:cNvPr id="3" name="Content Placeholder 2">
+            <a:extLst>
+              <a:ext uri="{FF2B5EF4-FFF2-40B4-BE49-F238E27FC236}">
+                <a16:creationId xmlns:a16="http://schemas.microsoft.com/office/drawing/2014/main" id="{69914211-AC8B-4878-891B-7759CA3B6492}"/>
+              </a:ext>
+            </a:extLst>
+          </p:cNvPr>
+          <p:cNvSpPr>
+            <a:spLocks noGrp="1"/>
+          </p:cNvSpPr>
+          <p:nvPr>
+            <p:ph idx="1"/>
+          </p:nvPr>
+        </p:nvSpPr>
+        <p:spPr/>
+        <p:txBody>
+          <a:bodyPr/>
+          <a:lstStyle/>
+          <a:p>
+            <a:endParaRPr lang="en-US"/>
+          </a:p>
+        </p:txBody>
+      </p:sp>
+    </p:spTree>
+    <p:extLst>
+      <p:ext uri="{BB962C8B-B14F-4D97-AF65-F5344CB8AC3E}">
+        <p14:creationId xmlns:p14="http://schemas.microsoft.com/office/powerpoint/2010/main" val="729273870"/>
       </p:ext>
     </p:extLst>
   </p:cSld>

--- a/presentation draft.pptx
+++ b/presentation draft.pptx
@@ -5,7 +5,7 @@
     <p:sldMasterId id="2147483753" r:id="rId1"/>
   </p:sldMasterIdLst>
   <p:notesMasterIdLst>
-    <p:notesMasterId r:id="rId12"/>
+    <p:notesMasterId r:id="rId13"/>
   </p:notesMasterIdLst>
   <p:sldIdLst>
     <p:sldId id="256" r:id="rId2"/>
@@ -17,7 +17,8 @@
     <p:sldId id="263" r:id="rId8"/>
     <p:sldId id="268" r:id="rId9"/>
     <p:sldId id="269" r:id="rId10"/>
-    <p:sldId id="260" r:id="rId11"/>
+    <p:sldId id="270" r:id="rId11"/>
+    <p:sldId id="260" r:id="rId12"/>
   </p:sldIdLst>
   <p:sldSz cx="12192000" cy="6858000"/>
   <p:notesSz cx="6858000" cy="9144000"/>
@@ -206,7 +207,7 @@
           <a:p>
             <a:fld id="{7734F6C5-14D3-4C8A-B4DA-80FCB6E09599}" type="datetimeFigureOut">
               <a:rPr lang="en-US" smtClean="0"/>
-              <a:t>12/30/2025</a:t>
+              <a:t>12/31/2025</a:t>
             </a:fld>
             <a:endParaRPr lang="en-US"/>
           </a:p>
@@ -873,7 +874,7 @@
           <a:p>
             <a:fld id="{D341B595-366B-43E2-A22E-EA6A78C03F06}" type="datetimeFigureOut">
               <a:rPr lang="en-US" smtClean="0"/>
-              <a:t>12/30/2025</a:t>
+              <a:t>12/31/2025</a:t>
             </a:fld>
             <a:endParaRPr lang="en-US" dirty="0"/>
           </a:p>
@@ -1081,7 +1082,7 @@
           <a:p>
             <a:fld id="{D341B595-366B-43E2-A22E-EA6A78C03F06}" type="datetimeFigureOut">
               <a:rPr lang="en-US" smtClean="0"/>
-              <a:t>12/30/2025</a:t>
+              <a:t>12/31/2025</a:t>
             </a:fld>
             <a:endParaRPr lang="en-US" dirty="0"/>
           </a:p>
@@ -1337,7 +1338,7 @@
           <a:p>
             <a:fld id="{D341B595-366B-43E2-A22E-EA6A78C03F06}" type="datetimeFigureOut">
               <a:rPr lang="en-US" smtClean="0"/>
-              <a:t>12/30/2025</a:t>
+              <a:t>12/31/2025</a:t>
             </a:fld>
             <a:endParaRPr lang="en-US" dirty="0"/>
           </a:p>
@@ -1511,7 +1512,7 @@
           <a:p>
             <a:fld id="{D341B595-366B-43E2-A22E-EA6A78C03F06}" type="datetimeFigureOut">
               <a:rPr lang="en-US" smtClean="0"/>
-              <a:t>12/30/2025</a:t>
+              <a:t>12/31/2025</a:t>
             </a:fld>
             <a:endParaRPr lang="en-US" dirty="0"/>
           </a:p>
@@ -1854,7 +1855,7 @@
           <a:p>
             <a:fld id="{D341B595-366B-43E2-A22E-EA6A78C03F06}" type="datetimeFigureOut">
               <a:rPr lang="en-US" smtClean="0"/>
-              <a:t>12/30/2025</a:t>
+              <a:t>12/31/2025</a:t>
             </a:fld>
             <a:endParaRPr lang="en-US" dirty="0"/>
           </a:p>
@@ -2129,7 +2130,7 @@
           <a:p>
             <a:fld id="{D341B595-366B-43E2-A22E-EA6A78C03F06}" type="datetimeFigureOut">
               <a:rPr lang="en-US" smtClean="0"/>
-              <a:t>12/30/2025</a:t>
+              <a:t>12/31/2025</a:t>
             </a:fld>
             <a:endParaRPr lang="en-US" dirty="0"/>
           </a:p>
@@ -2508,7 +2509,7 @@
           <a:p>
             <a:fld id="{D341B595-366B-43E2-A22E-EA6A78C03F06}" type="datetimeFigureOut">
               <a:rPr lang="en-US" smtClean="0"/>
-              <a:t>12/30/2025</a:t>
+              <a:t>12/31/2025</a:t>
             </a:fld>
             <a:endParaRPr lang="en-US" dirty="0"/>
           </a:p>
@@ -2626,7 +2627,7 @@
           <a:p>
             <a:fld id="{D341B595-366B-43E2-A22E-EA6A78C03F06}" type="datetimeFigureOut">
               <a:rPr lang="en-US" smtClean="0"/>
-              <a:t>12/30/2025</a:t>
+              <a:t>12/31/2025</a:t>
             </a:fld>
             <a:endParaRPr lang="en-US" dirty="0"/>
           </a:p>
@@ -2797,7 +2798,7 @@
           <a:p>
             <a:fld id="{D341B595-366B-43E2-A22E-EA6A78C03F06}" type="datetimeFigureOut">
               <a:rPr lang="en-US" smtClean="0"/>
-              <a:t>12/30/2025</a:t>
+              <a:t>12/31/2025</a:t>
             </a:fld>
             <a:endParaRPr lang="en-US" dirty="0"/>
           </a:p>
@@ -3151,7 +3152,7 @@
           <a:p>
             <a:fld id="{D341B595-366B-43E2-A22E-EA6A78C03F06}" type="datetimeFigureOut">
               <a:rPr lang="en-US" smtClean="0"/>
-              <a:t>12/30/2025</a:t>
+              <a:t>12/31/2025</a:t>
             </a:fld>
             <a:endParaRPr lang="en-US" dirty="0"/>
           </a:p>
@@ -3532,7 +3533,7 @@
           <a:p>
             <a:fld id="{D341B595-366B-43E2-A22E-EA6A78C03F06}" type="datetimeFigureOut">
               <a:rPr lang="en-US" smtClean="0"/>
-              <a:t>12/30/2025</a:t>
+              <a:t>12/31/2025</a:t>
             </a:fld>
             <a:endParaRPr lang="en-US" dirty="0"/>
           </a:p>
@@ -3833,7 +3834,7 @@
           <a:p>
             <a:fld id="{D341B595-366B-43E2-A22E-EA6A78C03F06}" type="datetimeFigureOut">
               <a:rPr lang="en-US" smtClean="0"/>
-              <a:t>12/30/2025</a:t>
+              <a:t>12/31/2025</a:t>
             </a:fld>
             <a:endParaRPr lang="en-US" dirty="0"/>
           </a:p>
@@ -4726,6 +4727,100 @@
           </a:p>
         </p:txBody>
       </p:sp>
+      <p:grpSp>
+        <p:nvGrpSpPr>
+          <p:cNvPr id="7" name="Group 6">
+            <a:extLst>
+              <a:ext uri="{FF2B5EF4-FFF2-40B4-BE49-F238E27FC236}">
+                <a16:creationId xmlns:a16="http://schemas.microsoft.com/office/drawing/2014/main" id="{E320D9B8-A0DF-8D3E-8C34-84920C431806}"/>
+              </a:ext>
+            </a:extLst>
+          </p:cNvPr>
+          <p:cNvGrpSpPr/>
+          <p:nvPr/>
+        </p:nvGrpSpPr>
+        <p:grpSpPr>
+          <a:xfrm>
+            <a:off x="8583930" y="4208381"/>
+            <a:ext cx="3107410" cy="2391249"/>
+            <a:chOff x="8908372" y="4155758"/>
+            <a:chExt cx="2622948" cy="2018440"/>
+          </a:xfrm>
+        </p:grpSpPr>
+        <p:pic>
+          <p:nvPicPr>
+            <p:cNvPr id="17" name="Picture 16" descr="Cartoon bee with sign">
+              <a:extLst>
+                <a:ext uri="{FF2B5EF4-FFF2-40B4-BE49-F238E27FC236}">
+                  <a16:creationId xmlns:a16="http://schemas.microsoft.com/office/drawing/2014/main" id="{A079BBF0-5DEB-8F9C-49FC-02ED4199A0B7}"/>
+                </a:ext>
+              </a:extLst>
+            </p:cNvPr>
+            <p:cNvPicPr>
+              <a:picLocks noChangeAspect="1"/>
+            </p:cNvPicPr>
+            <p:nvPr/>
+          </p:nvPicPr>
+          <p:blipFill>
+            <a:blip r:embed="rId3">
+              <a:extLst>
+                <a:ext uri="{28A0092B-C50C-407E-A947-70E740481C1C}">
+                  <a14:useLocalDpi xmlns:a14="http://schemas.microsoft.com/office/drawing/2010/main" val="0"/>
+                </a:ext>
+              </a:extLst>
+            </a:blip>
+            <a:stretch>
+              <a:fillRect/>
+            </a:stretch>
+          </p:blipFill>
+          <p:spPr>
+            <a:xfrm>
+              <a:off x="8908372" y="4155758"/>
+              <a:ext cx="2622948" cy="2018440"/>
+            </a:xfrm>
+            <a:prstGeom prst="rect">
+              <a:avLst/>
+            </a:prstGeom>
+          </p:spPr>
+        </p:pic>
+        <p:pic>
+          <p:nvPicPr>
+            <p:cNvPr id="6" name="Picture 5">
+              <a:extLst>
+                <a:ext uri="{FF2B5EF4-FFF2-40B4-BE49-F238E27FC236}">
+                  <a16:creationId xmlns:a16="http://schemas.microsoft.com/office/drawing/2014/main" id="{F7D408C3-4429-BC6C-8E4B-E06BA42BE751}"/>
+                </a:ext>
+              </a:extLst>
+            </p:cNvPr>
+            <p:cNvPicPr>
+              <a:picLocks noChangeAspect="1"/>
+            </p:cNvPicPr>
+            <p:nvPr/>
+          </p:nvPicPr>
+          <p:blipFill>
+            <a:blip r:embed="rId4">
+              <a:extLst>
+                <a:ext uri="{28A0092B-C50C-407E-A947-70E740481C1C}">
+                  <a14:useLocalDpi xmlns:a14="http://schemas.microsoft.com/office/drawing/2010/main" val="0"/>
+                </a:ext>
+              </a:extLst>
+            </a:blip>
+            <a:srcRect l="11960" r="73067" b="50000"/>
+            <a:stretch>
+              <a:fillRect/>
+            </a:stretch>
+          </p:blipFill>
+          <p:spPr>
+            <a:xfrm rot="21339954">
+              <a:off x="10321951" y="4685124"/>
+              <a:ext cx="1135989" cy="859444"/>
+            </a:xfrm>
+            <a:prstGeom prst="rect">
+              <a:avLst/>
+            </a:prstGeom>
+          </p:spPr>
+        </p:pic>
+      </p:grpSp>
     </p:spTree>
     <p:extLst>
       <p:ext uri="{BB962C8B-B14F-4D97-AF65-F5344CB8AC3E}">
@@ -4853,6 +4948,129 @@
           <p:cNvPr id="2" name="Title 1">
             <a:extLst>
               <a:ext uri="{FF2B5EF4-FFF2-40B4-BE49-F238E27FC236}">
+                <a16:creationId xmlns:a16="http://schemas.microsoft.com/office/drawing/2014/main" id="{FD8F17E6-845E-5A4F-E369-FBDE4C0631FE}"/>
+              </a:ext>
+            </a:extLst>
+          </p:cNvPr>
+          <p:cNvSpPr>
+            <a:spLocks noGrp="1"/>
+          </p:cNvSpPr>
+          <p:nvPr>
+            <p:ph type="title"/>
+          </p:nvPr>
+        </p:nvSpPr>
+        <p:spPr/>
+        <p:txBody>
+          <a:bodyPr/>
+          <a:lstStyle/>
+          <a:p>
+            <a:r>
+              <a:rPr lang="en-US" dirty="0">
+                <a:solidFill>
+                  <a:schemeClr val="accent1"/>
+                </a:solidFill>
+              </a:rPr>
+              <a:t>Questions?</a:t>
+            </a:r>
+          </a:p>
+        </p:txBody>
+      </p:sp>
+      <p:sp>
+        <p:nvSpPr>
+          <p:cNvPr id="3" name="Text Placeholder 2">
+            <a:extLst>
+              <a:ext uri="{FF2B5EF4-FFF2-40B4-BE49-F238E27FC236}">
+                <a16:creationId xmlns:a16="http://schemas.microsoft.com/office/drawing/2014/main" id="{9C73E35E-9233-4FA9-8B86-F54422D79C28}"/>
+              </a:ext>
+            </a:extLst>
+          </p:cNvPr>
+          <p:cNvSpPr>
+            <a:spLocks noGrp="1"/>
+          </p:cNvSpPr>
+          <p:nvPr>
+            <p:ph type="body" idx="1"/>
+          </p:nvPr>
+        </p:nvSpPr>
+        <p:spPr/>
+        <p:txBody>
+          <a:bodyPr/>
+          <a:lstStyle/>
+          <a:p>
+            <a:endParaRPr lang="en-US"/>
+          </a:p>
+        </p:txBody>
+      </p:sp>
+      <p:pic>
+        <p:nvPicPr>
+          <p:cNvPr id="7" name="Picture 6" descr="Reading cartoon bee">
+            <a:extLst>
+              <a:ext uri="{FF2B5EF4-FFF2-40B4-BE49-F238E27FC236}">
+                <a16:creationId xmlns:a16="http://schemas.microsoft.com/office/drawing/2014/main" id="{EFDD027E-1670-B301-6055-3FA9EB1EAC30}"/>
+              </a:ext>
+            </a:extLst>
+          </p:cNvPr>
+          <p:cNvPicPr>
+            <a:picLocks noChangeAspect="1"/>
+          </p:cNvPicPr>
+          <p:nvPr/>
+        </p:nvPicPr>
+        <p:blipFill>
+          <a:blip r:embed="rId2">
+            <a:extLst>
+              <a:ext uri="{28A0092B-C50C-407E-A947-70E740481C1C}">
+                <a14:useLocalDpi xmlns:a14="http://schemas.microsoft.com/office/drawing/2010/main" val="0"/>
+              </a:ext>
+            </a:extLst>
+          </a:blip>
+          <a:stretch>
+            <a:fillRect/>
+          </a:stretch>
+        </p:blipFill>
+        <p:spPr>
+          <a:xfrm>
+            <a:off x="5671107" y="2681416"/>
+            <a:ext cx="1503707" cy="1999735"/>
+          </a:xfrm>
+          <a:prstGeom prst="rect">
+            <a:avLst/>
+          </a:prstGeom>
+        </p:spPr>
+      </p:pic>
+    </p:spTree>
+    <p:extLst>
+      <p:ext uri="{BB962C8B-B14F-4D97-AF65-F5344CB8AC3E}">
+        <p14:creationId xmlns:p14="http://schemas.microsoft.com/office/powerpoint/2010/main" val="1167438186"/>
+      </p:ext>
+    </p:extLst>
+  </p:cSld>
+  <p:clrMapOvr>
+    <a:masterClrMapping/>
+  </p:clrMapOvr>
+</p:sld>
+</file>
+
+<file path=ppt/slides/slide11.xml><?xml version="1.0" encoding="utf-8"?>
+<p:sld xmlns:a="http://schemas.openxmlformats.org/drawingml/2006/main" xmlns:r="http://schemas.openxmlformats.org/officeDocument/2006/relationships" xmlns:p="http://schemas.openxmlformats.org/presentationml/2006/main">
+  <p:cSld>
+    <p:spTree>
+      <p:nvGrpSpPr>
+        <p:cNvPr id="1" name=""/>
+        <p:cNvGrpSpPr/>
+        <p:nvPr/>
+      </p:nvGrpSpPr>
+      <p:grpSpPr>
+        <a:xfrm>
+          <a:off x="0" y="0"/>
+          <a:ext cx="0" cy="0"/>
+          <a:chOff x="0" y="0"/>
+          <a:chExt cx="0" cy="0"/>
+        </a:xfrm>
+      </p:grpSpPr>
+      <p:sp>
+        <p:nvSpPr>
+          <p:cNvPr id="2" name="Title 1">
+            <a:extLst>
+              <a:ext uri="{FF2B5EF4-FFF2-40B4-BE49-F238E27FC236}">
                 <a16:creationId xmlns:a16="http://schemas.microsoft.com/office/drawing/2014/main" id="{471A529C-42BD-E1CE-EF69-DCEF6D459743}"/>
               </a:ext>
             </a:extLst>
@@ -4914,11 +5132,14 @@
         </p:spPr>
         <p:txBody>
           <a:bodyPr>
-            <a:normAutofit/>
+            <a:noAutofit/>
           </a:bodyPr>
           <a:lstStyle/>
           <a:p>
             <a:pPr lvl="1">
+              <a:lnSpc>
+                <a:spcPct val="120000"/>
+              </a:lnSpc>
               <a:buFont typeface="Arial" panose="020B0604020202020204" pitchFamily="34" charset="0"/>
               <a:buChar char="•"/>
             </a:pPr>
@@ -4975,6 +5196,9 @@
           </a:p>
           <a:p>
             <a:pPr lvl="1">
+              <a:lnSpc>
+                <a:spcPct val="120000"/>
+              </a:lnSpc>
               <a:buFont typeface="Arial" panose="020B0604020202020204" pitchFamily="34" charset="0"/>
               <a:buChar char="•"/>
             </a:pPr>
@@ -5011,6 +5235,9 @@
           </a:p>
           <a:p>
             <a:pPr lvl="1">
+              <a:lnSpc>
+                <a:spcPct val="120000"/>
+              </a:lnSpc>
               <a:buFont typeface="Arial" panose="020B0604020202020204" pitchFamily="34" charset="0"/>
               <a:buChar char="•"/>
             </a:pPr>
@@ -5027,6 +5254,9 @@
           </a:p>
           <a:p>
             <a:pPr lvl="1">
+              <a:lnSpc>
+                <a:spcPct val="120000"/>
+              </a:lnSpc>
               <a:buFont typeface="Arial" panose="020B0604020202020204" pitchFamily="34" charset="0"/>
               <a:buChar char="•"/>
             </a:pPr>
@@ -5039,8 +5269,13 @@
             </a:endParaRPr>
           </a:p>
           <a:p>
-            <a:r>
-              <a:rPr lang="en-US" sz="1600" dirty="0">
+            <a:pPr>
+              <a:lnSpc>
+                <a:spcPct val="120000"/>
+              </a:lnSpc>
+            </a:pPr>
+            <a:r>
+              <a:rPr lang="en-US" sz="1400" dirty="0">
                 <a:solidFill>
                   <a:schemeClr val="accent2"/>
                 </a:solidFill>
@@ -5051,6 +5286,9 @@
           </a:p>
           <a:p>
             <a:pPr marL="486918" lvl="1" indent="-285750">
+              <a:lnSpc>
+                <a:spcPct val="120000"/>
+              </a:lnSpc>
               <a:buFont typeface="Arial" panose="020B0604020202020204" pitchFamily="34" charset="0"/>
               <a:buChar char="•"/>
             </a:pPr>
@@ -5067,6 +5305,9 @@
           </a:p>
           <a:p>
             <a:pPr marL="486918" lvl="1" indent="-285750">
+              <a:lnSpc>
+                <a:spcPct val="120000"/>
+              </a:lnSpc>
               <a:buFont typeface="Arial" panose="020B0604020202020204" pitchFamily="34" charset="0"/>
               <a:buChar char="•"/>
             </a:pPr>
@@ -5744,7 +5985,7 @@
                   </a:schemeClr>
                 </a:solidFill>
               </a:rPr>
-              <a:t>130,141 unique titles</a:t>
+              <a:t>127,254 unique titles</a:t>
             </a:r>
             <a:r>
               <a:rPr lang="en-US" dirty="0">
@@ -5801,6 +6042,42 @@
           </a:p>
         </p:txBody>
       </p:sp>
+      <p:pic>
+        <p:nvPicPr>
+          <p:cNvPr id="5" name="Picture 4" descr="Cartoon bee with magnifying glass">
+            <a:extLst>
+              <a:ext uri="{FF2B5EF4-FFF2-40B4-BE49-F238E27FC236}">
+                <a16:creationId xmlns:a16="http://schemas.microsoft.com/office/drawing/2014/main" id="{97BCC64A-6EFA-E43F-C47D-00873BFAED78}"/>
+              </a:ext>
+            </a:extLst>
+          </p:cNvPr>
+          <p:cNvPicPr>
+            <a:picLocks noChangeAspect="1"/>
+          </p:cNvPicPr>
+          <p:nvPr/>
+        </p:nvPicPr>
+        <p:blipFill>
+          <a:blip r:embed="rId2">
+            <a:extLst>
+              <a:ext uri="{28A0092B-C50C-407E-A947-70E740481C1C}">
+                <a14:useLocalDpi xmlns:a14="http://schemas.microsoft.com/office/drawing/2010/main" val="0"/>
+              </a:ext>
+            </a:extLst>
+          </a:blip>
+          <a:stretch>
+            <a:fillRect/>
+          </a:stretch>
+        </p:blipFill>
+        <p:spPr>
+          <a:xfrm>
+            <a:off x="414080" y="3903778"/>
+            <a:ext cx="2415618" cy="2742343"/>
+          </a:xfrm>
+          <a:prstGeom prst="rect">
+            <a:avLst/>
+          </a:prstGeom>
+        </p:spPr>
+      </p:pic>
     </p:spTree>
     <p:extLst>
       <p:ext uri="{BB962C8B-B14F-4D97-AF65-F5344CB8AC3E}">
@@ -7219,7 +7496,7 @@
                   </a:schemeClr>
                 </a:solidFill>
               </a:rPr>
-              <a:t>Enduring Popularity</a:t>
+              <a:t>Consistent Popularity</a:t>
             </a:r>
           </a:p>
         </p:txBody>
@@ -7293,7 +7570,7 @@
                   </a:schemeClr>
                 </a:solidFill>
               </a:rPr>
-              <a:t>Looking at books with the highest levels of typical monthly checkouts can help correct for both short-lived fads and books that have simply been around for a long time.  Here, Jeff Kinney’s </a:t>
+              <a:t>Looking at books with the highest levels of typical monthly checkouts can help correct for both short-lived fads and books that have simply been around for a long time.  Jeff Kinney’s </a:t>
             </a:r>
             <a:r>
               <a:rPr lang="en-US" i="1" dirty="0">
@@ -7313,7 +7590,7 @@
                   </a:schemeClr>
                 </a:solidFill>
               </a:rPr>
-              <a:t>series dominates, making up six of the top ten titles.  </a:t>
+              <a:t>series outperforms, making up six of the top ten titles.  </a:t>
             </a:r>
           </a:p>
           <a:p>
@@ -7330,6 +7607,42 @@
           </a:p>
         </p:txBody>
       </p:sp>
+      <p:pic>
+        <p:nvPicPr>
+          <p:cNvPr id="9" name="Picture 8" descr="Cartoon bee with pointer">
+            <a:extLst>
+              <a:ext uri="{FF2B5EF4-FFF2-40B4-BE49-F238E27FC236}">
+                <a16:creationId xmlns:a16="http://schemas.microsoft.com/office/drawing/2014/main" id="{BE636FC2-3152-D073-03F7-824CF5DD18F7}"/>
+              </a:ext>
+            </a:extLst>
+          </p:cNvPr>
+          <p:cNvPicPr>
+            <a:picLocks noChangeAspect="1"/>
+          </p:cNvPicPr>
+          <p:nvPr/>
+        </p:nvPicPr>
+        <p:blipFill>
+          <a:blip r:embed="rId3">
+            <a:extLst>
+              <a:ext uri="{28A0092B-C50C-407E-A947-70E740481C1C}">
+                <a14:useLocalDpi xmlns:a14="http://schemas.microsoft.com/office/drawing/2010/main" val="0"/>
+              </a:ext>
+            </a:extLst>
+          </a:blip>
+          <a:stretch>
+            <a:fillRect/>
+          </a:stretch>
+        </p:blipFill>
+        <p:spPr>
+          <a:xfrm flipH="1">
+            <a:off x="4689582" y="3513936"/>
+            <a:ext cx="1882667" cy="2123184"/>
+          </a:xfrm>
+          <a:prstGeom prst="rect">
+            <a:avLst/>
+          </a:prstGeom>
+        </p:spPr>
+      </p:pic>
     </p:spTree>
     <p:extLst>
       <p:ext uri="{BB962C8B-B14F-4D97-AF65-F5344CB8AC3E}">
@@ -7423,7 +7736,7 @@
                   </a:schemeClr>
                 </a:solidFill>
               </a:rPr>
-              <a:t>A final consideration for considering which books remain popular is to look at which titles remain in the Top 100 over time.  This list experiences pretty dramatic turnover – each year, one third of these top titles were not on the list the previous year, and the number of matches continues to drop off, going down to under half within just a few years.</a:t>
+              <a:t>A final consideration for considering which books remain popular is to look at which titles remain in the Top 100 over time.  This list experiences pretty dramatic turnover – each year, one third of top titles were not on the list the previous year, and the number of matches continues to drop off, going down to under half within just a few years.</a:t>
             </a:r>
           </a:p>
           <a:p>
@@ -7435,7 +7748,7 @@
                   </a:schemeClr>
                 </a:solidFill>
               </a:rPr>
-              <a:t>This indicates that across the two decades of the data set, the most popular books are overwhelmingly </a:t>
+              <a:t>This indicates that across the two decades of the data set, the most popular books each year are overwhelmingly </a:t>
             </a:r>
             <a:r>
               <a:rPr lang="en-US" b="1" dirty="0">
@@ -7445,7 +7758,7 @@
                   </a:schemeClr>
                 </a:solidFill>
               </a:rPr>
-              <a:t>new titles</a:t>
+              <a:t>newer titles</a:t>
             </a:r>
             <a:r>
               <a:rPr lang="en-US" dirty="0">
@@ -7580,10 +7893,127 @@
           <a:bodyPr/>
           <a:lstStyle/>
           <a:p>
-            <a:endParaRPr lang="en-US"/>
-          </a:p>
-        </p:txBody>
-      </p:sp>
+            <a:r>
+              <a:rPr lang="en-US" dirty="0">
+                <a:solidFill>
+                  <a:schemeClr val="accent2">
+                    <a:lumMod val="75000"/>
+                  </a:schemeClr>
+                </a:solidFill>
+              </a:rPr>
+              <a:t>The seven Harry Potter books were a defining children’s fiction series for millennials, but they are the only books published pre-2008 to be in the top 100 more than 75% of the time.  Otherwise, new readers in the twenty-first century have overwhelming preferred books written and published for their generation, not their older siblings or parents.  Jeff Kinney’s </a:t>
+            </a:r>
+            <a:r>
+              <a:rPr lang="en-US" i="1" dirty="0">
+                <a:solidFill>
+                  <a:schemeClr val="accent2">
+                    <a:lumMod val="75000"/>
+                  </a:schemeClr>
+                </a:solidFill>
+              </a:rPr>
+              <a:t>Diary of a Wimpy Kid</a:t>
+            </a:r>
+            <a:r>
+              <a:rPr lang="en-US" dirty="0">
+                <a:solidFill>
+                  <a:schemeClr val="accent2">
+                    <a:lumMod val="75000"/>
+                  </a:schemeClr>
+                </a:solidFill>
+              </a:rPr>
+              <a:t> and Dav Pilkey’s </a:t>
+            </a:r>
+            <a:r>
+              <a:rPr lang="en-US" i="1" dirty="0">
+                <a:solidFill>
+                  <a:schemeClr val="accent2">
+                    <a:lumMod val="75000"/>
+                  </a:schemeClr>
+                </a:solidFill>
+              </a:rPr>
+              <a:t>Dog Man</a:t>
+            </a:r>
+            <a:r>
+              <a:rPr lang="en-US" dirty="0">
+                <a:solidFill>
+                  <a:schemeClr val="accent2">
+                    <a:lumMod val="75000"/>
+                  </a:schemeClr>
+                </a:solidFill>
+              </a:rPr>
+              <a:t> dominate checkouts by 2025 and represent a shift towards graphic novels for middle grade fiction that has also been typified by adaptations of older series like Magic Tree House, The Baby-Sitter’s Club, and Goosebumps.</a:t>
+            </a:r>
+          </a:p>
+          <a:p>
+            <a:r>
+              <a:rPr lang="en-US" dirty="0">
+                <a:solidFill>
+                  <a:schemeClr val="accent2">
+                    <a:lumMod val="75000"/>
+                  </a:schemeClr>
+                </a:solidFill>
+              </a:rPr>
+              <a:t>While today’s kids might engage with some of my favorite children’s stories in new ways, I shouldn’t be surprised to learn that they are </a:t>
+            </a:r>
+            <a:r>
+              <a:rPr lang="en-US" i="1" dirty="0">
+                <a:solidFill>
+                  <a:schemeClr val="accent2">
+                    <a:lumMod val="75000"/>
+                  </a:schemeClr>
+                </a:solidFill>
+              </a:rPr>
+              <a:t>reading</a:t>
+            </a:r>
+            <a:r>
+              <a:rPr lang="en-US" dirty="0">
+                <a:solidFill>
+                  <a:schemeClr val="accent2">
+                    <a:lumMod val="75000"/>
+                  </a:schemeClr>
+                </a:solidFill>
+              </a:rPr>
+              <a:t> as well as making their own.</a:t>
+            </a:r>
+          </a:p>
+        </p:txBody>
+      </p:sp>
+      <p:pic>
+        <p:nvPicPr>
+          <p:cNvPr id="15" name="Picture 14" descr="Cartoon bee with pencil">
+            <a:extLst>
+              <a:ext uri="{FF2B5EF4-FFF2-40B4-BE49-F238E27FC236}">
+                <a16:creationId xmlns:a16="http://schemas.microsoft.com/office/drawing/2014/main" id="{84DCBD1A-FB04-33BF-C73D-8D84E67D2E35}"/>
+              </a:ext>
+            </a:extLst>
+          </p:cNvPr>
+          <p:cNvPicPr>
+            <a:picLocks noChangeAspect="1"/>
+          </p:cNvPicPr>
+          <p:nvPr/>
+        </p:nvPicPr>
+        <p:blipFill>
+          <a:blip r:embed="rId2">
+            <a:extLst>
+              <a:ext uri="{28A0092B-C50C-407E-A947-70E740481C1C}">
+                <a14:useLocalDpi xmlns:a14="http://schemas.microsoft.com/office/drawing/2010/main" val="0"/>
+              </a:ext>
+            </a:extLst>
+          </a:blip>
+          <a:stretch>
+            <a:fillRect/>
+          </a:stretch>
+        </p:blipFill>
+        <p:spPr>
+          <a:xfrm>
+            <a:off x="9738502" y="4126098"/>
+            <a:ext cx="2185767" cy="2346149"/>
+          </a:xfrm>
+          <a:prstGeom prst="rect">
+            <a:avLst/>
+          </a:prstGeom>
+        </p:spPr>
+      </p:pic>
     </p:spTree>
     <p:extLst>
       <p:ext uri="{BB962C8B-B14F-4D97-AF65-F5344CB8AC3E}">
